--- a/Presentation1.pptx
+++ b/Presentation1.pptx
@@ -10,9 +10,16 @@
     <p:sldId id="259" r:id="rId4"/>
     <p:sldId id="263" r:id="rId5"/>
     <p:sldId id="260" r:id="rId6"/>
-    <p:sldId id="261" r:id="rId7"/>
-    <p:sldId id="262" r:id="rId8"/>
-    <p:sldId id="258" r:id="rId9"/>
+    <p:sldId id="264" r:id="rId7"/>
+    <p:sldId id="265" r:id="rId8"/>
+    <p:sldId id="266" r:id="rId9"/>
+    <p:sldId id="261" r:id="rId10"/>
+    <p:sldId id="262" r:id="rId11"/>
+    <p:sldId id="267" r:id="rId12"/>
+    <p:sldId id="268" r:id="rId13"/>
+    <p:sldId id="270" r:id="rId14"/>
+    <p:sldId id="271" r:id="rId15"/>
+    <p:sldId id="258" r:id="rId16"/>
   </p:sldIdLst>
   <p:sldSz cx="12192000" cy="6858000"/>
   <p:notesSz cx="6858000" cy="9144000"/>
@@ -3409,6 +3416,972 @@
 </p:sld>
 </file>
 
+<file path=ppt/slides/slide10.xml><?xml version="1.0" encoding="utf-8"?>
+<p:sld xmlns:a="http://schemas.openxmlformats.org/drawingml/2006/main" xmlns:r="http://schemas.openxmlformats.org/officeDocument/2006/relationships" xmlns:p="http://schemas.openxmlformats.org/presentationml/2006/main">
+  <p:cSld>
+    <p:bg>
+      <p:bgPr>
+        <a:blipFill dpi="0" rotWithShape="1">
+          <a:blip r:embed="rId2">
+            <a:alphaModFix amt="59000"/>
+            <a:lum/>
+          </a:blip>
+          <a:srcRect/>
+          <a:stretch>
+            <a:fillRect t="-21000" b="-21000"/>
+          </a:stretch>
+        </a:blipFill>
+        <a:effectLst/>
+      </p:bgPr>
+    </p:bg>
+    <p:spTree>
+      <p:nvGrpSpPr>
+        <p:cNvPr id="1" name=""/>
+        <p:cNvGrpSpPr/>
+        <p:nvPr/>
+      </p:nvGrpSpPr>
+      <p:grpSpPr>
+        <a:xfrm>
+          <a:off x="0" y="0"/>
+          <a:ext cx="0" cy="0"/>
+          <a:chOff x="0" y="0"/>
+          <a:chExt cx="0" cy="0"/>
+        </a:xfrm>
+      </p:grpSpPr>
+      <p:sp>
+        <p:nvSpPr>
+          <p:cNvPr id="2" name="Title 1">
+            <a:extLst>
+              <a:ext uri="{FF2B5EF4-FFF2-40B4-BE49-F238E27FC236}">
+                <a16:creationId xmlns:a16="http://schemas.microsoft.com/office/drawing/2014/main" id="{56744057-E546-C742-9EA3-BBE713E20695}"/>
+              </a:ext>
+            </a:extLst>
+          </p:cNvPr>
+          <p:cNvSpPr>
+            <a:spLocks noGrp="1"/>
+          </p:cNvSpPr>
+          <p:nvPr>
+            <p:ph type="ctrTitle"/>
+          </p:nvPr>
+        </p:nvSpPr>
+        <p:spPr>
+          <a:xfrm>
+            <a:off x="2736125" y="361949"/>
+            <a:ext cx="3207476" cy="1128169"/>
+          </a:xfrm>
+        </p:spPr>
+        <p:txBody>
+          <a:bodyPr>
+            <a:normAutofit/>
+          </a:bodyPr>
+          <a:lstStyle/>
+          <a:p>
+            <a:r>
+              <a:rPr lang="en-US" b="1" dirty="0">
+                <a:solidFill>
+                  <a:srgbClr val="3D7300"/>
+                </a:solidFill>
+                <a:latin typeface="Paytone One" pitchFamily="2" charset="77"/>
+                <a:cs typeface="Damascus" pitchFamily="2" charset="-78"/>
+              </a:rPr>
+              <a:t>How:</a:t>
+            </a:r>
+          </a:p>
+        </p:txBody>
+      </p:sp>
+      <p:pic>
+        <p:nvPicPr>
+          <p:cNvPr id="1026" name="Picture 2" descr="DFD.jpeg">
+            <a:extLst>
+              <a:ext uri="{FF2B5EF4-FFF2-40B4-BE49-F238E27FC236}">
+                <a16:creationId xmlns:a16="http://schemas.microsoft.com/office/drawing/2014/main" id="{9F895EA3-02ED-BE4B-9826-D41AAD20A057}"/>
+              </a:ext>
+            </a:extLst>
+          </p:cNvPr>
+          <p:cNvPicPr>
+            <a:picLocks noChangeAspect="1" noChangeArrowheads="1"/>
+          </p:cNvPicPr>
+          <p:nvPr/>
+        </p:nvPicPr>
+        <p:blipFill rotWithShape="1">
+          <a:blip r:embed="rId3">
+            <a:extLst>
+              <a:ext uri="{28A0092B-C50C-407E-A947-70E740481C1C}">
+                <a14:useLocalDpi xmlns:a14="http://schemas.microsoft.com/office/drawing/2010/main" val="0"/>
+              </a:ext>
+            </a:extLst>
+          </a:blip>
+          <a:srcRect l="1310" r="6102" b="73100"/>
+          <a:stretch/>
+        </p:blipFill>
+        <p:spPr bwMode="auto">
+          <a:xfrm>
+            <a:off x="2736125" y="1769517"/>
+            <a:ext cx="9443175" cy="3957393"/>
+          </a:xfrm>
+          <a:prstGeom prst="rect">
+            <a:avLst/>
+          </a:prstGeom>
+          <a:noFill/>
+          <a:extLst>
+            <a:ext uri="{909E8E84-426E-40DD-AFC4-6F175D3DCCD1}">
+              <a14:hiddenFill xmlns:a14="http://schemas.microsoft.com/office/drawing/2010/main">
+                <a:solidFill>
+                  <a:srgbClr val="FFFFFF"/>
+                </a:solidFill>
+              </a14:hiddenFill>
+            </a:ext>
+          </a:extLst>
+        </p:spPr>
+      </p:pic>
+    </p:spTree>
+    <p:extLst>
+      <p:ext uri="{BB962C8B-B14F-4D97-AF65-F5344CB8AC3E}">
+        <p14:creationId xmlns:p14="http://schemas.microsoft.com/office/powerpoint/2010/main" val="3432511959"/>
+      </p:ext>
+    </p:extLst>
+  </p:cSld>
+  <p:clrMapOvr>
+    <a:masterClrMapping/>
+  </p:clrMapOvr>
+</p:sld>
+</file>
+
+<file path=ppt/slides/slide11.xml><?xml version="1.0" encoding="utf-8"?>
+<p:sld xmlns:a="http://schemas.openxmlformats.org/drawingml/2006/main" xmlns:r="http://schemas.openxmlformats.org/officeDocument/2006/relationships" xmlns:p="http://schemas.openxmlformats.org/presentationml/2006/main">
+  <p:cSld>
+    <p:bg>
+      <p:bgPr>
+        <a:blipFill dpi="0" rotWithShape="1">
+          <a:blip r:embed="rId2">
+            <a:alphaModFix amt="59000"/>
+            <a:lum/>
+          </a:blip>
+          <a:srcRect/>
+          <a:stretch>
+            <a:fillRect t="-21000" b="-21000"/>
+          </a:stretch>
+        </a:blipFill>
+        <a:effectLst/>
+      </p:bgPr>
+    </p:bg>
+    <p:spTree>
+      <p:nvGrpSpPr>
+        <p:cNvPr id="1" name=""/>
+        <p:cNvGrpSpPr/>
+        <p:nvPr/>
+      </p:nvGrpSpPr>
+      <p:grpSpPr>
+        <a:xfrm>
+          <a:off x="0" y="0"/>
+          <a:ext cx="0" cy="0"/>
+          <a:chOff x="0" y="0"/>
+          <a:chExt cx="0" cy="0"/>
+        </a:xfrm>
+      </p:grpSpPr>
+      <p:sp>
+        <p:nvSpPr>
+          <p:cNvPr id="2" name="Title 1">
+            <a:extLst>
+              <a:ext uri="{FF2B5EF4-FFF2-40B4-BE49-F238E27FC236}">
+                <a16:creationId xmlns:a16="http://schemas.microsoft.com/office/drawing/2014/main" id="{56744057-E546-C742-9EA3-BBE713E20695}"/>
+              </a:ext>
+            </a:extLst>
+          </p:cNvPr>
+          <p:cNvSpPr>
+            <a:spLocks noGrp="1"/>
+          </p:cNvSpPr>
+          <p:nvPr>
+            <p:ph type="ctrTitle"/>
+          </p:nvPr>
+        </p:nvSpPr>
+        <p:spPr>
+          <a:xfrm>
+            <a:off x="2736125" y="361949"/>
+            <a:ext cx="3207476" cy="1128169"/>
+          </a:xfrm>
+        </p:spPr>
+        <p:txBody>
+          <a:bodyPr>
+            <a:normAutofit/>
+          </a:bodyPr>
+          <a:lstStyle/>
+          <a:p>
+            <a:r>
+              <a:rPr lang="en-US" b="1" dirty="0">
+                <a:solidFill>
+                  <a:srgbClr val="3D7300"/>
+                </a:solidFill>
+                <a:latin typeface="Paytone One" pitchFamily="2" charset="77"/>
+                <a:cs typeface="Damascus" pitchFamily="2" charset="-78"/>
+              </a:rPr>
+              <a:t>How:</a:t>
+            </a:r>
+          </a:p>
+        </p:txBody>
+      </p:sp>
+      <p:pic>
+        <p:nvPicPr>
+          <p:cNvPr id="1026" name="Picture 2" descr="DFD.jpeg">
+            <a:extLst>
+              <a:ext uri="{FF2B5EF4-FFF2-40B4-BE49-F238E27FC236}">
+                <a16:creationId xmlns:a16="http://schemas.microsoft.com/office/drawing/2014/main" id="{9F895EA3-02ED-BE4B-9826-D41AAD20A057}"/>
+              </a:ext>
+            </a:extLst>
+          </p:cNvPr>
+          <p:cNvPicPr>
+            <a:picLocks noChangeAspect="1" noChangeArrowheads="1"/>
+          </p:cNvPicPr>
+          <p:nvPr/>
+        </p:nvPicPr>
+        <p:blipFill rotWithShape="1">
+          <a:blip r:embed="rId3">
+            <a:extLst>
+              <a:ext uri="{28A0092B-C50C-407E-A947-70E740481C1C}">
+                <a14:useLocalDpi xmlns:a14="http://schemas.microsoft.com/office/drawing/2010/main" val="0"/>
+              </a:ext>
+            </a:extLst>
+          </a:blip>
+          <a:srcRect t="26296" b="33704"/>
+          <a:stretch/>
+        </p:blipFill>
+        <p:spPr bwMode="auto">
+          <a:xfrm>
+            <a:off x="2890837" y="1491587"/>
+            <a:ext cx="9301163" cy="5366413"/>
+          </a:xfrm>
+          <a:prstGeom prst="rect">
+            <a:avLst/>
+          </a:prstGeom>
+          <a:noFill/>
+          <a:extLst>
+            <a:ext uri="{909E8E84-426E-40DD-AFC4-6F175D3DCCD1}">
+              <a14:hiddenFill xmlns:a14="http://schemas.microsoft.com/office/drawing/2010/main">
+                <a:solidFill>
+                  <a:srgbClr val="FFFFFF"/>
+                </a:solidFill>
+              </a14:hiddenFill>
+            </a:ext>
+          </a:extLst>
+        </p:spPr>
+      </p:pic>
+      <p:sp>
+        <p:nvSpPr>
+          <p:cNvPr id="4" name="Rectangle 3">
+            <a:extLst>
+              <a:ext uri="{FF2B5EF4-FFF2-40B4-BE49-F238E27FC236}">
+                <a16:creationId xmlns:a16="http://schemas.microsoft.com/office/drawing/2014/main" id="{7B93461A-1E9D-C247-BECF-F59BA4D298C1}"/>
+              </a:ext>
+            </a:extLst>
+          </p:cNvPr>
+          <p:cNvSpPr/>
+          <p:nvPr/>
+        </p:nvSpPr>
+        <p:spPr>
+          <a:xfrm>
+            <a:off x="2890837" y="6488668"/>
+            <a:ext cx="2245895" cy="369332"/>
+          </a:xfrm>
+          <a:prstGeom prst="rect">
+            <a:avLst/>
+          </a:prstGeom>
+        </p:spPr>
+        <p:txBody>
+          <a:bodyPr wrap="square">
+            <a:spAutoFit/>
+          </a:bodyPr>
+          <a:lstStyle/>
+          <a:p>
+            <a:r>
+              <a:rPr lang="en-AU" b="1" dirty="0" err="1">
+                <a:latin typeface="Lato Black" panose="020F0A02020204030203" pitchFamily="34" charset="77"/>
+              </a:rPr>
+              <a:t>Cont</a:t>
+            </a:r>
+            <a:r>
+              <a:rPr lang="en-AU" b="1" dirty="0">
+                <a:latin typeface="Lato Black" panose="020F0A02020204030203" pitchFamily="34" charset="77"/>
+              </a:rPr>
+              <a:t>…</a:t>
+            </a:r>
+            <a:endParaRPr lang="en-AU" dirty="0">
+              <a:latin typeface="Lato Black" panose="020F0A02020204030203" pitchFamily="34" charset="77"/>
+            </a:endParaRPr>
+          </a:p>
+        </p:txBody>
+      </p:sp>
+    </p:spTree>
+    <p:extLst>
+      <p:ext uri="{BB962C8B-B14F-4D97-AF65-F5344CB8AC3E}">
+        <p14:creationId xmlns:p14="http://schemas.microsoft.com/office/powerpoint/2010/main" val="1704480090"/>
+      </p:ext>
+    </p:extLst>
+  </p:cSld>
+  <p:clrMapOvr>
+    <a:masterClrMapping/>
+  </p:clrMapOvr>
+</p:sld>
+</file>
+
+<file path=ppt/slides/slide12.xml><?xml version="1.0" encoding="utf-8"?>
+<p:sld xmlns:a="http://schemas.openxmlformats.org/drawingml/2006/main" xmlns:r="http://schemas.openxmlformats.org/officeDocument/2006/relationships" xmlns:p="http://schemas.openxmlformats.org/presentationml/2006/main">
+  <p:cSld>
+    <p:bg>
+      <p:bgPr>
+        <a:blipFill dpi="0" rotWithShape="1">
+          <a:blip r:embed="rId2">
+            <a:alphaModFix amt="59000"/>
+            <a:lum/>
+          </a:blip>
+          <a:srcRect/>
+          <a:stretch>
+            <a:fillRect t="-21000" b="-21000"/>
+          </a:stretch>
+        </a:blipFill>
+        <a:effectLst/>
+      </p:bgPr>
+    </p:bg>
+    <p:spTree>
+      <p:nvGrpSpPr>
+        <p:cNvPr id="1" name=""/>
+        <p:cNvGrpSpPr/>
+        <p:nvPr/>
+      </p:nvGrpSpPr>
+      <p:grpSpPr>
+        <a:xfrm>
+          <a:off x="0" y="0"/>
+          <a:ext cx="0" cy="0"/>
+          <a:chOff x="0" y="0"/>
+          <a:chExt cx="0" cy="0"/>
+        </a:xfrm>
+      </p:grpSpPr>
+      <p:sp>
+        <p:nvSpPr>
+          <p:cNvPr id="2" name="Title 1">
+            <a:extLst>
+              <a:ext uri="{FF2B5EF4-FFF2-40B4-BE49-F238E27FC236}">
+                <a16:creationId xmlns:a16="http://schemas.microsoft.com/office/drawing/2014/main" id="{56744057-E546-C742-9EA3-BBE713E20695}"/>
+              </a:ext>
+            </a:extLst>
+          </p:cNvPr>
+          <p:cNvSpPr>
+            <a:spLocks noGrp="1"/>
+          </p:cNvSpPr>
+          <p:nvPr>
+            <p:ph type="ctrTitle"/>
+          </p:nvPr>
+        </p:nvSpPr>
+        <p:spPr>
+          <a:xfrm>
+            <a:off x="2736125" y="361949"/>
+            <a:ext cx="3207476" cy="1128169"/>
+          </a:xfrm>
+        </p:spPr>
+        <p:txBody>
+          <a:bodyPr>
+            <a:normAutofit/>
+          </a:bodyPr>
+          <a:lstStyle/>
+          <a:p>
+            <a:r>
+              <a:rPr lang="en-US" b="1" dirty="0">
+                <a:solidFill>
+                  <a:srgbClr val="3D7300"/>
+                </a:solidFill>
+                <a:latin typeface="Paytone One" pitchFamily="2" charset="77"/>
+                <a:cs typeface="Damascus" pitchFamily="2" charset="-78"/>
+              </a:rPr>
+              <a:t>How:</a:t>
+            </a:r>
+          </a:p>
+        </p:txBody>
+      </p:sp>
+      <p:pic>
+        <p:nvPicPr>
+          <p:cNvPr id="1026" name="Picture 2" descr="DFD.jpeg">
+            <a:extLst>
+              <a:ext uri="{FF2B5EF4-FFF2-40B4-BE49-F238E27FC236}">
+                <a16:creationId xmlns:a16="http://schemas.microsoft.com/office/drawing/2014/main" id="{9F895EA3-02ED-BE4B-9826-D41AAD20A057}"/>
+              </a:ext>
+            </a:extLst>
+          </p:cNvPr>
+          <p:cNvPicPr>
+            <a:picLocks noChangeAspect="1" noChangeArrowheads="1"/>
+          </p:cNvPicPr>
+          <p:nvPr/>
+        </p:nvPicPr>
+        <p:blipFill rotWithShape="1">
+          <a:blip r:embed="rId3">
+            <a:extLst>
+              <a:ext uri="{28A0092B-C50C-407E-A947-70E740481C1C}">
+                <a14:useLocalDpi xmlns:a14="http://schemas.microsoft.com/office/drawing/2010/main" val="0"/>
+              </a:ext>
+            </a:extLst>
+          </a:blip>
+          <a:srcRect t="26296" b="33704"/>
+          <a:stretch/>
+        </p:blipFill>
+        <p:spPr bwMode="auto">
+          <a:xfrm>
+            <a:off x="2890837" y="1491587"/>
+            <a:ext cx="9301163" cy="5366413"/>
+          </a:xfrm>
+          <a:prstGeom prst="rect">
+            <a:avLst/>
+          </a:prstGeom>
+          <a:noFill/>
+          <a:extLst>
+            <a:ext uri="{909E8E84-426E-40DD-AFC4-6F175D3DCCD1}">
+              <a14:hiddenFill xmlns:a14="http://schemas.microsoft.com/office/drawing/2010/main">
+                <a:solidFill>
+                  <a:srgbClr val="FFFFFF"/>
+                </a:solidFill>
+              </a14:hiddenFill>
+            </a:ext>
+          </a:extLst>
+        </p:spPr>
+      </p:pic>
+      <p:sp>
+        <p:nvSpPr>
+          <p:cNvPr id="4" name="Rectangle 3">
+            <a:extLst>
+              <a:ext uri="{FF2B5EF4-FFF2-40B4-BE49-F238E27FC236}">
+                <a16:creationId xmlns:a16="http://schemas.microsoft.com/office/drawing/2014/main" id="{7B93461A-1E9D-C247-BECF-F59BA4D298C1}"/>
+              </a:ext>
+            </a:extLst>
+          </p:cNvPr>
+          <p:cNvSpPr/>
+          <p:nvPr/>
+        </p:nvSpPr>
+        <p:spPr>
+          <a:xfrm>
+            <a:off x="2890837" y="6488668"/>
+            <a:ext cx="2245895" cy="369332"/>
+          </a:xfrm>
+          <a:prstGeom prst="rect">
+            <a:avLst/>
+          </a:prstGeom>
+        </p:spPr>
+        <p:txBody>
+          <a:bodyPr wrap="square">
+            <a:spAutoFit/>
+          </a:bodyPr>
+          <a:lstStyle/>
+          <a:p>
+            <a:r>
+              <a:rPr lang="en-AU" b="1" dirty="0" err="1">
+                <a:latin typeface="Lato Black" panose="020F0A02020204030203" pitchFamily="34" charset="77"/>
+              </a:rPr>
+              <a:t>Cont</a:t>
+            </a:r>
+            <a:r>
+              <a:rPr lang="en-AU" b="1" dirty="0">
+                <a:latin typeface="Lato Black" panose="020F0A02020204030203" pitchFamily="34" charset="77"/>
+              </a:rPr>
+              <a:t>…</a:t>
+            </a:r>
+            <a:endParaRPr lang="en-AU" dirty="0">
+              <a:latin typeface="Lato Black" panose="020F0A02020204030203" pitchFamily="34" charset="77"/>
+            </a:endParaRPr>
+          </a:p>
+        </p:txBody>
+      </p:sp>
+    </p:spTree>
+    <p:extLst>
+      <p:ext uri="{BB962C8B-B14F-4D97-AF65-F5344CB8AC3E}">
+        <p14:creationId xmlns:p14="http://schemas.microsoft.com/office/powerpoint/2010/main" val="2192232466"/>
+      </p:ext>
+    </p:extLst>
+  </p:cSld>
+  <p:clrMapOvr>
+    <a:masterClrMapping/>
+  </p:clrMapOvr>
+</p:sld>
+</file>
+
+<file path=ppt/slides/slide13.xml><?xml version="1.0" encoding="utf-8"?>
+<p:sld xmlns:a="http://schemas.openxmlformats.org/drawingml/2006/main" xmlns:r="http://schemas.openxmlformats.org/officeDocument/2006/relationships" xmlns:p="http://schemas.openxmlformats.org/presentationml/2006/main">
+  <p:cSld>
+    <p:bg>
+      <p:bgPr>
+        <a:blipFill dpi="0" rotWithShape="1">
+          <a:blip r:embed="rId2">
+            <a:alphaModFix amt="59000"/>
+            <a:lum/>
+          </a:blip>
+          <a:srcRect/>
+          <a:stretch>
+            <a:fillRect t="-21000" b="-21000"/>
+          </a:stretch>
+        </a:blipFill>
+        <a:effectLst/>
+      </p:bgPr>
+    </p:bg>
+    <p:spTree>
+      <p:nvGrpSpPr>
+        <p:cNvPr id="1" name=""/>
+        <p:cNvGrpSpPr/>
+        <p:nvPr/>
+      </p:nvGrpSpPr>
+      <p:grpSpPr>
+        <a:xfrm>
+          <a:off x="0" y="0"/>
+          <a:ext cx="0" cy="0"/>
+          <a:chOff x="0" y="0"/>
+          <a:chExt cx="0" cy="0"/>
+        </a:xfrm>
+      </p:grpSpPr>
+      <p:sp>
+        <p:nvSpPr>
+          <p:cNvPr id="2" name="Title 1">
+            <a:extLst>
+              <a:ext uri="{FF2B5EF4-FFF2-40B4-BE49-F238E27FC236}">
+                <a16:creationId xmlns:a16="http://schemas.microsoft.com/office/drawing/2014/main" id="{56744057-E546-C742-9EA3-BBE713E20695}"/>
+              </a:ext>
+            </a:extLst>
+          </p:cNvPr>
+          <p:cNvSpPr>
+            <a:spLocks noGrp="1"/>
+          </p:cNvSpPr>
+          <p:nvPr>
+            <p:ph type="ctrTitle"/>
+          </p:nvPr>
+        </p:nvSpPr>
+        <p:spPr>
+          <a:xfrm>
+            <a:off x="2736125" y="361949"/>
+            <a:ext cx="3207476" cy="1128169"/>
+          </a:xfrm>
+        </p:spPr>
+        <p:txBody>
+          <a:bodyPr>
+            <a:normAutofit/>
+          </a:bodyPr>
+          <a:lstStyle/>
+          <a:p>
+            <a:r>
+              <a:rPr lang="en-US" b="1" dirty="0">
+                <a:solidFill>
+                  <a:srgbClr val="3D7300"/>
+                </a:solidFill>
+                <a:latin typeface="Paytone One" pitchFamily="2" charset="77"/>
+                <a:cs typeface="Damascus" pitchFamily="2" charset="-78"/>
+              </a:rPr>
+              <a:t>How:</a:t>
+            </a:r>
+          </a:p>
+        </p:txBody>
+      </p:sp>
+      <p:pic>
+        <p:nvPicPr>
+          <p:cNvPr id="5122" name="Picture 2" descr="DFD.jpeg">
+            <a:extLst>
+              <a:ext uri="{FF2B5EF4-FFF2-40B4-BE49-F238E27FC236}">
+                <a16:creationId xmlns:a16="http://schemas.microsoft.com/office/drawing/2014/main" id="{A50CF588-7E74-C046-8F1B-DADC8606C073}"/>
+              </a:ext>
+            </a:extLst>
+          </p:cNvPr>
+          <p:cNvPicPr>
+            <a:picLocks noChangeAspect="1" noChangeArrowheads="1"/>
+          </p:cNvPicPr>
+          <p:nvPr/>
+        </p:nvPicPr>
+        <p:blipFill rotWithShape="1">
+          <a:blip r:embed="rId3">
+            <a:extLst>
+              <a:ext uri="{28A0092B-C50C-407E-A947-70E740481C1C}">
+                <a14:useLocalDpi xmlns:a14="http://schemas.microsoft.com/office/drawing/2010/main" val="0"/>
+              </a:ext>
+            </a:extLst>
+          </a:blip>
+          <a:srcRect t="66481"/>
+          <a:stretch/>
+        </p:blipFill>
+        <p:spPr bwMode="auto">
+          <a:xfrm>
+            <a:off x="2890837" y="1675344"/>
+            <a:ext cx="9301162" cy="4496855"/>
+          </a:xfrm>
+          <a:prstGeom prst="rect">
+            <a:avLst/>
+          </a:prstGeom>
+          <a:noFill/>
+          <a:extLst>
+            <a:ext uri="{909E8E84-426E-40DD-AFC4-6F175D3DCCD1}">
+              <a14:hiddenFill xmlns:a14="http://schemas.microsoft.com/office/drawing/2010/main">
+                <a:solidFill>
+                  <a:srgbClr val="FFFFFF"/>
+                </a:solidFill>
+              </a14:hiddenFill>
+            </a:ext>
+          </a:extLst>
+        </p:spPr>
+      </p:pic>
+      <p:sp>
+        <p:nvSpPr>
+          <p:cNvPr id="4" name="Rectangle 3">
+            <a:extLst>
+              <a:ext uri="{FF2B5EF4-FFF2-40B4-BE49-F238E27FC236}">
+                <a16:creationId xmlns:a16="http://schemas.microsoft.com/office/drawing/2014/main" id="{7B93461A-1E9D-C247-BECF-F59BA4D298C1}"/>
+              </a:ext>
+            </a:extLst>
+          </p:cNvPr>
+          <p:cNvSpPr/>
+          <p:nvPr/>
+        </p:nvSpPr>
+        <p:spPr>
+          <a:xfrm>
+            <a:off x="2890837" y="1675344"/>
+            <a:ext cx="2245895" cy="369332"/>
+          </a:xfrm>
+          <a:prstGeom prst="rect">
+            <a:avLst/>
+          </a:prstGeom>
+        </p:spPr>
+        <p:txBody>
+          <a:bodyPr wrap="square">
+            <a:spAutoFit/>
+          </a:bodyPr>
+          <a:lstStyle/>
+          <a:p>
+            <a:r>
+              <a:rPr lang="en-AU" b="1" dirty="0" err="1">
+                <a:latin typeface="Lato Black" panose="020F0A02020204030203" pitchFamily="34" charset="77"/>
+              </a:rPr>
+              <a:t>Cont</a:t>
+            </a:r>
+            <a:r>
+              <a:rPr lang="en-AU" b="1" dirty="0">
+                <a:latin typeface="Lato Black" panose="020F0A02020204030203" pitchFamily="34" charset="77"/>
+              </a:rPr>
+              <a:t>…</a:t>
+            </a:r>
+            <a:endParaRPr lang="en-AU" dirty="0">
+              <a:latin typeface="Lato Black" panose="020F0A02020204030203" pitchFamily="34" charset="77"/>
+            </a:endParaRPr>
+          </a:p>
+        </p:txBody>
+      </p:sp>
+    </p:spTree>
+    <p:extLst>
+      <p:ext uri="{BB962C8B-B14F-4D97-AF65-F5344CB8AC3E}">
+        <p14:creationId xmlns:p14="http://schemas.microsoft.com/office/powerpoint/2010/main" val="1088287668"/>
+      </p:ext>
+    </p:extLst>
+  </p:cSld>
+  <p:clrMapOvr>
+    <a:masterClrMapping/>
+  </p:clrMapOvr>
+</p:sld>
+</file>
+
+<file path=ppt/slides/slide14.xml><?xml version="1.0" encoding="utf-8"?>
+<p:sld xmlns:a="http://schemas.openxmlformats.org/drawingml/2006/main" xmlns:r="http://schemas.openxmlformats.org/officeDocument/2006/relationships" xmlns:p="http://schemas.openxmlformats.org/presentationml/2006/main">
+  <p:cSld>
+    <p:bg>
+      <p:bgPr>
+        <a:blipFill dpi="0" rotWithShape="1">
+          <a:blip r:embed="rId2">
+            <a:alphaModFix amt="59000"/>
+            <a:lum/>
+          </a:blip>
+          <a:srcRect/>
+          <a:stretch>
+            <a:fillRect t="-21000" b="-21000"/>
+          </a:stretch>
+        </a:blipFill>
+        <a:effectLst/>
+      </p:bgPr>
+    </p:bg>
+    <p:spTree>
+      <p:nvGrpSpPr>
+        <p:cNvPr id="1" name=""/>
+        <p:cNvGrpSpPr/>
+        <p:nvPr/>
+      </p:nvGrpSpPr>
+      <p:grpSpPr>
+        <a:xfrm>
+          <a:off x="0" y="0"/>
+          <a:ext cx="0" cy="0"/>
+          <a:chOff x="0" y="0"/>
+          <a:chExt cx="0" cy="0"/>
+        </a:xfrm>
+      </p:grpSpPr>
+      <p:sp>
+        <p:nvSpPr>
+          <p:cNvPr id="2" name="Title 1">
+            <a:extLst>
+              <a:ext uri="{FF2B5EF4-FFF2-40B4-BE49-F238E27FC236}">
+                <a16:creationId xmlns:a16="http://schemas.microsoft.com/office/drawing/2014/main" id="{56744057-E546-C742-9EA3-BBE713E20695}"/>
+              </a:ext>
+            </a:extLst>
+          </p:cNvPr>
+          <p:cNvSpPr>
+            <a:spLocks noGrp="1"/>
+          </p:cNvSpPr>
+          <p:nvPr>
+            <p:ph type="ctrTitle"/>
+          </p:nvPr>
+        </p:nvSpPr>
+        <p:spPr>
+          <a:xfrm>
+            <a:off x="2736125" y="361949"/>
+            <a:ext cx="3207476" cy="1128169"/>
+          </a:xfrm>
+        </p:spPr>
+        <p:txBody>
+          <a:bodyPr>
+            <a:normAutofit/>
+          </a:bodyPr>
+          <a:lstStyle/>
+          <a:p>
+            <a:r>
+              <a:rPr lang="en-US" b="1" dirty="0">
+                <a:solidFill>
+                  <a:srgbClr val="3D7300"/>
+                </a:solidFill>
+                <a:latin typeface="Paytone One" pitchFamily="2" charset="77"/>
+                <a:cs typeface="Damascus" pitchFamily="2" charset="-78"/>
+              </a:rPr>
+              <a:t>How:</a:t>
+            </a:r>
+          </a:p>
+        </p:txBody>
+      </p:sp>
+      <p:pic>
+        <p:nvPicPr>
+          <p:cNvPr id="5122" name="Picture 2" descr="DFD.jpeg">
+            <a:extLst>
+              <a:ext uri="{FF2B5EF4-FFF2-40B4-BE49-F238E27FC236}">
+                <a16:creationId xmlns:a16="http://schemas.microsoft.com/office/drawing/2014/main" id="{A50CF588-7E74-C046-8F1B-DADC8606C073}"/>
+              </a:ext>
+            </a:extLst>
+          </p:cNvPr>
+          <p:cNvPicPr>
+            <a:picLocks noChangeAspect="1" noChangeArrowheads="1"/>
+          </p:cNvPicPr>
+          <p:nvPr/>
+        </p:nvPicPr>
+        <p:blipFill rotWithShape="1">
+          <a:blip r:embed="rId3">
+            <a:extLst>
+              <a:ext uri="{28A0092B-C50C-407E-A947-70E740481C1C}">
+                <a14:useLocalDpi xmlns:a14="http://schemas.microsoft.com/office/drawing/2010/main" val="0"/>
+              </a:ext>
+            </a:extLst>
+          </a:blip>
+          <a:srcRect t="66481"/>
+          <a:stretch/>
+        </p:blipFill>
+        <p:spPr bwMode="auto">
+          <a:xfrm>
+            <a:off x="2890837" y="1675344"/>
+            <a:ext cx="9301162" cy="4496855"/>
+          </a:xfrm>
+          <a:prstGeom prst="rect">
+            <a:avLst/>
+          </a:prstGeom>
+          <a:noFill/>
+          <a:extLst>
+            <a:ext uri="{909E8E84-426E-40DD-AFC4-6F175D3DCCD1}">
+              <a14:hiddenFill xmlns:a14="http://schemas.microsoft.com/office/drawing/2010/main">
+                <a:solidFill>
+                  <a:srgbClr val="FFFFFF"/>
+                </a:solidFill>
+              </a14:hiddenFill>
+            </a:ext>
+          </a:extLst>
+        </p:spPr>
+      </p:pic>
+      <p:sp>
+        <p:nvSpPr>
+          <p:cNvPr id="4" name="Rectangle 3">
+            <a:extLst>
+              <a:ext uri="{FF2B5EF4-FFF2-40B4-BE49-F238E27FC236}">
+                <a16:creationId xmlns:a16="http://schemas.microsoft.com/office/drawing/2014/main" id="{7B93461A-1E9D-C247-BECF-F59BA4D298C1}"/>
+              </a:ext>
+            </a:extLst>
+          </p:cNvPr>
+          <p:cNvSpPr/>
+          <p:nvPr/>
+        </p:nvSpPr>
+        <p:spPr>
+          <a:xfrm>
+            <a:off x="2890837" y="1675344"/>
+            <a:ext cx="2245895" cy="369332"/>
+          </a:xfrm>
+          <a:prstGeom prst="rect">
+            <a:avLst/>
+          </a:prstGeom>
+        </p:spPr>
+        <p:txBody>
+          <a:bodyPr wrap="square">
+            <a:spAutoFit/>
+          </a:bodyPr>
+          <a:lstStyle/>
+          <a:p>
+            <a:r>
+              <a:rPr lang="en-AU" b="1" dirty="0" err="1">
+                <a:latin typeface="Lato Black" panose="020F0A02020204030203" pitchFamily="34" charset="77"/>
+              </a:rPr>
+              <a:t>Cont</a:t>
+            </a:r>
+            <a:r>
+              <a:rPr lang="en-AU" b="1" dirty="0">
+                <a:latin typeface="Lato Black" panose="020F0A02020204030203" pitchFamily="34" charset="77"/>
+              </a:rPr>
+              <a:t>…</a:t>
+            </a:r>
+            <a:endParaRPr lang="en-AU" dirty="0">
+              <a:latin typeface="Lato Black" panose="020F0A02020204030203" pitchFamily="34" charset="77"/>
+            </a:endParaRPr>
+          </a:p>
+        </p:txBody>
+      </p:sp>
+    </p:spTree>
+    <p:extLst>
+      <p:ext uri="{BB962C8B-B14F-4D97-AF65-F5344CB8AC3E}">
+        <p14:creationId xmlns:p14="http://schemas.microsoft.com/office/powerpoint/2010/main" val="3331964448"/>
+      </p:ext>
+    </p:extLst>
+  </p:cSld>
+  <p:clrMapOvr>
+    <a:masterClrMapping/>
+  </p:clrMapOvr>
+</p:sld>
+</file>
+
+<file path=ppt/slides/slide15.xml><?xml version="1.0" encoding="utf-8"?>
+<p:sld xmlns:a="http://schemas.openxmlformats.org/drawingml/2006/main" xmlns:r="http://schemas.openxmlformats.org/officeDocument/2006/relationships" xmlns:p="http://schemas.openxmlformats.org/presentationml/2006/main">
+  <p:cSld>
+    <p:bg>
+      <p:bgPr>
+        <a:blipFill dpi="0" rotWithShape="1">
+          <a:blip r:embed="rId2">
+            <a:alphaModFix amt="59000"/>
+            <a:lum/>
+          </a:blip>
+          <a:srcRect/>
+          <a:stretch>
+            <a:fillRect t="-21000" b="-21000"/>
+          </a:stretch>
+        </a:blipFill>
+        <a:effectLst/>
+      </p:bgPr>
+    </p:bg>
+    <p:spTree>
+      <p:nvGrpSpPr>
+        <p:cNvPr id="1" name=""/>
+        <p:cNvGrpSpPr/>
+        <p:nvPr/>
+      </p:nvGrpSpPr>
+      <p:grpSpPr>
+        <a:xfrm>
+          <a:off x="0" y="0"/>
+          <a:ext cx="0" cy="0"/>
+          <a:chOff x="0" y="0"/>
+          <a:chExt cx="0" cy="0"/>
+        </a:xfrm>
+      </p:grpSpPr>
+      <p:sp>
+        <p:nvSpPr>
+          <p:cNvPr id="2" name="Title 1">
+            <a:extLst>
+              <a:ext uri="{FF2B5EF4-FFF2-40B4-BE49-F238E27FC236}">
+                <a16:creationId xmlns:a16="http://schemas.microsoft.com/office/drawing/2014/main" id="{56744057-E546-C742-9EA3-BBE713E20695}"/>
+              </a:ext>
+            </a:extLst>
+          </p:cNvPr>
+          <p:cNvSpPr>
+            <a:spLocks noGrp="1"/>
+          </p:cNvSpPr>
+          <p:nvPr>
+            <p:ph type="ctrTitle"/>
+          </p:nvPr>
+        </p:nvSpPr>
+        <p:spPr>
+          <a:xfrm>
+            <a:off x="2736125" y="361949"/>
+            <a:ext cx="3207476" cy="1128169"/>
+          </a:xfrm>
+        </p:spPr>
+        <p:txBody>
+          <a:bodyPr>
+            <a:normAutofit/>
+          </a:bodyPr>
+          <a:lstStyle/>
+          <a:p>
+            <a:r>
+              <a:rPr lang="en-US" b="1" dirty="0">
+                <a:solidFill>
+                  <a:srgbClr val="3D7300"/>
+                </a:solidFill>
+                <a:latin typeface="Paytone One" pitchFamily="2" charset="77"/>
+                <a:cs typeface="Damascus" pitchFamily="2" charset="-78"/>
+              </a:rPr>
+              <a:t>What:</a:t>
+            </a:r>
+          </a:p>
+        </p:txBody>
+      </p:sp>
+      <p:sp>
+        <p:nvSpPr>
+          <p:cNvPr id="5" name="TextBox 4">
+            <a:extLst>
+              <a:ext uri="{FF2B5EF4-FFF2-40B4-BE49-F238E27FC236}">
+                <a16:creationId xmlns:a16="http://schemas.microsoft.com/office/drawing/2014/main" id="{D0B0D982-FAAC-E14C-A473-619D32B4B171}"/>
+              </a:ext>
+            </a:extLst>
+          </p:cNvPr>
+          <p:cNvSpPr txBox="1"/>
+          <p:nvPr/>
+        </p:nvSpPr>
+        <p:spPr>
+          <a:xfrm>
+            <a:off x="4552950" y="1905000"/>
+            <a:ext cx="7164141" cy="1323439"/>
+          </a:xfrm>
+          <a:prstGeom prst="rect">
+            <a:avLst/>
+          </a:prstGeom>
+          <a:noFill/>
+        </p:spPr>
+        <p:txBody>
+          <a:bodyPr wrap="none" rtlCol="0">
+            <a:spAutoFit/>
+          </a:bodyPr>
+          <a:lstStyle/>
+          <a:p>
+            <a:r>
+              <a:rPr lang="en-US" sz="4000" dirty="0">
+                <a:latin typeface="Lato Black" panose="020F0A02020204030203" pitchFamily="34" charset="77"/>
+              </a:rPr>
+              <a:t>An app to match your kitchen </a:t>
+            </a:r>
+          </a:p>
+          <a:p>
+            <a:r>
+              <a:rPr lang="en-US" sz="4000" dirty="0">
+                <a:latin typeface="Lato Black" panose="020F0A02020204030203" pitchFamily="34" charset="77"/>
+              </a:rPr>
+              <a:t>ingredients to recipes!</a:t>
+            </a:r>
+          </a:p>
+        </p:txBody>
+      </p:sp>
+    </p:spTree>
+    <p:extLst>
+      <p:ext uri="{BB962C8B-B14F-4D97-AF65-F5344CB8AC3E}">
+        <p14:creationId xmlns:p14="http://schemas.microsoft.com/office/powerpoint/2010/main" val="1559976275"/>
+      </p:ext>
+    </p:extLst>
+  </p:cSld>
+  <p:clrMapOvr>
+    <a:masterClrMapping/>
+  </p:clrMapOvr>
+</p:sld>
+</file>
+
 <file path=ppt/slides/slide2.xml><?xml version="1.0" encoding="utf-8"?>
 <p:sld xmlns:a="http://schemas.openxmlformats.org/drawingml/2006/main" xmlns:r="http://schemas.openxmlformats.org/officeDocument/2006/relationships" xmlns:p="http://schemas.openxmlformats.org/presentationml/2006/main">
   <p:cSld>
@@ -4028,8 +5001,8 @@
         </p:nvSpPr>
         <p:spPr>
           <a:xfrm>
-            <a:off x="4552950" y="1905000"/>
-            <a:ext cx="4820550" cy="707886"/>
+            <a:off x="4580659" y="1490118"/>
+            <a:ext cx="8536311" cy="4708981"/>
           </a:xfrm>
           <a:prstGeom prst="rect">
             <a:avLst/>
@@ -4043,14 +5016,86 @@
           <a:lstStyle/>
           <a:p>
             <a:r>
-              <a:rPr lang="en-US" sz="4000">
-                <a:latin typeface="Lato Black" panose="020F0A02020204030203" pitchFamily="34" charset="77"/>
-              </a:rPr>
-              <a:t>Anyone who cooks, </a:t>
-            </a:r>
-            <a:endParaRPr lang="en-US" sz="4000" dirty="0">
+              <a:rPr lang="en-AU" sz="3000" b="1" dirty="0">
+                <a:latin typeface="Lato Black" panose="020F0A02020204030203" pitchFamily="34" charset="77"/>
+              </a:rPr>
+              <a:t>Key Demographics</a:t>
+            </a:r>
+            <a:endParaRPr lang="en-AU" sz="3000" dirty="0">
               <a:latin typeface="Lato Black" panose="020F0A02020204030203" pitchFamily="34" charset="77"/>
             </a:endParaRPr>
+          </a:p>
+          <a:p>
+            <a:r>
+              <a:rPr lang="en-AU" sz="3000" dirty="0">
+                <a:latin typeface="Lato Black" panose="020F0A02020204030203" pitchFamily="34" charset="77"/>
+              </a:rPr>
+              <a:t>Gender: Anyone, predominantly women.</a:t>
+            </a:r>
+          </a:p>
+          <a:p>
+            <a:r>
+              <a:rPr lang="en-AU" sz="3000" dirty="0">
+                <a:latin typeface="Lato Black" panose="020F0A02020204030203" pitchFamily="34" charset="77"/>
+              </a:rPr>
+              <a:t>Age: 20-55.</a:t>
+            </a:r>
+          </a:p>
+          <a:p>
+            <a:r>
+              <a:rPr lang="en-AU" sz="3000" dirty="0">
+                <a:latin typeface="Lato Black" panose="020F0A02020204030203" pitchFamily="34" charset="77"/>
+              </a:rPr>
+              <a:t>Family status: Cooking for self, partner or </a:t>
+            </a:r>
+          </a:p>
+          <a:p>
+            <a:r>
+              <a:rPr lang="en-AU" sz="3000" dirty="0">
+                <a:latin typeface="Lato Black" panose="020F0A02020204030203" pitchFamily="34" charset="77"/>
+              </a:rPr>
+              <a:t>dependents.</a:t>
+            </a:r>
+          </a:p>
+          <a:p>
+            <a:r>
+              <a:rPr lang="en-AU" sz="3000" dirty="0">
+                <a:latin typeface="Lato Black" panose="020F0A02020204030203" pitchFamily="34" charset="77"/>
+              </a:rPr>
+              <a:t>Profession: Students, professionals and </a:t>
+            </a:r>
+          </a:p>
+          <a:p>
+            <a:r>
+              <a:rPr lang="en-AU" sz="3000" dirty="0">
+                <a:latin typeface="Lato Black" panose="020F0A02020204030203" pitchFamily="34" charset="77"/>
+              </a:rPr>
+              <a:t>homemakers.</a:t>
+            </a:r>
+          </a:p>
+          <a:p>
+            <a:r>
+              <a:rPr lang="en-AU" sz="3000" dirty="0">
+                <a:latin typeface="Lato Black" panose="020F0A02020204030203" pitchFamily="34" charset="77"/>
+              </a:rPr>
+              <a:t>Language: English.</a:t>
+            </a:r>
+          </a:p>
+          <a:p>
+            <a:r>
+              <a:rPr lang="en-AU" sz="3000" dirty="0">
+                <a:latin typeface="Lato Black" panose="020F0A02020204030203" pitchFamily="34" charset="77"/>
+              </a:rPr>
+              <a:t>Main interests: cooking, health, diet, low waste, </a:t>
+            </a:r>
+          </a:p>
+          <a:p>
+            <a:r>
+              <a:rPr lang="en-AU" sz="3000" dirty="0">
+                <a:latin typeface="Lato Black" panose="020F0A02020204030203" pitchFamily="34" charset="77"/>
+              </a:rPr>
+              <a:t>saving money, trying new things.</a:t>
+            </a:r>
           </a:p>
         </p:txBody>
       </p:sp>
@@ -4135,7 +5180,7 @@
                 <a:latin typeface="Paytone One" pitchFamily="2" charset="77"/>
                 <a:cs typeface="Damascus" pitchFamily="2" charset="-78"/>
               </a:rPr>
-              <a:t>What:</a:t>
+              <a:t>Who:</a:t>
             </a:r>
           </a:p>
         </p:txBody>
@@ -4154,8 +5199,8 @@
         </p:nvSpPr>
         <p:spPr>
           <a:xfrm>
-            <a:off x="4552950" y="1905000"/>
-            <a:ext cx="7164141" cy="1323439"/>
+            <a:off x="4580659" y="1490118"/>
+            <a:ext cx="6986208" cy="2862322"/>
           </a:xfrm>
           <a:prstGeom prst="rect">
             <a:avLst/>
@@ -4169,18 +5214,53 @@
           <a:lstStyle/>
           <a:p>
             <a:r>
-              <a:rPr lang="en-US" sz="4000" dirty="0">
-                <a:latin typeface="Lato Black" panose="020F0A02020204030203" pitchFamily="34" charset="77"/>
-              </a:rPr>
-              <a:t>An app to match your kitchen </a:t>
-            </a:r>
-          </a:p>
-          <a:p>
-            <a:r>
-              <a:rPr lang="en-US" sz="4000" dirty="0">
-                <a:latin typeface="Lato Black" panose="020F0A02020204030203" pitchFamily="34" charset="77"/>
-              </a:rPr>
-              <a:t>ingredients to recipes!</a:t>
+              <a:rPr lang="en-AU" sz="3000" b="1" dirty="0">
+                <a:latin typeface="Lato Black" panose="020F0A02020204030203" pitchFamily="34" charset="77"/>
+              </a:rPr>
+              <a:t>Key Psychographics</a:t>
+            </a:r>
+            <a:endParaRPr lang="en-AU" sz="3000" dirty="0">
+              <a:latin typeface="Lato Black" panose="020F0A02020204030203" pitchFamily="34" charset="77"/>
+            </a:endParaRPr>
+          </a:p>
+          <a:p>
+            <a:r>
+              <a:rPr lang="en-AU" sz="3000" dirty="0">
+                <a:latin typeface="Lato Black" panose="020F0A02020204030203" pitchFamily="34" charset="77"/>
+              </a:rPr>
+              <a:t>Dislikes repetitive meals, like variety </a:t>
+            </a:r>
+          </a:p>
+          <a:p>
+            <a:r>
+              <a:rPr lang="en-AU" sz="3000" dirty="0">
+                <a:latin typeface="Lato Black" panose="020F0A02020204030203" pitchFamily="34" charset="77"/>
+              </a:rPr>
+              <a:t>and new options.</a:t>
+            </a:r>
+          </a:p>
+          <a:p>
+            <a:r>
+              <a:rPr lang="en-AU" sz="3000" dirty="0">
+                <a:latin typeface="Lato Black" panose="020F0A02020204030203" pitchFamily="34" charset="77"/>
+              </a:rPr>
+              <a:t>Dislikes spending lots of money on lots </a:t>
+            </a:r>
+          </a:p>
+          <a:p>
+            <a:r>
+              <a:rPr lang="en-AU" sz="3000" dirty="0">
+                <a:latin typeface="Lato Black" panose="020F0A02020204030203" pitchFamily="34" charset="77"/>
+              </a:rPr>
+              <a:t>of ingredients and food waste.</a:t>
+            </a:r>
+          </a:p>
+          <a:p>
+            <a:r>
+              <a:rPr lang="en-AU" sz="3000" dirty="0">
+                <a:latin typeface="Lato Black" panose="020F0A02020204030203" pitchFamily="34" charset="77"/>
+              </a:rPr>
+              <a:t>Enjoys sharing and preparing meals.</a:t>
             </a:r>
           </a:p>
         </p:txBody>
@@ -4188,7 +5268,7 @@
     </p:spTree>
     <p:extLst>
       <p:ext uri="{BB962C8B-B14F-4D97-AF65-F5344CB8AC3E}">
-        <p14:creationId xmlns:p14="http://schemas.microsoft.com/office/powerpoint/2010/main" val="882512977"/>
+        <p14:creationId xmlns:p14="http://schemas.microsoft.com/office/powerpoint/2010/main" val="1750250365"/>
       </p:ext>
     </p:extLst>
   </p:cSld>
@@ -4266,7 +5346,7 @@
                 <a:latin typeface="Paytone One" pitchFamily="2" charset="77"/>
                 <a:cs typeface="Damascus" pitchFamily="2" charset="-78"/>
               </a:rPr>
-              <a:t>What:</a:t>
+              <a:t>Who:</a:t>
             </a:r>
           </a:p>
         </p:txBody>
@@ -4285,8 +5365,8 @@
         </p:nvSpPr>
         <p:spPr>
           <a:xfrm>
-            <a:off x="4552950" y="1905000"/>
-            <a:ext cx="7164141" cy="1323439"/>
+            <a:off x="4580659" y="1490118"/>
+            <a:ext cx="7694735" cy="2862322"/>
           </a:xfrm>
           <a:prstGeom prst="rect">
             <a:avLst/>
@@ -4300,18 +5380,65 @@
           <a:lstStyle/>
           <a:p>
             <a:r>
-              <a:rPr lang="en-US" sz="4000" dirty="0">
-                <a:latin typeface="Lato Black" panose="020F0A02020204030203" pitchFamily="34" charset="77"/>
-              </a:rPr>
-              <a:t>An app to match your kitchen </a:t>
-            </a:r>
-          </a:p>
-          <a:p>
-            <a:r>
-              <a:rPr lang="en-US" sz="4000" dirty="0">
-                <a:latin typeface="Lato Black" panose="020F0A02020204030203" pitchFamily="34" charset="77"/>
-              </a:rPr>
-              <a:t>ingredients to recipes!</a:t>
+              <a:rPr lang="en-AU" sz="3000" b="1" dirty="0">
+                <a:latin typeface="Lato Black" panose="020F0A02020204030203" pitchFamily="34" charset="77"/>
+              </a:rPr>
+              <a:t>Challenges</a:t>
+            </a:r>
+            <a:endParaRPr lang="en-AU" sz="3000" dirty="0">
+              <a:latin typeface="Lato Black" panose="020F0A02020204030203" pitchFamily="34" charset="77"/>
+            </a:endParaRPr>
+          </a:p>
+          <a:p>
+            <a:r>
+              <a:rPr lang="en-AU" sz="3000" dirty="0">
+                <a:latin typeface="Lato Black" panose="020F0A02020204030203" pitchFamily="34" charset="77"/>
+              </a:rPr>
+              <a:t>Finds it difficult to create recipes</a:t>
+            </a:r>
+          </a:p>
+          <a:p>
+            <a:r>
+              <a:rPr lang="en-AU" sz="3000" dirty="0">
+                <a:latin typeface="Lato Black" panose="020F0A02020204030203" pitchFamily="34" charset="77"/>
+              </a:rPr>
+              <a:t>Has a limited food budget or limited access </a:t>
+            </a:r>
+          </a:p>
+          <a:p>
+            <a:r>
+              <a:rPr lang="en-AU" sz="3000" dirty="0">
+                <a:latin typeface="Lato Black" panose="020F0A02020204030203" pitchFamily="34" charset="77"/>
+              </a:rPr>
+              <a:t>to ingredients</a:t>
+            </a:r>
+          </a:p>
+          <a:p>
+            <a:r>
+              <a:rPr lang="en-AU" sz="3000" dirty="0">
+                <a:latin typeface="Lato Black" panose="020F0A02020204030203" pitchFamily="34" charset="77"/>
+              </a:rPr>
+              <a:t>Has an interest in cooking but limitations </a:t>
+            </a:r>
+          </a:p>
+          <a:p>
+            <a:r>
+              <a:rPr lang="en-AU" sz="3000" dirty="0">
+                <a:latin typeface="Lato Black" panose="020F0A02020204030203" pitchFamily="34" charset="77"/>
+              </a:rPr>
+              <a:t>(</a:t>
+            </a:r>
+            <a:r>
+              <a:rPr lang="en-AU" sz="3000" dirty="0" err="1">
+                <a:latin typeface="Lato Black" panose="020F0A02020204030203" pitchFamily="34" charset="77"/>
+              </a:rPr>
+              <a:t>eg</a:t>
+            </a:r>
+            <a:r>
+              <a:rPr lang="en-AU" sz="3000" dirty="0">
+                <a:latin typeface="Lato Black" panose="020F0A02020204030203" pitchFamily="34" charset="77"/>
+              </a:rPr>
+              <a:t> budget, dietary restrictions, skill).</a:t>
             </a:r>
           </a:p>
         </p:txBody>
@@ -4319,7 +5446,7 @@
     </p:spTree>
     <p:extLst>
       <p:ext uri="{BB962C8B-B14F-4D97-AF65-F5344CB8AC3E}">
-        <p14:creationId xmlns:p14="http://schemas.microsoft.com/office/powerpoint/2010/main" val="3432511959"/>
+        <p14:creationId xmlns:p14="http://schemas.microsoft.com/office/powerpoint/2010/main" val="2180011779"/>
       </p:ext>
     </p:extLst>
   </p:cSld>
@@ -4397,7 +5524,7 @@
                 <a:latin typeface="Paytone One" pitchFamily="2" charset="77"/>
                 <a:cs typeface="Damascus" pitchFamily="2" charset="-78"/>
               </a:rPr>
-              <a:t>What:</a:t>
+              <a:t>Who:</a:t>
             </a:r>
           </a:p>
         </p:txBody>
@@ -4416,8 +5543,8 @@
         </p:nvSpPr>
         <p:spPr>
           <a:xfrm>
-            <a:off x="4552950" y="1905000"/>
-            <a:ext cx="7164141" cy="1323439"/>
+            <a:off x="4580659" y="1490118"/>
+            <a:ext cx="7766870" cy="4031873"/>
           </a:xfrm>
           <a:prstGeom prst="rect">
             <a:avLst/>
@@ -4431,18 +5558,72 @@
           <a:lstStyle/>
           <a:p>
             <a:r>
-              <a:rPr lang="en-US" sz="4000" dirty="0">
-                <a:latin typeface="Lato Black" panose="020F0A02020204030203" pitchFamily="34" charset="77"/>
-              </a:rPr>
-              <a:t>An app to match your kitchen </a:t>
-            </a:r>
-          </a:p>
-          <a:p>
-            <a:r>
-              <a:rPr lang="en-US" sz="4000" dirty="0">
-                <a:latin typeface="Lato Black" panose="020F0A02020204030203" pitchFamily="34" charset="77"/>
-              </a:rPr>
-              <a:t>ingredients to recipes!</a:t>
+              <a:rPr lang="en-AU" sz="3200" b="1" dirty="0">
+                <a:latin typeface="Lato Black" panose="020F0A02020204030203" pitchFamily="34" charset="77"/>
+              </a:rPr>
+              <a:t>Preferred Channels</a:t>
+            </a:r>
+            <a:endParaRPr lang="en-AU" sz="3200" dirty="0">
+              <a:latin typeface="Lato Black" panose="020F0A02020204030203" pitchFamily="34" charset="77"/>
+            </a:endParaRPr>
+          </a:p>
+          <a:p>
+            <a:r>
+              <a:rPr lang="en-AU" sz="3200" dirty="0">
+                <a:latin typeface="Lato Black" panose="020F0A02020204030203" pitchFamily="34" charset="77"/>
+              </a:rPr>
+              <a:t>Follows celebrity chefs and food themed </a:t>
+            </a:r>
+          </a:p>
+          <a:p>
+            <a:r>
+              <a:rPr lang="en-AU" sz="3200" dirty="0">
+                <a:latin typeface="Lato Black" panose="020F0A02020204030203" pitchFamily="34" charset="77"/>
+              </a:rPr>
+              <a:t>accounts on social media.</a:t>
+            </a:r>
+          </a:p>
+          <a:p>
+            <a:r>
+              <a:rPr lang="en-AU" sz="3200" dirty="0">
+                <a:latin typeface="Lato Black" panose="020F0A02020204030203" pitchFamily="34" charset="77"/>
+              </a:rPr>
+              <a:t>Searches for recipes/blogs on Google.</a:t>
+            </a:r>
+          </a:p>
+          <a:p>
+            <a:r>
+              <a:rPr lang="en-AU" sz="3200" b="1" dirty="0">
+                <a:latin typeface="Lato Black" panose="020F0A02020204030203" pitchFamily="34" charset="77"/>
+              </a:rPr>
+              <a:t>Preferred Content Types</a:t>
+            </a:r>
+            <a:endParaRPr lang="en-AU" sz="3200" dirty="0">
+              <a:latin typeface="Lato Black" panose="020F0A02020204030203" pitchFamily="34" charset="77"/>
+            </a:endParaRPr>
+          </a:p>
+          <a:p>
+            <a:r>
+              <a:rPr lang="en-AU" sz="3200" dirty="0">
+                <a:latin typeface="Lato Black" panose="020F0A02020204030203" pitchFamily="34" charset="77"/>
+              </a:rPr>
+              <a:t>Articles.</a:t>
+            </a:r>
+          </a:p>
+          <a:p>
+            <a:r>
+              <a:rPr lang="en-AU" sz="3200" dirty="0">
+                <a:latin typeface="Lato Black" panose="020F0A02020204030203" pitchFamily="34" charset="77"/>
+              </a:rPr>
+              <a:t>Blog posts.</a:t>
+            </a:r>
+          </a:p>
+          <a:p>
+            <a:r>
+              <a:rPr lang="en-AU" sz="3200" dirty="0">
+                <a:latin typeface="Lato Black" panose="020F0A02020204030203" pitchFamily="34" charset="77"/>
+              </a:rPr>
+              <a:t>Social media posts.</a:t>
             </a:r>
           </a:p>
         </p:txBody>
@@ -4450,7 +5631,507 @@
     </p:spTree>
     <p:extLst>
       <p:ext uri="{BB962C8B-B14F-4D97-AF65-F5344CB8AC3E}">
-        <p14:creationId xmlns:p14="http://schemas.microsoft.com/office/powerpoint/2010/main" val="1559976275"/>
+        <p14:creationId xmlns:p14="http://schemas.microsoft.com/office/powerpoint/2010/main" val="3223283621"/>
+      </p:ext>
+    </p:extLst>
+  </p:cSld>
+  <p:clrMapOvr>
+    <a:masterClrMapping/>
+  </p:clrMapOvr>
+</p:sld>
+</file>
+
+<file path=ppt/slides/slide9.xml><?xml version="1.0" encoding="utf-8"?>
+<p:sld xmlns:a="http://schemas.openxmlformats.org/drawingml/2006/main" xmlns:r="http://schemas.openxmlformats.org/officeDocument/2006/relationships" xmlns:p="http://schemas.openxmlformats.org/presentationml/2006/main">
+  <p:cSld>
+    <p:bg>
+      <p:bgPr>
+        <a:blipFill dpi="0" rotWithShape="1">
+          <a:blip r:embed="rId2">
+            <a:alphaModFix amt="59000"/>
+            <a:lum/>
+          </a:blip>
+          <a:srcRect/>
+          <a:stretch>
+            <a:fillRect t="-21000" b="-21000"/>
+          </a:stretch>
+        </a:blipFill>
+        <a:effectLst/>
+      </p:bgPr>
+    </p:bg>
+    <p:spTree>
+      <p:nvGrpSpPr>
+        <p:cNvPr id="1" name=""/>
+        <p:cNvGrpSpPr/>
+        <p:nvPr/>
+      </p:nvGrpSpPr>
+      <p:grpSpPr>
+        <a:xfrm>
+          <a:off x="0" y="0"/>
+          <a:ext cx="0" cy="0"/>
+          <a:chOff x="0" y="0"/>
+          <a:chExt cx="0" cy="0"/>
+        </a:xfrm>
+      </p:grpSpPr>
+      <p:sp>
+        <p:nvSpPr>
+          <p:cNvPr id="2" name="Title 1">
+            <a:extLst>
+              <a:ext uri="{FF2B5EF4-FFF2-40B4-BE49-F238E27FC236}">
+                <a16:creationId xmlns:a16="http://schemas.microsoft.com/office/drawing/2014/main" id="{56744057-E546-C742-9EA3-BBE713E20695}"/>
+              </a:ext>
+            </a:extLst>
+          </p:cNvPr>
+          <p:cNvSpPr>
+            <a:spLocks noGrp="1"/>
+          </p:cNvSpPr>
+          <p:nvPr>
+            <p:ph type="ctrTitle"/>
+          </p:nvPr>
+        </p:nvSpPr>
+        <p:spPr>
+          <a:xfrm>
+            <a:off x="2736125" y="361949"/>
+            <a:ext cx="3207476" cy="1128169"/>
+          </a:xfrm>
+        </p:spPr>
+        <p:txBody>
+          <a:bodyPr>
+            <a:normAutofit/>
+          </a:bodyPr>
+          <a:lstStyle/>
+          <a:p>
+            <a:r>
+              <a:rPr lang="en-US" b="1" dirty="0">
+                <a:solidFill>
+                  <a:srgbClr val="3D7300"/>
+                </a:solidFill>
+                <a:latin typeface="Paytone One" pitchFamily="2" charset="77"/>
+                <a:cs typeface="Damascus" pitchFamily="2" charset="-78"/>
+              </a:rPr>
+              <a:t>How:</a:t>
+            </a:r>
+          </a:p>
+        </p:txBody>
+      </p:sp>
+      <p:sp>
+        <p:nvSpPr>
+          <p:cNvPr id="5" name="TextBox 4">
+            <a:extLst>
+              <a:ext uri="{FF2B5EF4-FFF2-40B4-BE49-F238E27FC236}">
+                <a16:creationId xmlns:a16="http://schemas.microsoft.com/office/drawing/2014/main" id="{D0B0D982-FAAC-E14C-A473-619D32B4B171}"/>
+              </a:ext>
+            </a:extLst>
+          </p:cNvPr>
+          <p:cNvSpPr txBox="1"/>
+          <p:nvPr/>
+        </p:nvSpPr>
+        <p:spPr>
+          <a:xfrm>
+            <a:off x="4632986" y="1490118"/>
+            <a:ext cx="2621230" cy="5324535"/>
+          </a:xfrm>
+          <a:prstGeom prst="rect">
+            <a:avLst/>
+          </a:prstGeom>
+          <a:noFill/>
+        </p:spPr>
+        <p:txBody>
+          <a:bodyPr wrap="none" rtlCol="0">
+            <a:spAutoFit/>
+          </a:bodyPr>
+          <a:lstStyle/>
+          <a:p>
+            <a:r>
+              <a:rPr lang="en-AU" sz="2000" b="1" dirty="0">
+                <a:latin typeface="Lato Black" panose="020F0A02020204030203" pitchFamily="34" charset="77"/>
+              </a:rPr>
+              <a:t>Design and Planning:</a:t>
+            </a:r>
+            <a:endParaRPr lang="en-AU" sz="2000" dirty="0">
+              <a:latin typeface="Lato Black" panose="020F0A02020204030203" pitchFamily="34" charset="77"/>
+            </a:endParaRPr>
+          </a:p>
+          <a:p>
+            <a:r>
+              <a:rPr lang="en-AU" sz="2000" dirty="0">
+                <a:latin typeface="Lato Black" panose="020F0A02020204030203" pitchFamily="34" charset="77"/>
+              </a:rPr>
+              <a:t>Trello</a:t>
+            </a:r>
+          </a:p>
+          <a:p>
+            <a:r>
+              <a:rPr lang="en-AU" sz="2000" dirty="0">
+                <a:latin typeface="Lato Black" panose="020F0A02020204030203" pitchFamily="34" charset="77"/>
+              </a:rPr>
+              <a:t>Miro</a:t>
+            </a:r>
+          </a:p>
+          <a:p>
+            <a:r>
+              <a:rPr lang="en-AU" sz="2000" dirty="0" err="1">
+                <a:latin typeface="Lato Black" panose="020F0A02020204030203" pitchFamily="34" charset="77"/>
+              </a:rPr>
+              <a:t>xtensio</a:t>
+            </a:r>
+            <a:endParaRPr lang="en-AU" sz="2000" dirty="0">
+              <a:latin typeface="Lato Black" panose="020F0A02020204030203" pitchFamily="34" charset="77"/>
+            </a:endParaRPr>
+          </a:p>
+          <a:p>
+            <a:r>
+              <a:rPr lang="en-AU" sz="2000" dirty="0">
+                <a:latin typeface="Lato Black" panose="020F0A02020204030203" pitchFamily="34" charset="77"/>
+              </a:rPr>
+              <a:t>Lucid Chart</a:t>
+            </a:r>
+          </a:p>
+          <a:p>
+            <a:r>
+              <a:rPr lang="en-AU" sz="2000" dirty="0">
+                <a:latin typeface="Lato Black" panose="020F0A02020204030203" pitchFamily="34" charset="77"/>
+              </a:rPr>
+              <a:t>Slack</a:t>
+            </a:r>
+          </a:p>
+          <a:p>
+            <a:endParaRPr lang="en-AU" sz="2000" dirty="0">
+              <a:latin typeface="Lato Black" panose="020F0A02020204030203" pitchFamily="34" charset="77"/>
+            </a:endParaRPr>
+          </a:p>
+          <a:p>
+            <a:r>
+              <a:rPr lang="en-AU" sz="2000" b="1" dirty="0">
+                <a:latin typeface="Lato Black" panose="020F0A02020204030203" pitchFamily="34" charset="77"/>
+              </a:rPr>
+              <a:t>Frontend:</a:t>
+            </a:r>
+            <a:endParaRPr lang="en-AU" sz="2000" dirty="0">
+              <a:latin typeface="Lato Black" panose="020F0A02020204030203" pitchFamily="34" charset="77"/>
+            </a:endParaRPr>
+          </a:p>
+          <a:p>
+            <a:r>
+              <a:rPr lang="en-AU" sz="2000" dirty="0">
+                <a:latin typeface="Lato Black" panose="020F0A02020204030203" pitchFamily="34" charset="77"/>
+              </a:rPr>
+              <a:t>HTML5</a:t>
+            </a:r>
+          </a:p>
+          <a:p>
+            <a:r>
+              <a:rPr lang="en-AU" sz="2000" dirty="0">
+                <a:latin typeface="Lato Black" panose="020F0A02020204030203" pitchFamily="34" charset="77"/>
+              </a:rPr>
+              <a:t>CSS3</a:t>
+            </a:r>
+          </a:p>
+          <a:p>
+            <a:r>
+              <a:rPr lang="en-AU" sz="2000" dirty="0">
+                <a:latin typeface="Lato Black" panose="020F0A02020204030203" pitchFamily="34" charset="77"/>
+              </a:rPr>
+              <a:t>React JS</a:t>
+            </a:r>
+          </a:p>
+          <a:p>
+            <a:r>
+              <a:rPr lang="en-AU" sz="2000" dirty="0">
+                <a:latin typeface="Lato Black" panose="020F0A02020204030203" pitchFamily="34" charset="77"/>
+              </a:rPr>
+              <a:t>JavaScript</a:t>
+            </a:r>
+          </a:p>
+          <a:p>
+            <a:r>
+              <a:rPr lang="en-AU" sz="2000" dirty="0">
+                <a:latin typeface="Lato Black" panose="020F0A02020204030203" pitchFamily="34" charset="77"/>
+              </a:rPr>
+              <a:t>JSX</a:t>
+            </a:r>
+          </a:p>
+          <a:p>
+            <a:r>
+              <a:rPr lang="en-AU" sz="2000" dirty="0">
+                <a:latin typeface="Lato Black" panose="020F0A02020204030203" pitchFamily="34" charset="77"/>
+              </a:rPr>
+              <a:t>Material-UI</a:t>
+            </a:r>
+          </a:p>
+          <a:p>
+            <a:r>
+              <a:rPr lang="en-AU" sz="2000" dirty="0">
+                <a:latin typeface="Lato Black" panose="020F0A02020204030203" pitchFamily="34" charset="77"/>
+              </a:rPr>
+              <a:t>Bootstrap</a:t>
+            </a:r>
+          </a:p>
+          <a:p>
+            <a:r>
+              <a:rPr lang="en-AU" sz="2000" dirty="0" err="1">
+                <a:latin typeface="Lato Black" panose="020F0A02020204030203" pitchFamily="34" charset="77"/>
+              </a:rPr>
+              <a:t>Axios</a:t>
+            </a:r>
+            <a:endParaRPr lang="en-AU" sz="2000" dirty="0">
+              <a:latin typeface="Lato Black" panose="020F0A02020204030203" pitchFamily="34" charset="77"/>
+            </a:endParaRPr>
+          </a:p>
+          <a:p>
+            <a:endParaRPr lang="en-AU" sz="2000" dirty="0">
+              <a:latin typeface="Lato Black" panose="020F0A02020204030203" pitchFamily="34" charset="77"/>
+            </a:endParaRPr>
+          </a:p>
+        </p:txBody>
+      </p:sp>
+      <p:sp>
+        <p:nvSpPr>
+          <p:cNvPr id="3" name="Rectangle 2">
+            <a:extLst>
+              <a:ext uri="{FF2B5EF4-FFF2-40B4-BE49-F238E27FC236}">
+                <a16:creationId xmlns:a16="http://schemas.microsoft.com/office/drawing/2014/main" id="{41785F14-6E4A-BF42-B2A8-A513522F6F05}"/>
+              </a:ext>
+            </a:extLst>
+          </p:cNvPr>
+          <p:cNvSpPr/>
+          <p:nvPr/>
+        </p:nvSpPr>
+        <p:spPr>
+          <a:xfrm>
+            <a:off x="7503332" y="1490118"/>
+            <a:ext cx="2881746" cy="4524315"/>
+          </a:xfrm>
+          <a:prstGeom prst="rect">
+            <a:avLst/>
+          </a:prstGeom>
+        </p:spPr>
+        <p:txBody>
+          <a:bodyPr wrap="square">
+            <a:spAutoFit/>
+          </a:bodyPr>
+          <a:lstStyle/>
+          <a:p>
+            <a:r>
+              <a:rPr lang="en-AU" b="1" dirty="0">
+                <a:latin typeface="Lato Black" panose="020F0A02020204030203" pitchFamily="34" charset="77"/>
+              </a:rPr>
+              <a:t>Backend:</a:t>
+            </a:r>
+            <a:endParaRPr lang="en-AU" dirty="0">
+              <a:latin typeface="Lato Black" panose="020F0A02020204030203" pitchFamily="34" charset="77"/>
+            </a:endParaRPr>
+          </a:p>
+          <a:p>
+            <a:r>
+              <a:rPr lang="en-AU" dirty="0" err="1">
+                <a:latin typeface="Lato Black" panose="020F0A02020204030203" pitchFamily="34" charset="77"/>
+              </a:rPr>
+              <a:t>ExpressJS</a:t>
+            </a:r>
+            <a:endParaRPr lang="en-AU" dirty="0">
+              <a:latin typeface="Lato Black" panose="020F0A02020204030203" pitchFamily="34" charset="77"/>
+            </a:endParaRPr>
+          </a:p>
+          <a:p>
+            <a:r>
+              <a:rPr lang="en-AU" dirty="0">
+                <a:latin typeface="Lato Black" panose="020F0A02020204030203" pitchFamily="34" charset="77"/>
+              </a:rPr>
+              <a:t>Node JS</a:t>
+            </a:r>
+          </a:p>
+          <a:p>
+            <a:r>
+              <a:rPr lang="en-AU" dirty="0">
+                <a:latin typeface="Lato Black" panose="020F0A02020204030203" pitchFamily="34" charset="77"/>
+              </a:rPr>
+              <a:t>Passport</a:t>
+            </a:r>
+          </a:p>
+          <a:p>
+            <a:r>
+              <a:rPr lang="en-AU" dirty="0">
+                <a:latin typeface="Lato Black" panose="020F0A02020204030203" pitchFamily="34" charset="77"/>
+              </a:rPr>
+              <a:t>Passport-JWT</a:t>
+            </a:r>
+          </a:p>
+          <a:p>
+            <a:r>
+              <a:rPr lang="en-AU" dirty="0">
+                <a:latin typeface="Lato Black" panose="020F0A02020204030203" pitchFamily="34" charset="77"/>
+              </a:rPr>
+              <a:t>Express Session</a:t>
+            </a:r>
+          </a:p>
+          <a:p>
+            <a:endParaRPr lang="en-AU" dirty="0">
+              <a:latin typeface="Lato Black" panose="020F0A02020204030203" pitchFamily="34" charset="77"/>
+            </a:endParaRPr>
+          </a:p>
+          <a:p>
+            <a:r>
+              <a:rPr lang="en-AU" b="1" dirty="0">
+                <a:latin typeface="Lato Black" panose="020F0A02020204030203" pitchFamily="34" charset="77"/>
+              </a:rPr>
+              <a:t>Database:</a:t>
+            </a:r>
+            <a:endParaRPr lang="en-AU" dirty="0">
+              <a:latin typeface="Lato Black" panose="020F0A02020204030203" pitchFamily="34" charset="77"/>
+            </a:endParaRPr>
+          </a:p>
+          <a:p>
+            <a:r>
+              <a:rPr lang="en-AU" dirty="0">
+                <a:latin typeface="Lato Black" panose="020F0A02020204030203" pitchFamily="34" charset="77"/>
+              </a:rPr>
+              <a:t>MongoDB</a:t>
+            </a:r>
+          </a:p>
+          <a:p>
+            <a:r>
+              <a:rPr lang="en-AU" dirty="0">
+                <a:latin typeface="Lato Black" panose="020F0A02020204030203" pitchFamily="34" charset="77"/>
+              </a:rPr>
+              <a:t>Mongoose</a:t>
+            </a:r>
+          </a:p>
+          <a:p>
+            <a:endParaRPr lang="en-AU" dirty="0">
+              <a:latin typeface="Lato Black" panose="020F0A02020204030203" pitchFamily="34" charset="77"/>
+            </a:endParaRPr>
+          </a:p>
+          <a:p>
+            <a:r>
+              <a:rPr lang="en-AU" b="1" dirty="0">
+                <a:latin typeface="Lato Black" panose="020F0A02020204030203" pitchFamily="34" charset="77"/>
+              </a:rPr>
+              <a:t>Testing:</a:t>
+            </a:r>
+            <a:endParaRPr lang="en-AU" dirty="0">
+              <a:latin typeface="Lato Black" panose="020F0A02020204030203" pitchFamily="34" charset="77"/>
+            </a:endParaRPr>
+          </a:p>
+          <a:p>
+            <a:r>
+              <a:rPr lang="en-AU" dirty="0">
+                <a:latin typeface="Lato Black" panose="020F0A02020204030203" pitchFamily="34" charset="77"/>
+              </a:rPr>
+              <a:t>Cypress</a:t>
+            </a:r>
+          </a:p>
+          <a:p>
+            <a:r>
+              <a:rPr lang="en-AU" dirty="0" err="1">
+                <a:latin typeface="Lato Black" panose="020F0A02020204030203" pitchFamily="34" charset="77"/>
+              </a:rPr>
+              <a:t>Supertest</a:t>
+            </a:r>
+            <a:endParaRPr lang="en-AU" dirty="0">
+              <a:latin typeface="Lato Black" panose="020F0A02020204030203" pitchFamily="34" charset="77"/>
+            </a:endParaRPr>
+          </a:p>
+          <a:p>
+            <a:r>
+              <a:rPr lang="en-AU" dirty="0">
+                <a:latin typeface="Lato Black" panose="020F0A02020204030203" pitchFamily="34" charset="77"/>
+              </a:rPr>
+              <a:t>Mocha</a:t>
+            </a:r>
+          </a:p>
+          <a:p>
+            <a:endParaRPr lang="en-AU" dirty="0">
+              <a:latin typeface="Lato Black" panose="020F0A02020204030203" pitchFamily="34" charset="77"/>
+            </a:endParaRPr>
+          </a:p>
+        </p:txBody>
+      </p:sp>
+      <p:sp>
+        <p:nvSpPr>
+          <p:cNvPr id="4" name="Rectangle 3">
+            <a:extLst>
+              <a:ext uri="{FF2B5EF4-FFF2-40B4-BE49-F238E27FC236}">
+                <a16:creationId xmlns:a16="http://schemas.microsoft.com/office/drawing/2014/main" id="{5CB3E68D-D601-C34D-B26B-495AE0F3E178}"/>
+              </a:ext>
+            </a:extLst>
+          </p:cNvPr>
+          <p:cNvSpPr/>
+          <p:nvPr/>
+        </p:nvSpPr>
+        <p:spPr>
+          <a:xfrm>
+            <a:off x="9607498" y="1490118"/>
+            <a:ext cx="2245895" cy="1477328"/>
+          </a:xfrm>
+          <a:prstGeom prst="rect">
+            <a:avLst/>
+          </a:prstGeom>
+        </p:spPr>
+        <p:txBody>
+          <a:bodyPr wrap="square">
+            <a:spAutoFit/>
+          </a:bodyPr>
+          <a:lstStyle/>
+          <a:p>
+            <a:r>
+              <a:rPr lang="en-AU" b="1" dirty="0">
+                <a:latin typeface="Lato Black" panose="020F0A02020204030203" pitchFamily="34" charset="77"/>
+              </a:rPr>
+              <a:t>Other:</a:t>
+            </a:r>
+            <a:endParaRPr lang="en-AU" dirty="0">
+              <a:latin typeface="Lato Black" panose="020F0A02020204030203" pitchFamily="34" charset="77"/>
+            </a:endParaRPr>
+          </a:p>
+          <a:p>
+            <a:r>
+              <a:rPr lang="en-AU" dirty="0" err="1">
+                <a:latin typeface="Lato Black" panose="020F0A02020204030203" pitchFamily="34" charset="77"/>
+              </a:rPr>
+              <a:t>Edamam</a:t>
+            </a:r>
+            <a:r>
+              <a:rPr lang="en-AU" dirty="0">
+                <a:latin typeface="Lato Black" panose="020F0A02020204030203" pitchFamily="34" charset="77"/>
+              </a:rPr>
+              <a:t> API or </a:t>
+            </a:r>
+            <a:r>
+              <a:rPr lang="en-AU" dirty="0" err="1">
+                <a:latin typeface="Lato Black" panose="020F0A02020204030203" pitchFamily="34" charset="77"/>
+              </a:rPr>
+              <a:t>Spoonacular</a:t>
+            </a:r>
+            <a:endParaRPr lang="en-AU" dirty="0">
+              <a:latin typeface="Lato Black" panose="020F0A02020204030203" pitchFamily="34" charset="77"/>
+            </a:endParaRPr>
+          </a:p>
+          <a:p>
+            <a:r>
+              <a:rPr lang="en-AU" dirty="0">
+                <a:latin typeface="Lato Black" panose="020F0A02020204030203" pitchFamily="34" charset="77"/>
+              </a:rPr>
+              <a:t>Heroku</a:t>
+            </a:r>
+          </a:p>
+          <a:p>
+            <a:r>
+              <a:rPr lang="en-AU" dirty="0" err="1">
+                <a:latin typeface="Lato Black" panose="020F0A02020204030203" pitchFamily="34" charset="77"/>
+              </a:rPr>
+              <a:t>Netlify</a:t>
+            </a:r>
+            <a:endParaRPr lang="en-AU" dirty="0">
+              <a:latin typeface="Lato Black" panose="020F0A02020204030203" pitchFamily="34" charset="77"/>
+            </a:endParaRPr>
+          </a:p>
+        </p:txBody>
+      </p:sp>
+    </p:spTree>
+    <p:extLst>
+      <p:ext uri="{BB962C8B-B14F-4D97-AF65-F5344CB8AC3E}">
+        <p14:creationId xmlns:p14="http://schemas.microsoft.com/office/powerpoint/2010/main" val="882512977"/>
       </p:ext>
     </p:extLst>
   </p:cSld>

--- a/Presentation1.pptx
+++ b/Presentation1.pptx
@@ -4,22 +4,29 @@
   <p:sldMasterIdLst>
     <p:sldMasterId id="2147483648" r:id="rId1"/>
   </p:sldMasterIdLst>
+  <p:notesMasterIdLst>
+    <p:notesMasterId r:id="rId21"/>
+  </p:notesMasterIdLst>
   <p:sldIdLst>
     <p:sldId id="256" r:id="rId2"/>
     <p:sldId id="257" r:id="rId3"/>
-    <p:sldId id="259" r:id="rId4"/>
-    <p:sldId id="263" r:id="rId5"/>
-    <p:sldId id="260" r:id="rId6"/>
-    <p:sldId id="264" r:id="rId7"/>
-    <p:sldId id="265" r:id="rId8"/>
-    <p:sldId id="266" r:id="rId9"/>
-    <p:sldId id="261" r:id="rId10"/>
-    <p:sldId id="262" r:id="rId11"/>
-    <p:sldId id="267" r:id="rId12"/>
-    <p:sldId id="268" r:id="rId13"/>
-    <p:sldId id="270" r:id="rId14"/>
-    <p:sldId id="271" r:id="rId15"/>
-    <p:sldId id="258" r:id="rId16"/>
+    <p:sldId id="273" r:id="rId4"/>
+    <p:sldId id="274" r:id="rId5"/>
+    <p:sldId id="276" r:id="rId6"/>
+    <p:sldId id="277" r:id="rId7"/>
+    <p:sldId id="279" r:id="rId8"/>
+    <p:sldId id="280" r:id="rId9"/>
+    <p:sldId id="260" r:id="rId10"/>
+    <p:sldId id="259" r:id="rId11"/>
+    <p:sldId id="263" r:id="rId12"/>
+    <p:sldId id="272" r:id="rId13"/>
+    <p:sldId id="271" r:id="rId14"/>
+    <p:sldId id="261" r:id="rId15"/>
+    <p:sldId id="262" r:id="rId16"/>
+    <p:sldId id="267" r:id="rId17"/>
+    <p:sldId id="270" r:id="rId18"/>
+    <p:sldId id="258" r:id="rId19"/>
+    <p:sldId id="278" r:id="rId20"/>
   </p:sldIdLst>
   <p:sldSz cx="12192000" cy="6858000"/>
   <p:notesSz cx="6858000" cy="9144000"/>
@@ -124,6 +131,1317 @@
     </p:ext>
   </p:extLst>
 </p:presentation>
+</file>
+
+<file path=ppt/notesMasters/notesMaster1.xml><?xml version="1.0" encoding="utf-8"?>
+<p:notesMaster xmlns:a="http://schemas.openxmlformats.org/drawingml/2006/main" xmlns:r="http://schemas.openxmlformats.org/officeDocument/2006/relationships" xmlns:p="http://schemas.openxmlformats.org/presentationml/2006/main">
+  <p:cSld>
+    <p:bg>
+      <p:bgRef idx="1001">
+        <a:schemeClr val="bg1"/>
+      </p:bgRef>
+    </p:bg>
+    <p:spTree>
+      <p:nvGrpSpPr>
+        <p:cNvPr id="1" name=""/>
+        <p:cNvGrpSpPr/>
+        <p:nvPr/>
+      </p:nvGrpSpPr>
+      <p:grpSpPr>
+        <a:xfrm>
+          <a:off x="0" y="0"/>
+          <a:ext cx="0" cy="0"/>
+          <a:chOff x="0" y="0"/>
+          <a:chExt cx="0" cy="0"/>
+        </a:xfrm>
+      </p:grpSpPr>
+      <p:sp>
+        <p:nvSpPr>
+          <p:cNvPr id="2" name="Header Placeholder 1"/>
+          <p:cNvSpPr>
+            <a:spLocks noGrp="1"/>
+          </p:cNvSpPr>
+          <p:nvPr>
+            <p:ph type="hdr" sz="quarter"/>
+          </p:nvPr>
+        </p:nvSpPr>
+        <p:spPr>
+          <a:xfrm>
+            <a:off x="0" y="0"/>
+            <a:ext cx="2971800" cy="458788"/>
+          </a:xfrm>
+          <a:prstGeom prst="rect">
+            <a:avLst/>
+          </a:prstGeom>
+        </p:spPr>
+        <p:txBody>
+          <a:bodyPr vert="horz" lIns="91440" tIns="45720" rIns="91440" bIns="45720" rtlCol="0"/>
+          <a:lstStyle>
+            <a:lvl1pPr algn="l">
+              <a:defRPr sz="1200"/>
+            </a:lvl1pPr>
+          </a:lstStyle>
+          <a:p>
+            <a:endParaRPr lang="en-US"/>
+          </a:p>
+        </p:txBody>
+      </p:sp>
+      <p:sp>
+        <p:nvSpPr>
+          <p:cNvPr id="3" name="Date Placeholder 2"/>
+          <p:cNvSpPr>
+            <a:spLocks noGrp="1"/>
+          </p:cNvSpPr>
+          <p:nvPr>
+            <p:ph type="dt" idx="1"/>
+          </p:nvPr>
+        </p:nvSpPr>
+        <p:spPr>
+          <a:xfrm>
+            <a:off x="3884613" y="0"/>
+            <a:ext cx="2971800" cy="458788"/>
+          </a:xfrm>
+          <a:prstGeom prst="rect">
+            <a:avLst/>
+          </a:prstGeom>
+        </p:spPr>
+        <p:txBody>
+          <a:bodyPr vert="horz" lIns="91440" tIns="45720" rIns="91440" bIns="45720" rtlCol="0"/>
+          <a:lstStyle>
+            <a:lvl1pPr algn="r">
+              <a:defRPr sz="1200"/>
+            </a:lvl1pPr>
+          </a:lstStyle>
+          <a:p>
+            <a:fld id="{EBE9F8F6-16F9-A749-BDF8-E1342E305B28}" type="datetimeFigureOut">
+              <a:rPr lang="en-US" smtClean="0"/>
+              <a:t>12/2/20</a:t>
+            </a:fld>
+            <a:endParaRPr lang="en-US"/>
+          </a:p>
+        </p:txBody>
+      </p:sp>
+      <p:sp>
+        <p:nvSpPr>
+          <p:cNvPr id="4" name="Slide Image Placeholder 3"/>
+          <p:cNvSpPr>
+            <a:spLocks noGrp="1" noRot="1" noChangeAspect="1"/>
+          </p:cNvSpPr>
+          <p:nvPr>
+            <p:ph type="sldImg" idx="2"/>
+          </p:nvPr>
+        </p:nvSpPr>
+        <p:spPr>
+          <a:xfrm>
+            <a:off x="685800" y="1143000"/>
+            <a:ext cx="5486400" cy="3086100"/>
+          </a:xfrm>
+          <a:prstGeom prst="rect">
+            <a:avLst/>
+          </a:prstGeom>
+          <a:noFill/>
+          <a:ln w="12700">
+            <a:solidFill>
+              <a:prstClr val="black"/>
+            </a:solidFill>
+          </a:ln>
+        </p:spPr>
+        <p:txBody>
+          <a:bodyPr vert="horz" lIns="91440" tIns="45720" rIns="91440" bIns="45720" rtlCol="0" anchor="ctr"/>
+          <a:lstStyle/>
+          <a:p>
+            <a:endParaRPr lang="en-US"/>
+          </a:p>
+        </p:txBody>
+      </p:sp>
+      <p:sp>
+        <p:nvSpPr>
+          <p:cNvPr id="5" name="Notes Placeholder 4"/>
+          <p:cNvSpPr>
+            <a:spLocks noGrp="1"/>
+          </p:cNvSpPr>
+          <p:nvPr>
+            <p:ph type="body" sz="quarter" idx="3"/>
+          </p:nvPr>
+        </p:nvSpPr>
+        <p:spPr>
+          <a:xfrm>
+            <a:off x="685800" y="4400550"/>
+            <a:ext cx="5486400" cy="3600450"/>
+          </a:xfrm>
+          <a:prstGeom prst="rect">
+            <a:avLst/>
+          </a:prstGeom>
+        </p:spPr>
+        <p:txBody>
+          <a:bodyPr vert="horz" lIns="91440" tIns="45720" rIns="91440" bIns="45720" rtlCol="0"/>
+          <a:lstStyle/>
+          <a:p>
+            <a:pPr lvl="0"/>
+            <a:r>
+              <a:rPr lang="en-US"/>
+              <a:t>Edit Master text styles</a:t>
+            </a:r>
+          </a:p>
+          <a:p>
+            <a:pPr lvl="1"/>
+            <a:r>
+              <a:rPr lang="en-US"/>
+              <a:t>Second level</a:t>
+            </a:r>
+          </a:p>
+          <a:p>
+            <a:pPr lvl="2"/>
+            <a:r>
+              <a:rPr lang="en-US"/>
+              <a:t>Third level</a:t>
+            </a:r>
+          </a:p>
+          <a:p>
+            <a:pPr lvl="3"/>
+            <a:r>
+              <a:rPr lang="en-US"/>
+              <a:t>Fourth level</a:t>
+            </a:r>
+          </a:p>
+          <a:p>
+            <a:pPr lvl="4"/>
+            <a:r>
+              <a:rPr lang="en-US"/>
+              <a:t>Fifth level</a:t>
+            </a:r>
+          </a:p>
+        </p:txBody>
+      </p:sp>
+      <p:sp>
+        <p:nvSpPr>
+          <p:cNvPr id="6" name="Footer Placeholder 5"/>
+          <p:cNvSpPr>
+            <a:spLocks noGrp="1"/>
+          </p:cNvSpPr>
+          <p:nvPr>
+            <p:ph type="ftr" sz="quarter" idx="4"/>
+          </p:nvPr>
+        </p:nvSpPr>
+        <p:spPr>
+          <a:xfrm>
+            <a:off x="0" y="8685213"/>
+            <a:ext cx="2971800" cy="458787"/>
+          </a:xfrm>
+          <a:prstGeom prst="rect">
+            <a:avLst/>
+          </a:prstGeom>
+        </p:spPr>
+        <p:txBody>
+          <a:bodyPr vert="horz" lIns="91440" tIns="45720" rIns="91440" bIns="45720" rtlCol="0" anchor="b"/>
+          <a:lstStyle>
+            <a:lvl1pPr algn="l">
+              <a:defRPr sz="1200"/>
+            </a:lvl1pPr>
+          </a:lstStyle>
+          <a:p>
+            <a:endParaRPr lang="en-US"/>
+          </a:p>
+        </p:txBody>
+      </p:sp>
+      <p:sp>
+        <p:nvSpPr>
+          <p:cNvPr id="7" name="Slide Number Placeholder 6"/>
+          <p:cNvSpPr>
+            <a:spLocks noGrp="1"/>
+          </p:cNvSpPr>
+          <p:nvPr>
+            <p:ph type="sldNum" sz="quarter" idx="5"/>
+          </p:nvPr>
+        </p:nvSpPr>
+        <p:spPr>
+          <a:xfrm>
+            <a:off x="3884613" y="8685213"/>
+            <a:ext cx="2971800" cy="458787"/>
+          </a:xfrm>
+          <a:prstGeom prst="rect">
+            <a:avLst/>
+          </a:prstGeom>
+        </p:spPr>
+        <p:txBody>
+          <a:bodyPr vert="horz" lIns="91440" tIns="45720" rIns="91440" bIns="45720" rtlCol="0" anchor="b"/>
+          <a:lstStyle>
+            <a:lvl1pPr algn="r">
+              <a:defRPr sz="1200"/>
+            </a:lvl1pPr>
+          </a:lstStyle>
+          <a:p>
+            <a:fld id="{7519D55E-539C-0D4E-B6D4-50FE10CCD26F}" type="slidenum">
+              <a:rPr lang="en-US" smtClean="0"/>
+              <a:t>‹#›</a:t>
+            </a:fld>
+            <a:endParaRPr lang="en-US"/>
+          </a:p>
+        </p:txBody>
+      </p:sp>
+    </p:spTree>
+    <p:extLst>
+      <p:ext uri="{BB962C8B-B14F-4D97-AF65-F5344CB8AC3E}">
+        <p14:creationId xmlns:p14="http://schemas.microsoft.com/office/powerpoint/2010/main" val="2608866663"/>
+      </p:ext>
+    </p:extLst>
+  </p:cSld>
+  <p:clrMap bg1="lt1" tx1="dk1" bg2="lt2" tx2="dk2" accent1="accent1" accent2="accent2" accent3="accent3" accent4="accent4" accent5="accent5" accent6="accent6" hlink="hlink" folHlink="folHlink"/>
+  <p:notesStyle>
+    <a:lvl1pPr marL="0" algn="l" defTabSz="914400" rtl="0" eaLnBrk="1" latinLnBrk="0" hangingPunct="1">
+      <a:defRPr sz="1200" kern="1200">
+        <a:solidFill>
+          <a:schemeClr val="tx1"/>
+        </a:solidFill>
+        <a:latin typeface="+mn-lt"/>
+        <a:ea typeface="+mn-ea"/>
+        <a:cs typeface="+mn-cs"/>
+      </a:defRPr>
+    </a:lvl1pPr>
+    <a:lvl2pPr marL="457200" algn="l" defTabSz="914400" rtl="0" eaLnBrk="1" latinLnBrk="0" hangingPunct="1">
+      <a:defRPr sz="1200" kern="1200">
+        <a:solidFill>
+          <a:schemeClr val="tx1"/>
+        </a:solidFill>
+        <a:latin typeface="+mn-lt"/>
+        <a:ea typeface="+mn-ea"/>
+        <a:cs typeface="+mn-cs"/>
+      </a:defRPr>
+    </a:lvl2pPr>
+    <a:lvl3pPr marL="914400" algn="l" defTabSz="914400" rtl="0" eaLnBrk="1" latinLnBrk="0" hangingPunct="1">
+      <a:defRPr sz="1200" kern="1200">
+        <a:solidFill>
+          <a:schemeClr val="tx1"/>
+        </a:solidFill>
+        <a:latin typeface="+mn-lt"/>
+        <a:ea typeface="+mn-ea"/>
+        <a:cs typeface="+mn-cs"/>
+      </a:defRPr>
+    </a:lvl3pPr>
+    <a:lvl4pPr marL="1371600" algn="l" defTabSz="914400" rtl="0" eaLnBrk="1" latinLnBrk="0" hangingPunct="1">
+      <a:defRPr sz="1200" kern="1200">
+        <a:solidFill>
+          <a:schemeClr val="tx1"/>
+        </a:solidFill>
+        <a:latin typeface="+mn-lt"/>
+        <a:ea typeface="+mn-ea"/>
+        <a:cs typeface="+mn-cs"/>
+      </a:defRPr>
+    </a:lvl4pPr>
+    <a:lvl5pPr marL="1828800" algn="l" defTabSz="914400" rtl="0" eaLnBrk="1" latinLnBrk="0" hangingPunct="1">
+      <a:defRPr sz="1200" kern="1200">
+        <a:solidFill>
+          <a:schemeClr val="tx1"/>
+        </a:solidFill>
+        <a:latin typeface="+mn-lt"/>
+        <a:ea typeface="+mn-ea"/>
+        <a:cs typeface="+mn-cs"/>
+      </a:defRPr>
+    </a:lvl5pPr>
+    <a:lvl6pPr marL="2286000" algn="l" defTabSz="914400" rtl="0" eaLnBrk="1" latinLnBrk="0" hangingPunct="1">
+      <a:defRPr sz="1200" kern="1200">
+        <a:solidFill>
+          <a:schemeClr val="tx1"/>
+        </a:solidFill>
+        <a:latin typeface="+mn-lt"/>
+        <a:ea typeface="+mn-ea"/>
+        <a:cs typeface="+mn-cs"/>
+      </a:defRPr>
+    </a:lvl6pPr>
+    <a:lvl7pPr marL="2743200" algn="l" defTabSz="914400" rtl="0" eaLnBrk="1" latinLnBrk="0" hangingPunct="1">
+      <a:defRPr sz="1200" kern="1200">
+        <a:solidFill>
+          <a:schemeClr val="tx1"/>
+        </a:solidFill>
+        <a:latin typeface="+mn-lt"/>
+        <a:ea typeface="+mn-ea"/>
+        <a:cs typeface="+mn-cs"/>
+      </a:defRPr>
+    </a:lvl7pPr>
+    <a:lvl8pPr marL="3200400" algn="l" defTabSz="914400" rtl="0" eaLnBrk="1" latinLnBrk="0" hangingPunct="1">
+      <a:defRPr sz="1200" kern="1200">
+        <a:solidFill>
+          <a:schemeClr val="tx1"/>
+        </a:solidFill>
+        <a:latin typeface="+mn-lt"/>
+        <a:ea typeface="+mn-ea"/>
+        <a:cs typeface="+mn-cs"/>
+      </a:defRPr>
+    </a:lvl8pPr>
+    <a:lvl9pPr marL="3657600" algn="l" defTabSz="914400" rtl="0" eaLnBrk="1" latinLnBrk="0" hangingPunct="1">
+      <a:defRPr sz="1200" kern="1200">
+        <a:solidFill>
+          <a:schemeClr val="tx1"/>
+        </a:solidFill>
+        <a:latin typeface="+mn-lt"/>
+        <a:ea typeface="+mn-ea"/>
+        <a:cs typeface="+mn-cs"/>
+      </a:defRPr>
+    </a:lvl9pPr>
+  </p:notesStyle>
+</p:notesMaster>
+</file>
+
+<file path=ppt/notesSlides/notesSlide1.xml><?xml version="1.0" encoding="utf-8"?>
+<p:notes xmlns:a="http://schemas.openxmlformats.org/drawingml/2006/main" xmlns:r="http://schemas.openxmlformats.org/officeDocument/2006/relationships" xmlns:p="http://schemas.openxmlformats.org/presentationml/2006/main">
+  <p:cSld>
+    <p:spTree>
+      <p:nvGrpSpPr>
+        <p:cNvPr id="1" name=""/>
+        <p:cNvGrpSpPr/>
+        <p:nvPr/>
+      </p:nvGrpSpPr>
+      <p:grpSpPr>
+        <a:xfrm>
+          <a:off x="0" y="0"/>
+          <a:ext cx="0" cy="0"/>
+          <a:chOff x="0" y="0"/>
+          <a:chExt cx="0" cy="0"/>
+        </a:xfrm>
+      </p:grpSpPr>
+      <p:sp>
+        <p:nvSpPr>
+          <p:cNvPr id="2" name="Slide Image Placeholder 1"/>
+          <p:cNvSpPr>
+            <a:spLocks noGrp="1" noRot="1" noChangeAspect="1"/>
+          </p:cNvSpPr>
+          <p:nvPr>
+            <p:ph type="sldImg"/>
+          </p:nvPr>
+        </p:nvSpPr>
+        <p:spPr/>
+      </p:sp>
+      <p:sp>
+        <p:nvSpPr>
+          <p:cNvPr id="3" name="Notes Placeholder 2"/>
+          <p:cNvSpPr>
+            <a:spLocks noGrp="1"/>
+          </p:cNvSpPr>
+          <p:nvPr>
+            <p:ph type="body" idx="1"/>
+          </p:nvPr>
+        </p:nvSpPr>
+        <p:spPr/>
+        <p:txBody>
+          <a:bodyPr/>
+          <a:lstStyle/>
+          <a:p>
+            <a:r>
+              <a:rPr lang="en-US" dirty="0"/>
+              <a:t>Skim over – point is we have all the wireframes</a:t>
+            </a:r>
+          </a:p>
+        </p:txBody>
+      </p:sp>
+      <p:sp>
+        <p:nvSpPr>
+          <p:cNvPr id="4" name="Slide Number Placeholder 3"/>
+          <p:cNvSpPr>
+            <a:spLocks noGrp="1"/>
+          </p:cNvSpPr>
+          <p:nvPr>
+            <p:ph type="sldNum" sz="quarter" idx="5"/>
+          </p:nvPr>
+        </p:nvSpPr>
+        <p:spPr/>
+        <p:txBody>
+          <a:bodyPr/>
+          <a:lstStyle/>
+          <a:p>
+            <a:fld id="{7519D55E-539C-0D4E-B6D4-50FE10CCD26F}" type="slidenum">
+              <a:rPr lang="en-US" smtClean="0"/>
+              <a:t>3</a:t>
+            </a:fld>
+            <a:endParaRPr lang="en-US"/>
+          </a:p>
+        </p:txBody>
+      </p:sp>
+    </p:spTree>
+    <p:extLst>
+      <p:ext uri="{BB962C8B-B14F-4D97-AF65-F5344CB8AC3E}">
+        <p14:creationId xmlns:p14="http://schemas.microsoft.com/office/powerpoint/2010/main" val="1551042553"/>
+      </p:ext>
+    </p:extLst>
+  </p:cSld>
+  <p:clrMapOvr>
+    <a:masterClrMapping/>
+  </p:clrMapOvr>
+</p:notes>
+</file>
+
+<file path=ppt/notesSlides/notesSlide10.xml><?xml version="1.0" encoding="utf-8"?>
+<p:notes xmlns:a="http://schemas.openxmlformats.org/drawingml/2006/main" xmlns:r="http://schemas.openxmlformats.org/officeDocument/2006/relationships" xmlns:p="http://schemas.openxmlformats.org/presentationml/2006/main">
+  <p:cSld>
+    <p:spTree>
+      <p:nvGrpSpPr>
+        <p:cNvPr id="1" name=""/>
+        <p:cNvGrpSpPr/>
+        <p:nvPr/>
+      </p:nvGrpSpPr>
+      <p:grpSpPr>
+        <a:xfrm>
+          <a:off x="0" y="0"/>
+          <a:ext cx="0" cy="0"/>
+          <a:chOff x="0" y="0"/>
+          <a:chExt cx="0" cy="0"/>
+        </a:xfrm>
+      </p:grpSpPr>
+      <p:sp>
+        <p:nvSpPr>
+          <p:cNvPr id="2" name="Slide Image Placeholder 1"/>
+          <p:cNvSpPr>
+            <a:spLocks noGrp="1" noRot="1" noChangeAspect="1"/>
+          </p:cNvSpPr>
+          <p:nvPr>
+            <p:ph type="sldImg"/>
+          </p:nvPr>
+        </p:nvSpPr>
+        <p:spPr/>
+      </p:sp>
+      <p:sp>
+        <p:nvSpPr>
+          <p:cNvPr id="3" name="Notes Placeholder 2"/>
+          <p:cNvSpPr>
+            <a:spLocks noGrp="1"/>
+          </p:cNvSpPr>
+          <p:nvPr>
+            <p:ph type="body" idx="1"/>
+          </p:nvPr>
+        </p:nvSpPr>
+        <p:spPr/>
+        <p:txBody>
+          <a:bodyPr/>
+          <a:lstStyle/>
+          <a:p>
+            <a:endParaRPr lang="en-US" dirty="0"/>
+          </a:p>
+        </p:txBody>
+      </p:sp>
+      <p:sp>
+        <p:nvSpPr>
+          <p:cNvPr id="4" name="Slide Number Placeholder 3"/>
+          <p:cNvSpPr>
+            <a:spLocks noGrp="1"/>
+          </p:cNvSpPr>
+          <p:nvPr>
+            <p:ph type="sldNum" sz="quarter" idx="5"/>
+          </p:nvPr>
+        </p:nvSpPr>
+        <p:spPr/>
+        <p:txBody>
+          <a:bodyPr/>
+          <a:lstStyle/>
+          <a:p>
+            <a:fld id="{7519D55E-539C-0D4E-B6D4-50FE10CCD26F}" type="slidenum">
+              <a:rPr lang="en-US" smtClean="0"/>
+              <a:t>17</a:t>
+            </a:fld>
+            <a:endParaRPr lang="en-US"/>
+          </a:p>
+        </p:txBody>
+      </p:sp>
+    </p:spTree>
+    <p:extLst>
+      <p:ext uri="{BB962C8B-B14F-4D97-AF65-F5344CB8AC3E}">
+        <p14:creationId xmlns:p14="http://schemas.microsoft.com/office/powerpoint/2010/main" val="2773546165"/>
+      </p:ext>
+    </p:extLst>
+  </p:cSld>
+  <p:clrMapOvr>
+    <a:masterClrMapping/>
+  </p:clrMapOvr>
+</p:notes>
+</file>
+
+<file path=ppt/notesSlides/notesSlide11.xml><?xml version="1.0" encoding="utf-8"?>
+<p:notes xmlns:a="http://schemas.openxmlformats.org/drawingml/2006/main" xmlns:r="http://schemas.openxmlformats.org/officeDocument/2006/relationships" xmlns:p="http://schemas.openxmlformats.org/presentationml/2006/main">
+  <p:cSld>
+    <p:spTree>
+      <p:nvGrpSpPr>
+        <p:cNvPr id="1" name=""/>
+        <p:cNvGrpSpPr/>
+        <p:nvPr/>
+      </p:nvGrpSpPr>
+      <p:grpSpPr>
+        <a:xfrm>
+          <a:off x="0" y="0"/>
+          <a:ext cx="0" cy="0"/>
+          <a:chOff x="0" y="0"/>
+          <a:chExt cx="0" cy="0"/>
+        </a:xfrm>
+      </p:grpSpPr>
+      <p:sp>
+        <p:nvSpPr>
+          <p:cNvPr id="2" name="Slide Image Placeholder 1"/>
+          <p:cNvSpPr>
+            <a:spLocks noGrp="1" noRot="1" noChangeAspect="1"/>
+          </p:cNvSpPr>
+          <p:nvPr>
+            <p:ph type="sldImg"/>
+          </p:nvPr>
+        </p:nvSpPr>
+        <p:spPr/>
+      </p:sp>
+      <p:sp>
+        <p:nvSpPr>
+          <p:cNvPr id="3" name="Notes Placeholder 2"/>
+          <p:cNvSpPr>
+            <a:spLocks noGrp="1"/>
+          </p:cNvSpPr>
+          <p:nvPr>
+            <p:ph type="body" idx="1"/>
+          </p:nvPr>
+        </p:nvSpPr>
+        <p:spPr/>
+        <p:txBody>
+          <a:bodyPr/>
+          <a:lstStyle/>
+          <a:p>
+            <a:r>
+              <a:rPr lang="en-US" dirty="0"/>
+              <a:t>Using </a:t>
+            </a:r>
+            <a:r>
+              <a:rPr lang="en-US" dirty="0" err="1"/>
+              <a:t>trello</a:t>
+            </a:r>
+            <a:r>
+              <a:rPr lang="en-US" dirty="0"/>
+              <a:t>, doing sprints kind of?</a:t>
+            </a:r>
+          </a:p>
+        </p:txBody>
+      </p:sp>
+      <p:sp>
+        <p:nvSpPr>
+          <p:cNvPr id="4" name="Slide Number Placeholder 3"/>
+          <p:cNvSpPr>
+            <a:spLocks noGrp="1"/>
+          </p:cNvSpPr>
+          <p:nvPr>
+            <p:ph type="sldNum" sz="quarter" idx="5"/>
+          </p:nvPr>
+        </p:nvSpPr>
+        <p:spPr/>
+        <p:txBody>
+          <a:bodyPr/>
+          <a:lstStyle/>
+          <a:p>
+            <a:fld id="{7519D55E-539C-0D4E-B6D4-50FE10CCD26F}" type="slidenum">
+              <a:rPr lang="en-US" smtClean="0"/>
+              <a:t>19</a:t>
+            </a:fld>
+            <a:endParaRPr lang="en-US"/>
+          </a:p>
+        </p:txBody>
+      </p:sp>
+    </p:spTree>
+    <p:extLst>
+      <p:ext uri="{BB962C8B-B14F-4D97-AF65-F5344CB8AC3E}">
+        <p14:creationId xmlns:p14="http://schemas.microsoft.com/office/powerpoint/2010/main" val="2951115022"/>
+      </p:ext>
+    </p:extLst>
+  </p:cSld>
+  <p:clrMapOvr>
+    <a:masterClrMapping/>
+  </p:clrMapOvr>
+</p:notes>
+</file>
+
+<file path=ppt/notesSlides/notesSlide2.xml><?xml version="1.0" encoding="utf-8"?>
+<p:notes xmlns:a="http://schemas.openxmlformats.org/drawingml/2006/main" xmlns:r="http://schemas.openxmlformats.org/officeDocument/2006/relationships" xmlns:p="http://schemas.openxmlformats.org/presentationml/2006/main">
+  <p:cSld>
+    <p:spTree>
+      <p:nvGrpSpPr>
+        <p:cNvPr id="1" name=""/>
+        <p:cNvGrpSpPr/>
+        <p:nvPr/>
+      </p:nvGrpSpPr>
+      <p:grpSpPr>
+        <a:xfrm>
+          <a:off x="0" y="0"/>
+          <a:ext cx="0" cy="0"/>
+          <a:chOff x="0" y="0"/>
+          <a:chExt cx="0" cy="0"/>
+        </a:xfrm>
+      </p:grpSpPr>
+      <p:sp>
+        <p:nvSpPr>
+          <p:cNvPr id="2" name="Slide Image Placeholder 1"/>
+          <p:cNvSpPr>
+            <a:spLocks noGrp="1" noRot="1" noChangeAspect="1"/>
+          </p:cNvSpPr>
+          <p:nvPr>
+            <p:ph type="sldImg"/>
+          </p:nvPr>
+        </p:nvSpPr>
+        <p:spPr/>
+      </p:sp>
+      <p:sp>
+        <p:nvSpPr>
+          <p:cNvPr id="3" name="Notes Placeholder 2"/>
+          <p:cNvSpPr>
+            <a:spLocks noGrp="1"/>
+          </p:cNvSpPr>
+          <p:nvPr>
+            <p:ph type="body" idx="1"/>
+          </p:nvPr>
+        </p:nvSpPr>
+        <p:spPr/>
+        <p:txBody>
+          <a:bodyPr/>
+          <a:lstStyle/>
+          <a:p>
+            <a:r>
+              <a:rPr lang="en-US" dirty="0"/>
+              <a:t>Skim over – we have all the wireframes</a:t>
+            </a:r>
+          </a:p>
+        </p:txBody>
+      </p:sp>
+      <p:sp>
+        <p:nvSpPr>
+          <p:cNvPr id="4" name="Slide Number Placeholder 3"/>
+          <p:cNvSpPr>
+            <a:spLocks noGrp="1"/>
+          </p:cNvSpPr>
+          <p:nvPr>
+            <p:ph type="sldNum" sz="quarter" idx="5"/>
+          </p:nvPr>
+        </p:nvSpPr>
+        <p:spPr/>
+        <p:txBody>
+          <a:bodyPr/>
+          <a:lstStyle/>
+          <a:p>
+            <a:fld id="{7519D55E-539C-0D4E-B6D4-50FE10CCD26F}" type="slidenum">
+              <a:rPr lang="en-US" smtClean="0"/>
+              <a:t>4</a:t>
+            </a:fld>
+            <a:endParaRPr lang="en-US"/>
+          </a:p>
+        </p:txBody>
+      </p:sp>
+    </p:spTree>
+    <p:extLst>
+      <p:ext uri="{BB962C8B-B14F-4D97-AF65-F5344CB8AC3E}">
+        <p14:creationId xmlns:p14="http://schemas.microsoft.com/office/powerpoint/2010/main" val="3001851604"/>
+      </p:ext>
+    </p:extLst>
+  </p:cSld>
+  <p:clrMapOvr>
+    <a:masterClrMapping/>
+  </p:clrMapOvr>
+</p:notes>
+</file>
+
+<file path=ppt/notesSlides/notesSlide3.xml><?xml version="1.0" encoding="utf-8"?>
+<p:notes xmlns:a="http://schemas.openxmlformats.org/drawingml/2006/main" xmlns:r="http://schemas.openxmlformats.org/officeDocument/2006/relationships" xmlns:p="http://schemas.openxmlformats.org/presentationml/2006/main">
+  <p:cSld>
+    <p:spTree>
+      <p:nvGrpSpPr>
+        <p:cNvPr id="1" name=""/>
+        <p:cNvGrpSpPr/>
+        <p:nvPr/>
+      </p:nvGrpSpPr>
+      <p:grpSpPr>
+        <a:xfrm>
+          <a:off x="0" y="0"/>
+          <a:ext cx="0" cy="0"/>
+          <a:chOff x="0" y="0"/>
+          <a:chExt cx="0" cy="0"/>
+        </a:xfrm>
+      </p:grpSpPr>
+      <p:sp>
+        <p:nvSpPr>
+          <p:cNvPr id="2" name="Slide Image Placeholder 1"/>
+          <p:cNvSpPr>
+            <a:spLocks noGrp="1" noRot="1" noChangeAspect="1"/>
+          </p:cNvSpPr>
+          <p:nvPr>
+            <p:ph type="sldImg"/>
+          </p:nvPr>
+        </p:nvSpPr>
+        <p:spPr/>
+      </p:sp>
+      <p:sp>
+        <p:nvSpPr>
+          <p:cNvPr id="3" name="Notes Placeholder 2"/>
+          <p:cNvSpPr>
+            <a:spLocks noGrp="1"/>
+          </p:cNvSpPr>
+          <p:nvPr>
+            <p:ph type="body" idx="1"/>
+          </p:nvPr>
+        </p:nvSpPr>
+        <p:spPr/>
+        <p:txBody>
+          <a:bodyPr/>
+          <a:lstStyle/>
+          <a:p>
+            <a:r>
+              <a:rPr lang="en-US" dirty="0"/>
+              <a:t>Skim over – we have all the wireframes</a:t>
+            </a:r>
+          </a:p>
+        </p:txBody>
+      </p:sp>
+      <p:sp>
+        <p:nvSpPr>
+          <p:cNvPr id="4" name="Slide Number Placeholder 3"/>
+          <p:cNvSpPr>
+            <a:spLocks noGrp="1"/>
+          </p:cNvSpPr>
+          <p:nvPr>
+            <p:ph type="sldNum" sz="quarter" idx="5"/>
+          </p:nvPr>
+        </p:nvSpPr>
+        <p:spPr/>
+        <p:txBody>
+          <a:bodyPr/>
+          <a:lstStyle/>
+          <a:p>
+            <a:fld id="{7519D55E-539C-0D4E-B6D4-50FE10CCD26F}" type="slidenum">
+              <a:rPr lang="en-US" smtClean="0"/>
+              <a:t>5</a:t>
+            </a:fld>
+            <a:endParaRPr lang="en-US"/>
+          </a:p>
+        </p:txBody>
+      </p:sp>
+    </p:spTree>
+    <p:extLst>
+      <p:ext uri="{BB962C8B-B14F-4D97-AF65-F5344CB8AC3E}">
+        <p14:creationId xmlns:p14="http://schemas.microsoft.com/office/powerpoint/2010/main" val="905188337"/>
+      </p:ext>
+    </p:extLst>
+  </p:cSld>
+  <p:clrMapOvr>
+    <a:masterClrMapping/>
+  </p:clrMapOvr>
+</p:notes>
+</file>
+
+<file path=ppt/notesSlides/notesSlide4.xml><?xml version="1.0" encoding="utf-8"?>
+<p:notes xmlns:a="http://schemas.openxmlformats.org/drawingml/2006/main" xmlns:r="http://schemas.openxmlformats.org/officeDocument/2006/relationships" xmlns:p="http://schemas.openxmlformats.org/presentationml/2006/main">
+  <p:cSld>
+    <p:spTree>
+      <p:nvGrpSpPr>
+        <p:cNvPr id="1" name=""/>
+        <p:cNvGrpSpPr/>
+        <p:nvPr/>
+      </p:nvGrpSpPr>
+      <p:grpSpPr>
+        <a:xfrm>
+          <a:off x="0" y="0"/>
+          <a:ext cx="0" cy="0"/>
+          <a:chOff x="0" y="0"/>
+          <a:chExt cx="0" cy="0"/>
+        </a:xfrm>
+      </p:grpSpPr>
+      <p:sp>
+        <p:nvSpPr>
+          <p:cNvPr id="2" name="Slide Image Placeholder 1"/>
+          <p:cNvSpPr>
+            <a:spLocks noGrp="1" noRot="1" noChangeAspect="1"/>
+          </p:cNvSpPr>
+          <p:nvPr>
+            <p:ph type="sldImg"/>
+          </p:nvPr>
+        </p:nvSpPr>
+        <p:spPr/>
+      </p:sp>
+      <p:sp>
+        <p:nvSpPr>
+          <p:cNvPr id="3" name="Notes Placeholder 2"/>
+          <p:cNvSpPr>
+            <a:spLocks noGrp="1"/>
+          </p:cNvSpPr>
+          <p:nvPr>
+            <p:ph type="body" idx="1"/>
+          </p:nvPr>
+        </p:nvSpPr>
+        <p:spPr/>
+        <p:txBody>
+          <a:bodyPr/>
+          <a:lstStyle/>
+          <a:p>
+            <a:r>
+              <a:rPr lang="en-US" dirty="0"/>
+              <a:t>Skim over – we have all the wireframes</a:t>
+            </a:r>
+          </a:p>
+        </p:txBody>
+      </p:sp>
+      <p:sp>
+        <p:nvSpPr>
+          <p:cNvPr id="4" name="Slide Number Placeholder 3"/>
+          <p:cNvSpPr>
+            <a:spLocks noGrp="1"/>
+          </p:cNvSpPr>
+          <p:nvPr>
+            <p:ph type="sldNum" sz="quarter" idx="5"/>
+          </p:nvPr>
+        </p:nvSpPr>
+        <p:spPr/>
+        <p:txBody>
+          <a:bodyPr/>
+          <a:lstStyle/>
+          <a:p>
+            <a:fld id="{7519D55E-539C-0D4E-B6D4-50FE10CCD26F}" type="slidenum">
+              <a:rPr lang="en-US" smtClean="0"/>
+              <a:t>6</a:t>
+            </a:fld>
+            <a:endParaRPr lang="en-US"/>
+          </a:p>
+        </p:txBody>
+      </p:sp>
+    </p:spTree>
+    <p:extLst>
+      <p:ext uri="{BB962C8B-B14F-4D97-AF65-F5344CB8AC3E}">
+        <p14:creationId xmlns:p14="http://schemas.microsoft.com/office/powerpoint/2010/main" val="2313777800"/>
+      </p:ext>
+    </p:extLst>
+  </p:cSld>
+  <p:clrMapOvr>
+    <a:masterClrMapping/>
+  </p:clrMapOvr>
+</p:notes>
+</file>
+
+<file path=ppt/notesSlides/notesSlide5.xml><?xml version="1.0" encoding="utf-8"?>
+<p:notes xmlns:a="http://schemas.openxmlformats.org/drawingml/2006/main" xmlns:r="http://schemas.openxmlformats.org/officeDocument/2006/relationships" xmlns:p="http://schemas.openxmlformats.org/presentationml/2006/main">
+  <p:cSld>
+    <p:spTree>
+      <p:nvGrpSpPr>
+        <p:cNvPr id="1" name=""/>
+        <p:cNvGrpSpPr/>
+        <p:nvPr/>
+      </p:nvGrpSpPr>
+      <p:grpSpPr>
+        <a:xfrm>
+          <a:off x="0" y="0"/>
+          <a:ext cx="0" cy="0"/>
+          <a:chOff x="0" y="0"/>
+          <a:chExt cx="0" cy="0"/>
+        </a:xfrm>
+      </p:grpSpPr>
+      <p:sp>
+        <p:nvSpPr>
+          <p:cNvPr id="2" name="Slide Image Placeholder 1"/>
+          <p:cNvSpPr>
+            <a:spLocks noGrp="1" noRot="1" noChangeAspect="1"/>
+          </p:cNvSpPr>
+          <p:nvPr>
+            <p:ph type="sldImg"/>
+          </p:nvPr>
+        </p:nvSpPr>
+        <p:spPr/>
+      </p:sp>
+      <p:sp>
+        <p:nvSpPr>
+          <p:cNvPr id="3" name="Notes Placeholder 2"/>
+          <p:cNvSpPr>
+            <a:spLocks noGrp="1"/>
+          </p:cNvSpPr>
+          <p:nvPr>
+            <p:ph type="body" idx="1"/>
+          </p:nvPr>
+        </p:nvSpPr>
+        <p:spPr/>
+        <p:txBody>
+          <a:bodyPr/>
+          <a:lstStyle/>
+          <a:p>
+            <a:r>
+              <a:rPr lang="en-US" dirty="0"/>
+              <a:t>Hooray they come to life with prototypes!</a:t>
+            </a:r>
+          </a:p>
+        </p:txBody>
+      </p:sp>
+      <p:sp>
+        <p:nvSpPr>
+          <p:cNvPr id="4" name="Slide Number Placeholder 3"/>
+          <p:cNvSpPr>
+            <a:spLocks noGrp="1"/>
+          </p:cNvSpPr>
+          <p:nvPr>
+            <p:ph type="sldNum" sz="quarter" idx="5"/>
+          </p:nvPr>
+        </p:nvSpPr>
+        <p:spPr/>
+        <p:txBody>
+          <a:bodyPr/>
+          <a:lstStyle/>
+          <a:p>
+            <a:fld id="{7519D55E-539C-0D4E-B6D4-50FE10CCD26F}" type="slidenum">
+              <a:rPr lang="en-US" smtClean="0"/>
+              <a:t>7</a:t>
+            </a:fld>
+            <a:endParaRPr lang="en-US"/>
+          </a:p>
+        </p:txBody>
+      </p:sp>
+    </p:spTree>
+    <p:extLst>
+      <p:ext uri="{BB962C8B-B14F-4D97-AF65-F5344CB8AC3E}">
+        <p14:creationId xmlns:p14="http://schemas.microsoft.com/office/powerpoint/2010/main" val="910030866"/>
+      </p:ext>
+    </p:extLst>
+  </p:cSld>
+  <p:clrMapOvr>
+    <a:masterClrMapping/>
+  </p:clrMapOvr>
+</p:notes>
+</file>
+
+<file path=ppt/notesSlides/notesSlide6.xml><?xml version="1.0" encoding="utf-8"?>
+<p:notes xmlns:a="http://schemas.openxmlformats.org/drawingml/2006/main" xmlns:r="http://schemas.openxmlformats.org/officeDocument/2006/relationships" xmlns:p="http://schemas.openxmlformats.org/presentationml/2006/main">
+  <p:cSld>
+    <p:spTree>
+      <p:nvGrpSpPr>
+        <p:cNvPr id="1" name=""/>
+        <p:cNvGrpSpPr/>
+        <p:nvPr/>
+      </p:nvGrpSpPr>
+      <p:grpSpPr>
+        <a:xfrm>
+          <a:off x="0" y="0"/>
+          <a:ext cx="0" cy="0"/>
+          <a:chOff x="0" y="0"/>
+          <a:chExt cx="0" cy="0"/>
+        </a:xfrm>
+      </p:grpSpPr>
+      <p:sp>
+        <p:nvSpPr>
+          <p:cNvPr id="2" name="Slide Image Placeholder 1"/>
+          <p:cNvSpPr>
+            <a:spLocks noGrp="1" noRot="1" noChangeAspect="1"/>
+          </p:cNvSpPr>
+          <p:nvPr>
+            <p:ph type="sldImg"/>
+          </p:nvPr>
+        </p:nvSpPr>
+        <p:spPr/>
+      </p:sp>
+      <p:sp>
+        <p:nvSpPr>
+          <p:cNvPr id="3" name="Notes Placeholder 2"/>
+          <p:cNvSpPr>
+            <a:spLocks noGrp="1"/>
+          </p:cNvSpPr>
+          <p:nvPr>
+            <p:ph type="body" idx="1"/>
+          </p:nvPr>
+        </p:nvSpPr>
+        <p:spPr/>
+        <p:txBody>
+          <a:bodyPr/>
+          <a:lstStyle/>
+          <a:p>
+            <a:r>
+              <a:rPr lang="en-US" dirty="0"/>
+              <a:t>Skim over – point is we have all the wireframes</a:t>
+            </a:r>
+          </a:p>
+        </p:txBody>
+      </p:sp>
+      <p:sp>
+        <p:nvSpPr>
+          <p:cNvPr id="4" name="Slide Number Placeholder 3"/>
+          <p:cNvSpPr>
+            <a:spLocks noGrp="1"/>
+          </p:cNvSpPr>
+          <p:nvPr>
+            <p:ph type="sldNum" sz="quarter" idx="5"/>
+          </p:nvPr>
+        </p:nvSpPr>
+        <p:spPr/>
+        <p:txBody>
+          <a:bodyPr/>
+          <a:lstStyle/>
+          <a:p>
+            <a:fld id="{7519D55E-539C-0D4E-B6D4-50FE10CCD26F}" type="slidenum">
+              <a:rPr lang="en-US" smtClean="0"/>
+              <a:t>8</a:t>
+            </a:fld>
+            <a:endParaRPr lang="en-US"/>
+          </a:p>
+        </p:txBody>
+      </p:sp>
+    </p:spTree>
+    <p:extLst>
+      <p:ext uri="{BB962C8B-B14F-4D97-AF65-F5344CB8AC3E}">
+        <p14:creationId xmlns:p14="http://schemas.microsoft.com/office/powerpoint/2010/main" val="3770192004"/>
+      </p:ext>
+    </p:extLst>
+  </p:cSld>
+  <p:clrMapOvr>
+    <a:masterClrMapping/>
+  </p:clrMapOvr>
+</p:notes>
+</file>
+
+<file path=ppt/notesSlides/notesSlide7.xml><?xml version="1.0" encoding="utf-8"?>
+<p:notes xmlns:a="http://schemas.openxmlformats.org/drawingml/2006/main" xmlns:r="http://schemas.openxmlformats.org/officeDocument/2006/relationships" xmlns:p="http://schemas.openxmlformats.org/presentationml/2006/main">
+  <p:cSld>
+    <p:spTree>
+      <p:nvGrpSpPr>
+        <p:cNvPr id="1" name=""/>
+        <p:cNvGrpSpPr/>
+        <p:nvPr/>
+      </p:nvGrpSpPr>
+      <p:grpSpPr>
+        <a:xfrm>
+          <a:off x="0" y="0"/>
+          <a:ext cx="0" cy="0"/>
+          <a:chOff x="0" y="0"/>
+          <a:chExt cx="0" cy="0"/>
+        </a:xfrm>
+      </p:grpSpPr>
+      <p:sp>
+        <p:nvSpPr>
+          <p:cNvPr id="2" name="Slide Image Placeholder 1"/>
+          <p:cNvSpPr>
+            <a:spLocks noGrp="1" noRot="1" noChangeAspect="1"/>
+          </p:cNvSpPr>
+          <p:nvPr>
+            <p:ph type="sldImg"/>
+          </p:nvPr>
+        </p:nvSpPr>
+        <p:spPr/>
+      </p:sp>
+      <p:sp>
+        <p:nvSpPr>
+          <p:cNvPr id="3" name="Notes Placeholder 2"/>
+          <p:cNvSpPr>
+            <a:spLocks noGrp="1"/>
+          </p:cNvSpPr>
+          <p:nvPr>
+            <p:ph type="body" idx="1"/>
+          </p:nvPr>
+        </p:nvSpPr>
+        <p:spPr/>
+        <p:txBody>
+          <a:bodyPr/>
+          <a:lstStyle/>
+          <a:p>
+            <a:r>
+              <a:rPr lang="en-US" dirty="0"/>
+              <a:t>Just read the headings, “we thought about people’s…”</a:t>
+            </a:r>
+          </a:p>
+        </p:txBody>
+      </p:sp>
+      <p:sp>
+        <p:nvSpPr>
+          <p:cNvPr id="4" name="Slide Number Placeholder 3"/>
+          <p:cNvSpPr>
+            <a:spLocks noGrp="1"/>
+          </p:cNvSpPr>
+          <p:nvPr>
+            <p:ph type="sldNum" sz="quarter" idx="5"/>
+          </p:nvPr>
+        </p:nvSpPr>
+        <p:spPr/>
+        <p:txBody>
+          <a:bodyPr/>
+          <a:lstStyle/>
+          <a:p>
+            <a:fld id="{7519D55E-539C-0D4E-B6D4-50FE10CCD26F}" type="slidenum">
+              <a:rPr lang="en-US" smtClean="0"/>
+              <a:t>9</a:t>
+            </a:fld>
+            <a:endParaRPr lang="en-US"/>
+          </a:p>
+        </p:txBody>
+      </p:sp>
+    </p:spTree>
+    <p:extLst>
+      <p:ext uri="{BB962C8B-B14F-4D97-AF65-F5344CB8AC3E}">
+        <p14:creationId xmlns:p14="http://schemas.microsoft.com/office/powerpoint/2010/main" val="127900591"/>
+      </p:ext>
+    </p:extLst>
+  </p:cSld>
+  <p:clrMapOvr>
+    <a:masterClrMapping/>
+  </p:clrMapOvr>
+</p:notes>
+</file>
+
+<file path=ppt/notesSlides/notesSlide8.xml><?xml version="1.0" encoding="utf-8"?>
+<p:notes xmlns:a="http://schemas.openxmlformats.org/drawingml/2006/main" xmlns:r="http://schemas.openxmlformats.org/officeDocument/2006/relationships" xmlns:p="http://schemas.openxmlformats.org/presentationml/2006/main">
+  <p:cSld>
+    <p:spTree>
+      <p:nvGrpSpPr>
+        <p:cNvPr id="1" name=""/>
+        <p:cNvGrpSpPr/>
+        <p:nvPr/>
+      </p:nvGrpSpPr>
+      <p:grpSpPr>
+        <a:xfrm>
+          <a:off x="0" y="0"/>
+          <a:ext cx="0" cy="0"/>
+          <a:chOff x="0" y="0"/>
+          <a:chExt cx="0" cy="0"/>
+        </a:xfrm>
+      </p:grpSpPr>
+      <p:sp>
+        <p:nvSpPr>
+          <p:cNvPr id="2" name="Slide Image Placeholder 1"/>
+          <p:cNvSpPr>
+            <a:spLocks noGrp="1" noRot="1" noChangeAspect="1"/>
+          </p:cNvSpPr>
+          <p:nvPr>
+            <p:ph type="sldImg"/>
+          </p:nvPr>
+        </p:nvSpPr>
+        <p:spPr/>
+      </p:sp>
+      <p:sp>
+        <p:nvSpPr>
+          <p:cNvPr id="3" name="Notes Placeholder 2"/>
+          <p:cNvSpPr>
+            <a:spLocks noGrp="1"/>
+          </p:cNvSpPr>
+          <p:nvPr>
+            <p:ph type="body" idx="1"/>
+          </p:nvPr>
+        </p:nvSpPr>
+        <p:spPr/>
+        <p:txBody>
+          <a:bodyPr/>
+          <a:lstStyle/>
+          <a:p>
+            <a:r>
+              <a:rPr lang="en-US" dirty="0"/>
+              <a:t>We have 4 user personas.</a:t>
+            </a:r>
+          </a:p>
+        </p:txBody>
+      </p:sp>
+      <p:sp>
+        <p:nvSpPr>
+          <p:cNvPr id="4" name="Slide Number Placeholder 3"/>
+          <p:cNvSpPr>
+            <a:spLocks noGrp="1"/>
+          </p:cNvSpPr>
+          <p:nvPr>
+            <p:ph type="sldNum" sz="quarter" idx="5"/>
+          </p:nvPr>
+        </p:nvSpPr>
+        <p:spPr/>
+        <p:txBody>
+          <a:bodyPr/>
+          <a:lstStyle/>
+          <a:p>
+            <a:fld id="{7519D55E-539C-0D4E-B6D4-50FE10CCD26F}" type="slidenum">
+              <a:rPr lang="en-US" smtClean="0"/>
+              <a:t>13</a:t>
+            </a:fld>
+            <a:endParaRPr lang="en-US"/>
+          </a:p>
+        </p:txBody>
+      </p:sp>
+    </p:spTree>
+    <p:extLst>
+      <p:ext uri="{BB962C8B-B14F-4D97-AF65-F5344CB8AC3E}">
+        <p14:creationId xmlns:p14="http://schemas.microsoft.com/office/powerpoint/2010/main" val="1064498166"/>
+      </p:ext>
+    </p:extLst>
+  </p:cSld>
+  <p:clrMapOvr>
+    <a:masterClrMapping/>
+  </p:clrMapOvr>
+</p:notes>
+</file>
+
+<file path=ppt/notesSlides/notesSlide9.xml><?xml version="1.0" encoding="utf-8"?>
+<p:notes xmlns:a="http://schemas.openxmlformats.org/drawingml/2006/main" xmlns:r="http://schemas.openxmlformats.org/officeDocument/2006/relationships" xmlns:p="http://schemas.openxmlformats.org/presentationml/2006/main">
+  <p:cSld>
+    <p:spTree>
+      <p:nvGrpSpPr>
+        <p:cNvPr id="1" name=""/>
+        <p:cNvGrpSpPr/>
+        <p:nvPr/>
+      </p:nvGrpSpPr>
+      <p:grpSpPr>
+        <a:xfrm>
+          <a:off x="0" y="0"/>
+          <a:ext cx="0" cy="0"/>
+          <a:chOff x="0" y="0"/>
+          <a:chExt cx="0" cy="0"/>
+        </a:xfrm>
+      </p:grpSpPr>
+      <p:sp>
+        <p:nvSpPr>
+          <p:cNvPr id="2" name="Slide Image Placeholder 1"/>
+          <p:cNvSpPr>
+            <a:spLocks noGrp="1" noRot="1" noChangeAspect="1"/>
+          </p:cNvSpPr>
+          <p:nvPr>
+            <p:ph type="sldImg"/>
+          </p:nvPr>
+        </p:nvSpPr>
+        <p:spPr/>
+      </p:sp>
+      <p:sp>
+        <p:nvSpPr>
+          <p:cNvPr id="3" name="Notes Placeholder 2"/>
+          <p:cNvSpPr>
+            <a:spLocks noGrp="1"/>
+          </p:cNvSpPr>
+          <p:nvPr>
+            <p:ph type="body" idx="1"/>
+          </p:nvPr>
+        </p:nvSpPr>
+        <p:spPr/>
+        <p:txBody>
+          <a:bodyPr/>
+          <a:lstStyle/>
+          <a:p>
+            <a:r>
+              <a:rPr lang="en-US" dirty="0"/>
+              <a:t>Skim over – basically user needs to be logged in, user info and ingredients/preferences saved in DB, recipes come from API searching with DB info. They can click on the link if they want to see more.</a:t>
+            </a:r>
+          </a:p>
+        </p:txBody>
+      </p:sp>
+      <p:sp>
+        <p:nvSpPr>
+          <p:cNvPr id="4" name="Slide Number Placeholder 3"/>
+          <p:cNvSpPr>
+            <a:spLocks noGrp="1"/>
+          </p:cNvSpPr>
+          <p:nvPr>
+            <p:ph type="sldNum" sz="quarter" idx="5"/>
+          </p:nvPr>
+        </p:nvSpPr>
+        <p:spPr/>
+        <p:txBody>
+          <a:bodyPr/>
+          <a:lstStyle/>
+          <a:p>
+            <a:fld id="{7519D55E-539C-0D4E-B6D4-50FE10CCD26F}" type="slidenum">
+              <a:rPr lang="en-US" smtClean="0"/>
+              <a:t>15</a:t>
+            </a:fld>
+            <a:endParaRPr lang="en-US"/>
+          </a:p>
+        </p:txBody>
+      </p:sp>
+    </p:spTree>
+    <p:extLst>
+      <p:ext uri="{BB962C8B-B14F-4D97-AF65-F5344CB8AC3E}">
+        <p14:creationId xmlns:p14="http://schemas.microsoft.com/office/powerpoint/2010/main" val="3340630823"/>
+      </p:ext>
+    </p:extLst>
+  </p:cSld>
+  <p:clrMapOvr>
+    <a:masterClrMapping/>
+  </p:clrMapOvr>
+</p:notes>
 </file>
 
 <file path=ppt/slideLayouts/slideLayout1.xml><?xml version="1.0" encoding="utf-8"?>
@@ -3466,8 +4784,8 @@
         </p:nvSpPr>
         <p:spPr>
           <a:xfrm>
-            <a:off x="2736125" y="361949"/>
-            <a:ext cx="3207476" cy="1128169"/>
+            <a:off x="2736124" y="361949"/>
+            <a:ext cx="5749508" cy="1128169"/>
           </a:xfrm>
         </p:spPr>
         <p:txBody>
@@ -3484,60 +4802,125 @@
                 <a:latin typeface="Paytone One" pitchFamily="2" charset="77"/>
                 <a:cs typeface="Damascus" pitchFamily="2" charset="-78"/>
               </a:rPr>
-              <a:t>How:</a:t>
-            </a:r>
-          </a:p>
-        </p:txBody>
-      </p:sp>
-      <p:pic>
-        <p:nvPicPr>
-          <p:cNvPr id="1026" name="Picture 2" descr="DFD.jpeg">
-            <a:extLst>
-              <a:ext uri="{FF2B5EF4-FFF2-40B4-BE49-F238E27FC236}">
-                <a16:creationId xmlns:a16="http://schemas.microsoft.com/office/drawing/2014/main" id="{9F895EA3-02ED-BE4B-9826-D41AAD20A057}"/>
-              </a:ext>
-            </a:extLst>
-          </p:cNvPr>
-          <p:cNvPicPr>
-            <a:picLocks noChangeAspect="1" noChangeArrowheads="1"/>
-          </p:cNvPicPr>
+              <a:t>MVP Features:</a:t>
+            </a:r>
+          </a:p>
+        </p:txBody>
+      </p:sp>
+      <p:sp>
+        <p:nvSpPr>
+          <p:cNvPr id="5" name="TextBox 4">
+            <a:extLst>
+              <a:ext uri="{FF2B5EF4-FFF2-40B4-BE49-F238E27FC236}">
+                <a16:creationId xmlns:a16="http://schemas.microsoft.com/office/drawing/2014/main" id="{D0B0D982-FAAC-E14C-A473-619D32B4B171}"/>
+              </a:ext>
+            </a:extLst>
+          </p:cNvPr>
+          <p:cNvSpPr txBox="1"/>
           <p:nvPr/>
-        </p:nvPicPr>
-        <p:blipFill rotWithShape="1">
-          <a:blip r:embed="rId3">
-            <a:extLst>
-              <a:ext uri="{28A0092B-C50C-407E-A947-70E740481C1C}">
-                <a14:useLocalDpi xmlns:a14="http://schemas.microsoft.com/office/drawing/2010/main" val="0"/>
-              </a:ext>
-            </a:extLst>
-          </a:blip>
-          <a:srcRect l="1310" r="6102" b="73100"/>
-          <a:stretch/>
-        </p:blipFill>
-        <p:spPr bwMode="auto">
+        </p:nvSpPr>
+        <p:spPr>
           <a:xfrm>
-            <a:off x="2736125" y="1769517"/>
-            <a:ext cx="9443175" cy="3957393"/>
+            <a:off x="4552950" y="1905000"/>
+            <a:ext cx="7187946" cy="4401205"/>
           </a:xfrm>
           <a:prstGeom prst="rect">
             <a:avLst/>
           </a:prstGeom>
           <a:noFill/>
-          <a:extLst>
-            <a:ext uri="{909E8E84-426E-40DD-AFC4-6F175D3DCCD1}">
-              <a14:hiddenFill xmlns:a14="http://schemas.microsoft.com/office/drawing/2010/main">
-                <a:solidFill>
-                  <a:srgbClr val="FFFFFF"/>
-                </a:solidFill>
-              </a14:hiddenFill>
-            </a:ext>
-          </a:extLst>
         </p:spPr>
-      </p:pic>
+        <p:txBody>
+          <a:bodyPr wrap="square" rtlCol="0">
+            <a:spAutoFit/>
+          </a:bodyPr>
+          <a:lstStyle/>
+          <a:p>
+            <a:pPr marL="571500" indent="-571500">
+              <a:buFontTx/>
+              <a:buChar char="-"/>
+            </a:pPr>
+            <a:r>
+              <a:rPr lang="en-US" sz="4000" dirty="0">
+                <a:latin typeface="Lato Black" panose="020F0A02020204030203" pitchFamily="34" charset="77"/>
+              </a:rPr>
+              <a:t>Authentication.</a:t>
+            </a:r>
+          </a:p>
+          <a:p>
+            <a:pPr marL="571500" indent="-571500">
+              <a:buFontTx/>
+              <a:buChar char="-"/>
+            </a:pPr>
+            <a:r>
+              <a:rPr lang="en-US" sz="4000" dirty="0">
+                <a:latin typeface="Lato Black" panose="020F0A02020204030203" pitchFamily="34" charset="77"/>
+              </a:rPr>
+              <a:t>User accounts.</a:t>
+            </a:r>
+          </a:p>
+          <a:p>
+            <a:pPr marL="571500" indent="-571500">
+              <a:buFontTx/>
+              <a:buChar char="-"/>
+            </a:pPr>
+            <a:r>
+              <a:rPr lang="en-US" sz="4000" dirty="0">
+                <a:latin typeface="Lato Black" panose="020F0A02020204030203" pitchFamily="34" charset="77"/>
+              </a:rPr>
+              <a:t>User preferences.</a:t>
+            </a:r>
+          </a:p>
+          <a:p>
+            <a:pPr marL="571500" indent="-571500">
+              <a:buFontTx/>
+              <a:buChar char="-"/>
+            </a:pPr>
+            <a:r>
+              <a:rPr lang="en-US" sz="4000" dirty="0">
+                <a:latin typeface="Lato Black" panose="020F0A02020204030203" pitchFamily="34" charset="77"/>
+              </a:rPr>
+              <a:t>Fridge/pantry ingredients.</a:t>
+            </a:r>
+          </a:p>
+          <a:p>
+            <a:pPr marL="571500" indent="-571500">
+              <a:buFontTx/>
+              <a:buChar char="-"/>
+            </a:pPr>
+            <a:r>
+              <a:rPr lang="en-US" sz="4000" dirty="0">
+                <a:latin typeface="Lato Black" panose="020F0A02020204030203" pitchFamily="34" charset="77"/>
+              </a:rPr>
+              <a:t>Recipe search.</a:t>
+            </a:r>
+          </a:p>
+          <a:p>
+            <a:pPr marL="571500" indent="-571500">
+              <a:buFontTx/>
+              <a:buChar char="-"/>
+            </a:pPr>
+            <a:r>
+              <a:rPr lang="en-US" sz="4000" dirty="0">
+                <a:latin typeface="Lato Black" panose="020F0A02020204030203" pitchFamily="34" charset="77"/>
+              </a:rPr>
+              <a:t>Save recipes.</a:t>
+            </a:r>
+          </a:p>
+          <a:p>
+            <a:pPr marL="571500" indent="-571500">
+              <a:buFontTx/>
+              <a:buChar char="-"/>
+            </a:pPr>
+            <a:endParaRPr lang="en-US" sz="4000" dirty="0">
+              <a:latin typeface="Lato Black" panose="020F0A02020204030203" pitchFamily="34" charset="77"/>
+            </a:endParaRPr>
+          </a:p>
+        </p:txBody>
+      </p:sp>
     </p:spTree>
     <p:extLst>
       <p:ext uri="{BB962C8B-B14F-4D97-AF65-F5344CB8AC3E}">
-        <p14:creationId xmlns:p14="http://schemas.microsoft.com/office/powerpoint/2010/main" val="3432511959"/>
+        <p14:creationId xmlns:p14="http://schemas.microsoft.com/office/powerpoint/2010/main" val="1660904669"/>
       </p:ext>
     </p:extLst>
   </p:cSld>
@@ -3597,13 +4980,13 @@
         </p:nvSpPr>
         <p:spPr>
           <a:xfrm>
-            <a:off x="2736125" y="361949"/>
-            <a:ext cx="3207476" cy="1128169"/>
+            <a:off x="2736124" y="361949"/>
+            <a:ext cx="5749508" cy="1128169"/>
           </a:xfrm>
         </p:spPr>
         <p:txBody>
           <a:bodyPr>
-            <a:normAutofit/>
+            <a:normAutofit fontScale="90000"/>
           </a:bodyPr>
           <a:lstStyle/>
           <a:p>
@@ -3615,105 +4998,134 @@
                 <a:latin typeface="Paytone One" pitchFamily="2" charset="77"/>
                 <a:cs typeface="Damascus" pitchFamily="2" charset="-78"/>
               </a:rPr>
-              <a:t>How:</a:t>
-            </a:r>
-          </a:p>
-        </p:txBody>
-      </p:sp>
-      <p:pic>
-        <p:nvPicPr>
-          <p:cNvPr id="1026" name="Picture 2" descr="DFD.jpeg">
-            <a:extLst>
-              <a:ext uri="{FF2B5EF4-FFF2-40B4-BE49-F238E27FC236}">
-                <a16:creationId xmlns:a16="http://schemas.microsoft.com/office/drawing/2014/main" id="{9F895EA3-02ED-BE4B-9826-D41AAD20A057}"/>
-              </a:ext>
-            </a:extLst>
-          </p:cNvPr>
-          <p:cNvPicPr>
-            <a:picLocks noChangeAspect="1" noChangeArrowheads="1"/>
-          </p:cNvPicPr>
+              <a:t>Extra Features:</a:t>
+            </a:r>
+          </a:p>
+        </p:txBody>
+      </p:sp>
+      <p:sp>
+        <p:nvSpPr>
+          <p:cNvPr id="5" name="TextBox 4">
+            <a:extLst>
+              <a:ext uri="{FF2B5EF4-FFF2-40B4-BE49-F238E27FC236}">
+                <a16:creationId xmlns:a16="http://schemas.microsoft.com/office/drawing/2014/main" id="{D0B0D982-FAAC-E14C-A473-619D32B4B171}"/>
+              </a:ext>
+            </a:extLst>
+          </p:cNvPr>
+          <p:cNvSpPr txBox="1"/>
           <p:nvPr/>
-        </p:nvPicPr>
-        <p:blipFill rotWithShape="1">
-          <a:blip r:embed="rId3">
-            <a:extLst>
-              <a:ext uri="{28A0092B-C50C-407E-A947-70E740481C1C}">
-                <a14:useLocalDpi xmlns:a14="http://schemas.microsoft.com/office/drawing/2010/main" val="0"/>
-              </a:ext>
-            </a:extLst>
-          </a:blip>
-          <a:srcRect t="26296" b="33704"/>
-          <a:stretch/>
-        </p:blipFill>
-        <p:spPr bwMode="auto">
+        </p:nvSpPr>
+        <p:spPr>
           <a:xfrm>
-            <a:off x="2890837" y="1491587"/>
-            <a:ext cx="9301163" cy="5366413"/>
+            <a:off x="4552950" y="1905000"/>
+            <a:ext cx="7187946" cy="4401205"/>
           </a:xfrm>
           <a:prstGeom prst="rect">
             <a:avLst/>
           </a:prstGeom>
           <a:noFill/>
-          <a:extLst>
-            <a:ext uri="{909E8E84-426E-40DD-AFC4-6F175D3DCCD1}">
-              <a14:hiddenFill xmlns:a14="http://schemas.microsoft.com/office/drawing/2010/main">
-                <a:solidFill>
-                  <a:srgbClr val="FFFFFF"/>
-                </a:solidFill>
-              </a14:hiddenFill>
-            </a:ext>
-          </a:extLst>
         </p:spPr>
-      </p:pic>
-      <p:sp>
-        <p:nvSpPr>
-          <p:cNvPr id="4" name="Rectangle 3">
-            <a:extLst>
-              <a:ext uri="{FF2B5EF4-FFF2-40B4-BE49-F238E27FC236}">
-                <a16:creationId xmlns:a16="http://schemas.microsoft.com/office/drawing/2014/main" id="{7B93461A-1E9D-C247-BECF-F59BA4D298C1}"/>
-              </a:ext>
-            </a:extLst>
-          </p:cNvPr>
-          <p:cNvSpPr/>
-          <p:nvPr/>
-        </p:nvSpPr>
-        <p:spPr>
-          <a:xfrm>
-            <a:off x="2890837" y="6488668"/>
-            <a:ext cx="2245895" cy="369332"/>
-          </a:xfrm>
-          <a:prstGeom prst="rect">
-            <a:avLst/>
-          </a:prstGeom>
-        </p:spPr>
-        <p:txBody>
-          <a:bodyPr wrap="square">
+        <p:txBody>
+          <a:bodyPr wrap="square" rtlCol="0">
             <a:spAutoFit/>
           </a:bodyPr>
           <a:lstStyle/>
           <a:p>
-            <a:r>
-              <a:rPr lang="en-AU" b="1" dirty="0" err="1">
+            <a:pPr marL="571500" indent="-571500">
+              <a:buFontTx/>
+              <a:buChar char="-"/>
+            </a:pPr>
+            <a:r>
+              <a:rPr lang="en-US" sz="4000" dirty="0">
                 <a:latin typeface="Lato Black" panose="020F0A02020204030203" pitchFamily="34" charset="77"/>
               </a:rPr>
-              <a:t>Cont</a:t>
-            </a:r>
-            <a:r>
-              <a:rPr lang="en-AU" b="1" dirty="0">
+              <a:t>Search history.</a:t>
+            </a:r>
+          </a:p>
+          <a:p>
+            <a:pPr marL="571500" indent="-571500">
+              <a:buFontTx/>
+              <a:buChar char="-"/>
+            </a:pPr>
+            <a:r>
+              <a:rPr lang="en-US" sz="4000" dirty="0" err="1">
                 <a:latin typeface="Lato Black" panose="020F0A02020204030203" pitchFamily="34" charset="77"/>
               </a:rPr>
-              <a:t>…</a:t>
-            </a:r>
-            <a:endParaRPr lang="en-AU" dirty="0">
-              <a:latin typeface="Lato Black" panose="020F0A02020204030203" pitchFamily="34" charset="77"/>
-            </a:endParaRPr>
+              <a:t>Oauth</a:t>
+            </a:r>
+            <a:r>
+              <a:rPr lang="en-US" sz="4000" dirty="0">
+                <a:latin typeface="Lato Black" panose="020F0A02020204030203" pitchFamily="34" charset="77"/>
+              </a:rPr>
+              <a:t>.</a:t>
+            </a:r>
+          </a:p>
+          <a:p>
+            <a:pPr marL="571500" indent="-571500">
+              <a:buFontTx/>
+              <a:buChar char="-"/>
+            </a:pPr>
+            <a:r>
+              <a:rPr lang="en-US" sz="4000" dirty="0">
+                <a:latin typeface="Lato Black" panose="020F0A02020204030203" pitchFamily="34" charset="77"/>
+              </a:rPr>
+              <a:t>Recipe of the week.</a:t>
+            </a:r>
+          </a:p>
+          <a:p>
+            <a:pPr marL="571500" indent="-571500">
+              <a:buFontTx/>
+              <a:buChar char="-"/>
+            </a:pPr>
+            <a:r>
+              <a:rPr lang="en-US" sz="4000" dirty="0">
+                <a:latin typeface="Lato Black" panose="020F0A02020204030203" pitchFamily="34" charset="77"/>
+              </a:rPr>
+              <a:t>Collections.</a:t>
+            </a:r>
+          </a:p>
+          <a:p>
+            <a:pPr marL="571500" indent="-571500">
+              <a:buFontTx/>
+              <a:buChar char="-"/>
+            </a:pPr>
+            <a:r>
+              <a:rPr lang="en-US" sz="4000" dirty="0">
+                <a:latin typeface="Lato Black" panose="020F0A02020204030203" pitchFamily="34" charset="77"/>
+              </a:rPr>
+              <a:t>Meal time filter.</a:t>
+            </a:r>
+          </a:p>
+          <a:p>
+            <a:pPr marL="571500" indent="-571500">
+              <a:buFontTx/>
+              <a:buChar char="-"/>
+            </a:pPr>
+            <a:r>
+              <a:rPr lang="en-US" sz="4000" dirty="0">
+                <a:latin typeface="Lato Black" panose="020F0A02020204030203" pitchFamily="34" charset="77"/>
+              </a:rPr>
+              <a:t>Rate and review.</a:t>
+            </a:r>
+          </a:p>
+          <a:p>
+            <a:pPr marL="571500" indent="-571500">
+              <a:buFontTx/>
+              <a:buChar char="-"/>
+            </a:pPr>
+            <a:r>
+              <a:rPr lang="en-US" sz="4000" dirty="0">
+                <a:latin typeface="Lato Black" panose="020F0A02020204030203" pitchFamily="34" charset="77"/>
+              </a:rPr>
+              <a:t>Profiles.</a:t>
+            </a:r>
           </a:p>
         </p:txBody>
       </p:sp>
     </p:spTree>
     <p:extLst>
       <p:ext uri="{BB962C8B-B14F-4D97-AF65-F5344CB8AC3E}">
-        <p14:creationId xmlns:p14="http://schemas.microsoft.com/office/powerpoint/2010/main" val="1704480090"/>
+        <p14:creationId xmlns:p14="http://schemas.microsoft.com/office/powerpoint/2010/main" val="2246323282"/>
       </p:ext>
     </p:extLst>
   </p:cSld>
@@ -3773,8 +5185,8 @@
         </p:nvSpPr>
         <p:spPr>
           <a:xfrm>
-            <a:off x="2736125" y="361949"/>
-            <a:ext cx="3207476" cy="1128169"/>
+            <a:off x="2736124" y="361949"/>
+            <a:ext cx="5749508" cy="1128169"/>
           </a:xfrm>
         </p:spPr>
         <p:txBody>
@@ -3791,105 +5203,80 @@
                 <a:latin typeface="Paytone One" pitchFamily="2" charset="77"/>
                 <a:cs typeface="Damascus" pitchFamily="2" charset="-78"/>
               </a:rPr>
-              <a:t>How:</a:t>
-            </a:r>
-          </a:p>
-        </p:txBody>
-      </p:sp>
-      <p:pic>
-        <p:nvPicPr>
-          <p:cNvPr id="1026" name="Picture 2" descr="DFD.jpeg">
-            <a:extLst>
-              <a:ext uri="{FF2B5EF4-FFF2-40B4-BE49-F238E27FC236}">
-                <a16:creationId xmlns:a16="http://schemas.microsoft.com/office/drawing/2014/main" id="{9F895EA3-02ED-BE4B-9826-D41AAD20A057}"/>
-              </a:ext>
-            </a:extLst>
-          </p:cNvPr>
-          <p:cNvPicPr>
-            <a:picLocks noChangeAspect="1" noChangeArrowheads="1"/>
-          </p:cNvPicPr>
+              <a:t>User Stories:</a:t>
+            </a:r>
+          </a:p>
+        </p:txBody>
+      </p:sp>
+      <p:sp>
+        <p:nvSpPr>
+          <p:cNvPr id="5" name="TextBox 4">
+            <a:extLst>
+              <a:ext uri="{FF2B5EF4-FFF2-40B4-BE49-F238E27FC236}">
+                <a16:creationId xmlns:a16="http://schemas.microsoft.com/office/drawing/2014/main" id="{D0B0D982-FAAC-E14C-A473-619D32B4B171}"/>
+              </a:ext>
+            </a:extLst>
+          </p:cNvPr>
+          <p:cNvSpPr txBox="1"/>
           <p:nvPr/>
-        </p:nvPicPr>
-        <p:blipFill rotWithShape="1">
-          <a:blip r:embed="rId3">
-            <a:extLst>
-              <a:ext uri="{28A0092B-C50C-407E-A947-70E740481C1C}">
-                <a14:useLocalDpi xmlns:a14="http://schemas.microsoft.com/office/drawing/2010/main" val="0"/>
-              </a:ext>
-            </a:extLst>
-          </a:blip>
-          <a:srcRect t="26296" b="33704"/>
-          <a:stretch/>
-        </p:blipFill>
-        <p:spPr bwMode="auto">
+        </p:nvSpPr>
+        <p:spPr>
           <a:xfrm>
-            <a:off x="2890837" y="1491587"/>
-            <a:ext cx="9301163" cy="5366413"/>
+            <a:off x="4552950" y="1905000"/>
+            <a:ext cx="7187946" cy="1938992"/>
           </a:xfrm>
           <a:prstGeom prst="rect">
             <a:avLst/>
           </a:prstGeom>
           <a:noFill/>
-          <a:extLst>
-            <a:ext uri="{909E8E84-426E-40DD-AFC4-6F175D3DCCD1}">
-              <a14:hiddenFill xmlns:a14="http://schemas.microsoft.com/office/drawing/2010/main">
-                <a:solidFill>
-                  <a:srgbClr val="FFFFFF"/>
-                </a:solidFill>
-              </a14:hiddenFill>
-            </a:ext>
-          </a:extLst>
         </p:spPr>
-      </p:pic>
-      <p:sp>
-        <p:nvSpPr>
-          <p:cNvPr id="4" name="Rectangle 3">
-            <a:extLst>
-              <a:ext uri="{FF2B5EF4-FFF2-40B4-BE49-F238E27FC236}">
-                <a16:creationId xmlns:a16="http://schemas.microsoft.com/office/drawing/2014/main" id="{7B93461A-1E9D-C247-BECF-F59BA4D298C1}"/>
-              </a:ext>
-            </a:extLst>
-          </p:cNvPr>
-          <p:cNvSpPr/>
-          <p:nvPr/>
-        </p:nvSpPr>
-        <p:spPr>
-          <a:xfrm>
-            <a:off x="2890837" y="6488668"/>
-            <a:ext cx="2245895" cy="369332"/>
-          </a:xfrm>
-          <a:prstGeom prst="rect">
-            <a:avLst/>
-          </a:prstGeom>
-        </p:spPr>
-        <p:txBody>
-          <a:bodyPr wrap="square">
+        <p:txBody>
+          <a:bodyPr wrap="square" rtlCol="0">
             <a:spAutoFit/>
           </a:bodyPr>
           <a:lstStyle/>
           <a:p>
-            <a:r>
-              <a:rPr lang="en-AU" b="1" dirty="0" err="1">
+            <a:pPr marL="571500" indent="-571500">
+              <a:buFontTx/>
+              <a:buChar char="-"/>
+            </a:pPr>
+            <a:r>
+              <a:rPr lang="en-US" sz="4000" dirty="0">
                 <a:latin typeface="Lato Black" panose="020F0A02020204030203" pitchFamily="34" charset="77"/>
               </a:rPr>
-              <a:t>Cont</a:t>
-            </a:r>
-            <a:r>
-              <a:rPr lang="en-AU" b="1" dirty="0">
+              <a:t>General user stories.</a:t>
+            </a:r>
+          </a:p>
+          <a:p>
+            <a:pPr marL="571500" indent="-571500">
+              <a:buFontTx/>
+              <a:buChar char="-"/>
+            </a:pPr>
+            <a:r>
+              <a:rPr lang="en-US" sz="4000" dirty="0">
                 <a:latin typeface="Lato Black" panose="020F0A02020204030203" pitchFamily="34" charset="77"/>
               </a:rPr>
-              <a:t>…</a:t>
-            </a:r>
-            <a:endParaRPr lang="en-AU" dirty="0">
-              <a:latin typeface="Lato Black" panose="020F0A02020204030203" pitchFamily="34" charset="77"/>
-            </a:endParaRPr>
+              <a:t>Stories for user profiles.</a:t>
+            </a:r>
+          </a:p>
+          <a:p>
+            <a:pPr marL="571500" indent="-571500">
+              <a:buFontTx/>
+              <a:buChar char="-"/>
+            </a:pPr>
+            <a:r>
+              <a:rPr lang="en-US" sz="4000" dirty="0">
+                <a:latin typeface="Lato Black" panose="020F0A02020204030203" pitchFamily="34" charset="77"/>
+              </a:rPr>
+              <a:t>Stories for beyond MVP.</a:t>
+            </a:r>
           </a:p>
         </p:txBody>
       </p:sp>
     </p:spTree>
     <p:extLst>
       <p:ext uri="{BB962C8B-B14F-4D97-AF65-F5344CB8AC3E}">
-        <p14:creationId xmlns:p14="http://schemas.microsoft.com/office/powerpoint/2010/main" val="2192232466"/>
+        <p14:creationId xmlns:p14="http://schemas.microsoft.com/office/powerpoint/2010/main" val="1551950590"/>
       </p:ext>
     </p:extLst>
   </p:cSld>
@@ -3905,7 +5292,7 @@
     <p:bg>
       <p:bgPr>
         <a:blipFill dpi="0" rotWithShape="1">
-          <a:blip r:embed="rId2">
+          <a:blip r:embed="rId3">
             <a:alphaModFix amt="59000"/>
             <a:lum/>
           </a:blip>
@@ -3967,17 +5354,17 @@
                 <a:latin typeface="Paytone One" pitchFamily="2" charset="77"/>
                 <a:cs typeface="Damascus" pitchFamily="2" charset="-78"/>
               </a:rPr>
-              <a:t>How:</a:t>
+              <a:t>Who:</a:t>
             </a:r>
           </a:p>
         </p:txBody>
       </p:sp>
       <p:pic>
         <p:nvPicPr>
-          <p:cNvPr id="5122" name="Picture 2" descr="DFD.jpeg">
-            <a:extLst>
-              <a:ext uri="{FF2B5EF4-FFF2-40B4-BE49-F238E27FC236}">
-                <a16:creationId xmlns:a16="http://schemas.microsoft.com/office/drawing/2014/main" id="{A50CF588-7E74-C046-8F1B-DADC8606C073}"/>
+          <p:cNvPr id="8194" name="Picture 2" descr="Sarah Persona">
+            <a:extLst>
+              <a:ext uri="{FF2B5EF4-FFF2-40B4-BE49-F238E27FC236}">
+                <a16:creationId xmlns:a16="http://schemas.microsoft.com/office/drawing/2014/main" id="{07B082E3-A90E-A048-8730-A31616DB3149}"/>
               </a:ext>
             </a:extLst>
           </p:cNvPr>
@@ -3986,21 +5373,23 @@
           </p:cNvPicPr>
           <p:nvPr/>
         </p:nvPicPr>
-        <p:blipFill rotWithShape="1">
-          <a:blip r:embed="rId3">
+        <p:blipFill>
+          <a:blip r:embed="rId4">
             <a:extLst>
               <a:ext uri="{28A0092B-C50C-407E-A947-70E740481C1C}">
                 <a14:useLocalDpi xmlns:a14="http://schemas.microsoft.com/office/drawing/2010/main" val="0"/>
               </a:ext>
             </a:extLst>
           </a:blip>
-          <a:srcRect t="66481"/>
-          <a:stretch/>
+          <a:srcRect/>
+          <a:stretch>
+            <a:fillRect/>
+          </a:stretch>
         </p:blipFill>
         <p:spPr bwMode="auto">
           <a:xfrm>
-            <a:off x="2890837" y="1675344"/>
-            <a:ext cx="9301162" cy="4496855"/>
+            <a:off x="4219073" y="1374849"/>
+            <a:ext cx="6289426" cy="5354813"/>
           </a:xfrm>
           <a:prstGeom prst="rect">
             <a:avLst/>
@@ -4017,55 +5406,10 @@
           </a:extLst>
         </p:spPr>
       </p:pic>
-      <p:sp>
-        <p:nvSpPr>
-          <p:cNvPr id="4" name="Rectangle 3">
-            <a:extLst>
-              <a:ext uri="{FF2B5EF4-FFF2-40B4-BE49-F238E27FC236}">
-                <a16:creationId xmlns:a16="http://schemas.microsoft.com/office/drawing/2014/main" id="{7B93461A-1E9D-C247-BECF-F59BA4D298C1}"/>
-              </a:ext>
-            </a:extLst>
-          </p:cNvPr>
-          <p:cNvSpPr/>
-          <p:nvPr/>
-        </p:nvSpPr>
-        <p:spPr>
-          <a:xfrm>
-            <a:off x="2890837" y="1675344"/>
-            <a:ext cx="2245895" cy="369332"/>
-          </a:xfrm>
-          <a:prstGeom prst="rect">
-            <a:avLst/>
-          </a:prstGeom>
-        </p:spPr>
-        <p:txBody>
-          <a:bodyPr wrap="square">
-            <a:spAutoFit/>
-          </a:bodyPr>
-          <a:lstStyle/>
-          <a:p>
-            <a:r>
-              <a:rPr lang="en-AU" b="1" dirty="0" err="1">
-                <a:latin typeface="Lato Black" panose="020F0A02020204030203" pitchFamily="34" charset="77"/>
-              </a:rPr>
-              <a:t>Cont</a:t>
-            </a:r>
-            <a:r>
-              <a:rPr lang="en-AU" b="1" dirty="0">
-                <a:latin typeface="Lato Black" panose="020F0A02020204030203" pitchFamily="34" charset="77"/>
-              </a:rPr>
-              <a:t>…</a:t>
-            </a:r>
-            <a:endParaRPr lang="en-AU" dirty="0">
-              <a:latin typeface="Lato Black" panose="020F0A02020204030203" pitchFamily="34" charset="77"/>
-            </a:endParaRPr>
-          </a:p>
-        </p:txBody>
-      </p:sp>
     </p:spTree>
     <p:extLst>
       <p:ext uri="{BB962C8B-B14F-4D97-AF65-F5344CB8AC3E}">
-        <p14:creationId xmlns:p14="http://schemas.microsoft.com/office/powerpoint/2010/main" val="1088287668"/>
+        <p14:creationId xmlns:p14="http://schemas.microsoft.com/office/powerpoint/2010/main" val="1157936176"/>
       </p:ext>
     </p:extLst>
   </p:cSld>
@@ -4148,12 +5492,512 @@
           </a:p>
         </p:txBody>
       </p:sp>
+      <p:sp>
+        <p:nvSpPr>
+          <p:cNvPr id="5" name="TextBox 4">
+            <a:extLst>
+              <a:ext uri="{FF2B5EF4-FFF2-40B4-BE49-F238E27FC236}">
+                <a16:creationId xmlns:a16="http://schemas.microsoft.com/office/drawing/2014/main" id="{D0B0D982-FAAC-E14C-A473-619D32B4B171}"/>
+              </a:ext>
+            </a:extLst>
+          </p:cNvPr>
+          <p:cNvSpPr txBox="1"/>
+          <p:nvPr/>
+        </p:nvSpPr>
+        <p:spPr>
+          <a:xfrm>
+            <a:off x="4632986" y="1490118"/>
+            <a:ext cx="2379177" cy="4801314"/>
+          </a:xfrm>
+          <a:prstGeom prst="rect">
+            <a:avLst/>
+          </a:prstGeom>
+          <a:noFill/>
+        </p:spPr>
+        <p:txBody>
+          <a:bodyPr wrap="none" rtlCol="0">
+            <a:spAutoFit/>
+          </a:bodyPr>
+          <a:lstStyle/>
+          <a:p>
+            <a:r>
+              <a:rPr lang="en-AU" b="1" dirty="0">
+                <a:latin typeface="Lato Black" panose="020F0A02020204030203" pitchFamily="34" charset="77"/>
+              </a:rPr>
+              <a:t>Design and Planning:</a:t>
+            </a:r>
+            <a:endParaRPr lang="en-AU" dirty="0">
+              <a:latin typeface="Lato Black" panose="020F0A02020204030203" pitchFamily="34" charset="77"/>
+            </a:endParaRPr>
+          </a:p>
+          <a:p>
+            <a:r>
+              <a:rPr lang="en-AU" dirty="0">
+                <a:latin typeface="Lato Black" panose="020F0A02020204030203" pitchFamily="34" charset="77"/>
+              </a:rPr>
+              <a:t>Trello</a:t>
+            </a:r>
+          </a:p>
+          <a:p>
+            <a:r>
+              <a:rPr lang="en-AU" dirty="0">
+                <a:latin typeface="Lato Black" panose="020F0A02020204030203" pitchFamily="34" charset="77"/>
+              </a:rPr>
+              <a:t>Miro</a:t>
+            </a:r>
+          </a:p>
+          <a:p>
+            <a:r>
+              <a:rPr lang="en-AU" dirty="0" err="1">
+                <a:latin typeface="Lato Black" panose="020F0A02020204030203" pitchFamily="34" charset="77"/>
+              </a:rPr>
+              <a:t>xtensio</a:t>
+            </a:r>
+            <a:endParaRPr lang="en-AU" dirty="0">
+              <a:latin typeface="Lato Black" panose="020F0A02020204030203" pitchFamily="34" charset="77"/>
+            </a:endParaRPr>
+          </a:p>
+          <a:p>
+            <a:r>
+              <a:rPr lang="en-AU" dirty="0">
+                <a:latin typeface="Lato Black" panose="020F0A02020204030203" pitchFamily="34" charset="77"/>
+              </a:rPr>
+              <a:t>Lucid Chart</a:t>
+            </a:r>
+          </a:p>
+          <a:p>
+            <a:r>
+              <a:rPr lang="en-AU" dirty="0">
+                <a:latin typeface="Lato Black" panose="020F0A02020204030203" pitchFamily="34" charset="77"/>
+              </a:rPr>
+              <a:t>Slack</a:t>
+            </a:r>
+          </a:p>
+          <a:p>
+            <a:endParaRPr lang="en-AU" dirty="0">
+              <a:latin typeface="Lato Black" panose="020F0A02020204030203" pitchFamily="34" charset="77"/>
+            </a:endParaRPr>
+          </a:p>
+          <a:p>
+            <a:r>
+              <a:rPr lang="en-AU" b="1" dirty="0">
+                <a:latin typeface="Lato Black" panose="020F0A02020204030203" pitchFamily="34" charset="77"/>
+              </a:rPr>
+              <a:t>Frontend:</a:t>
+            </a:r>
+            <a:endParaRPr lang="en-AU" dirty="0">
+              <a:latin typeface="Lato Black" panose="020F0A02020204030203" pitchFamily="34" charset="77"/>
+            </a:endParaRPr>
+          </a:p>
+          <a:p>
+            <a:r>
+              <a:rPr lang="en-AU" dirty="0">
+                <a:latin typeface="Lato Black" panose="020F0A02020204030203" pitchFamily="34" charset="77"/>
+              </a:rPr>
+              <a:t>HTML5</a:t>
+            </a:r>
+          </a:p>
+          <a:p>
+            <a:r>
+              <a:rPr lang="en-AU" dirty="0">
+                <a:latin typeface="Lato Black" panose="020F0A02020204030203" pitchFamily="34" charset="77"/>
+              </a:rPr>
+              <a:t>CSS3</a:t>
+            </a:r>
+          </a:p>
+          <a:p>
+            <a:r>
+              <a:rPr lang="en-AU" dirty="0">
+                <a:latin typeface="Lato Black" panose="020F0A02020204030203" pitchFamily="34" charset="77"/>
+              </a:rPr>
+              <a:t>React JS</a:t>
+            </a:r>
+          </a:p>
+          <a:p>
+            <a:r>
+              <a:rPr lang="en-AU" dirty="0">
+                <a:latin typeface="Lato Black" panose="020F0A02020204030203" pitchFamily="34" charset="77"/>
+              </a:rPr>
+              <a:t>JavaScript</a:t>
+            </a:r>
+          </a:p>
+          <a:p>
+            <a:r>
+              <a:rPr lang="en-AU" dirty="0">
+                <a:latin typeface="Lato Black" panose="020F0A02020204030203" pitchFamily="34" charset="77"/>
+              </a:rPr>
+              <a:t>JSX</a:t>
+            </a:r>
+          </a:p>
+          <a:p>
+            <a:r>
+              <a:rPr lang="en-AU" dirty="0">
+                <a:latin typeface="Lato Black" panose="020F0A02020204030203" pitchFamily="34" charset="77"/>
+              </a:rPr>
+              <a:t>Material-UI</a:t>
+            </a:r>
+          </a:p>
+          <a:p>
+            <a:r>
+              <a:rPr lang="en-AU" dirty="0">
+                <a:latin typeface="Lato Black" panose="020F0A02020204030203" pitchFamily="34" charset="77"/>
+              </a:rPr>
+              <a:t>Bootstrap</a:t>
+            </a:r>
+          </a:p>
+          <a:p>
+            <a:r>
+              <a:rPr lang="en-AU" dirty="0" err="1">
+                <a:latin typeface="Lato Black" panose="020F0A02020204030203" pitchFamily="34" charset="77"/>
+              </a:rPr>
+              <a:t>Axios</a:t>
+            </a:r>
+            <a:endParaRPr lang="en-AU" dirty="0">
+              <a:latin typeface="Lato Black" panose="020F0A02020204030203" pitchFamily="34" charset="77"/>
+            </a:endParaRPr>
+          </a:p>
+          <a:p>
+            <a:endParaRPr lang="en-AU" dirty="0">
+              <a:latin typeface="Lato Black" panose="020F0A02020204030203" pitchFamily="34" charset="77"/>
+            </a:endParaRPr>
+          </a:p>
+        </p:txBody>
+      </p:sp>
+      <p:sp>
+        <p:nvSpPr>
+          <p:cNvPr id="3" name="Rectangle 2">
+            <a:extLst>
+              <a:ext uri="{FF2B5EF4-FFF2-40B4-BE49-F238E27FC236}">
+                <a16:creationId xmlns:a16="http://schemas.microsoft.com/office/drawing/2014/main" id="{41785F14-6E4A-BF42-B2A8-A513522F6F05}"/>
+              </a:ext>
+            </a:extLst>
+          </p:cNvPr>
+          <p:cNvSpPr/>
+          <p:nvPr/>
+        </p:nvSpPr>
+        <p:spPr>
+          <a:xfrm>
+            <a:off x="7503332" y="1490118"/>
+            <a:ext cx="2881746" cy="4524315"/>
+          </a:xfrm>
+          <a:prstGeom prst="rect">
+            <a:avLst/>
+          </a:prstGeom>
+        </p:spPr>
+        <p:txBody>
+          <a:bodyPr wrap="square">
+            <a:spAutoFit/>
+          </a:bodyPr>
+          <a:lstStyle/>
+          <a:p>
+            <a:r>
+              <a:rPr lang="en-AU" b="1" dirty="0">
+                <a:latin typeface="Lato Black" panose="020F0A02020204030203" pitchFamily="34" charset="77"/>
+              </a:rPr>
+              <a:t>Backend:</a:t>
+            </a:r>
+            <a:endParaRPr lang="en-AU" dirty="0">
+              <a:latin typeface="Lato Black" panose="020F0A02020204030203" pitchFamily="34" charset="77"/>
+            </a:endParaRPr>
+          </a:p>
+          <a:p>
+            <a:r>
+              <a:rPr lang="en-AU" dirty="0" err="1">
+                <a:latin typeface="Lato Black" panose="020F0A02020204030203" pitchFamily="34" charset="77"/>
+              </a:rPr>
+              <a:t>ExpressJS</a:t>
+            </a:r>
+            <a:endParaRPr lang="en-AU" dirty="0">
+              <a:latin typeface="Lato Black" panose="020F0A02020204030203" pitchFamily="34" charset="77"/>
+            </a:endParaRPr>
+          </a:p>
+          <a:p>
+            <a:r>
+              <a:rPr lang="en-AU" dirty="0">
+                <a:latin typeface="Lato Black" panose="020F0A02020204030203" pitchFamily="34" charset="77"/>
+              </a:rPr>
+              <a:t>Node JS</a:t>
+            </a:r>
+          </a:p>
+          <a:p>
+            <a:r>
+              <a:rPr lang="en-AU" dirty="0">
+                <a:latin typeface="Lato Black" panose="020F0A02020204030203" pitchFamily="34" charset="77"/>
+              </a:rPr>
+              <a:t>Passport</a:t>
+            </a:r>
+          </a:p>
+          <a:p>
+            <a:r>
+              <a:rPr lang="en-AU" dirty="0">
+                <a:latin typeface="Lato Black" panose="020F0A02020204030203" pitchFamily="34" charset="77"/>
+              </a:rPr>
+              <a:t>Passport-JWT</a:t>
+            </a:r>
+          </a:p>
+          <a:p>
+            <a:r>
+              <a:rPr lang="en-AU" dirty="0">
+                <a:latin typeface="Lato Black" panose="020F0A02020204030203" pitchFamily="34" charset="77"/>
+              </a:rPr>
+              <a:t>Express Session</a:t>
+            </a:r>
+          </a:p>
+          <a:p>
+            <a:endParaRPr lang="en-AU" dirty="0">
+              <a:latin typeface="Lato Black" panose="020F0A02020204030203" pitchFamily="34" charset="77"/>
+            </a:endParaRPr>
+          </a:p>
+          <a:p>
+            <a:r>
+              <a:rPr lang="en-AU" b="1" dirty="0">
+                <a:latin typeface="Lato Black" panose="020F0A02020204030203" pitchFamily="34" charset="77"/>
+              </a:rPr>
+              <a:t>Database:</a:t>
+            </a:r>
+            <a:endParaRPr lang="en-AU" dirty="0">
+              <a:latin typeface="Lato Black" panose="020F0A02020204030203" pitchFamily="34" charset="77"/>
+            </a:endParaRPr>
+          </a:p>
+          <a:p>
+            <a:r>
+              <a:rPr lang="en-AU" dirty="0">
+                <a:latin typeface="Lato Black" panose="020F0A02020204030203" pitchFamily="34" charset="77"/>
+              </a:rPr>
+              <a:t>MongoDB</a:t>
+            </a:r>
+          </a:p>
+          <a:p>
+            <a:r>
+              <a:rPr lang="en-AU" dirty="0">
+                <a:latin typeface="Lato Black" panose="020F0A02020204030203" pitchFamily="34" charset="77"/>
+              </a:rPr>
+              <a:t>Mongoose</a:t>
+            </a:r>
+          </a:p>
+          <a:p>
+            <a:endParaRPr lang="en-AU" dirty="0">
+              <a:latin typeface="Lato Black" panose="020F0A02020204030203" pitchFamily="34" charset="77"/>
+            </a:endParaRPr>
+          </a:p>
+          <a:p>
+            <a:r>
+              <a:rPr lang="en-AU" b="1" dirty="0">
+                <a:latin typeface="Lato Black" panose="020F0A02020204030203" pitchFamily="34" charset="77"/>
+              </a:rPr>
+              <a:t>Testing:</a:t>
+            </a:r>
+            <a:endParaRPr lang="en-AU" dirty="0">
+              <a:latin typeface="Lato Black" panose="020F0A02020204030203" pitchFamily="34" charset="77"/>
+            </a:endParaRPr>
+          </a:p>
+          <a:p>
+            <a:r>
+              <a:rPr lang="en-AU" dirty="0">
+                <a:latin typeface="Lato Black" panose="020F0A02020204030203" pitchFamily="34" charset="77"/>
+              </a:rPr>
+              <a:t>Cypress</a:t>
+            </a:r>
+          </a:p>
+          <a:p>
+            <a:r>
+              <a:rPr lang="en-AU" dirty="0" err="1">
+                <a:latin typeface="Lato Black" panose="020F0A02020204030203" pitchFamily="34" charset="77"/>
+              </a:rPr>
+              <a:t>Supertest</a:t>
+            </a:r>
+            <a:endParaRPr lang="en-AU" dirty="0">
+              <a:latin typeface="Lato Black" panose="020F0A02020204030203" pitchFamily="34" charset="77"/>
+            </a:endParaRPr>
+          </a:p>
+          <a:p>
+            <a:r>
+              <a:rPr lang="en-AU" dirty="0">
+                <a:latin typeface="Lato Black" panose="020F0A02020204030203" pitchFamily="34" charset="77"/>
+              </a:rPr>
+              <a:t>Mocha</a:t>
+            </a:r>
+          </a:p>
+          <a:p>
+            <a:endParaRPr lang="en-AU" dirty="0">
+              <a:latin typeface="Lato Black" panose="020F0A02020204030203" pitchFamily="34" charset="77"/>
+            </a:endParaRPr>
+          </a:p>
+        </p:txBody>
+      </p:sp>
+      <p:sp>
+        <p:nvSpPr>
+          <p:cNvPr id="4" name="Rectangle 3">
+            <a:extLst>
+              <a:ext uri="{FF2B5EF4-FFF2-40B4-BE49-F238E27FC236}">
+                <a16:creationId xmlns:a16="http://schemas.microsoft.com/office/drawing/2014/main" id="{5CB3E68D-D601-C34D-B26B-495AE0F3E178}"/>
+              </a:ext>
+            </a:extLst>
+          </p:cNvPr>
+          <p:cNvSpPr/>
+          <p:nvPr/>
+        </p:nvSpPr>
+        <p:spPr>
+          <a:xfrm>
+            <a:off x="9607498" y="1490118"/>
+            <a:ext cx="2245895" cy="1477328"/>
+          </a:xfrm>
+          <a:prstGeom prst="rect">
+            <a:avLst/>
+          </a:prstGeom>
+        </p:spPr>
+        <p:txBody>
+          <a:bodyPr wrap="square">
+            <a:spAutoFit/>
+          </a:bodyPr>
+          <a:lstStyle/>
+          <a:p>
+            <a:r>
+              <a:rPr lang="en-AU" b="1" dirty="0">
+                <a:latin typeface="Lato Black" panose="020F0A02020204030203" pitchFamily="34" charset="77"/>
+              </a:rPr>
+              <a:t>Other:</a:t>
+            </a:r>
+            <a:endParaRPr lang="en-AU" dirty="0">
+              <a:latin typeface="Lato Black" panose="020F0A02020204030203" pitchFamily="34" charset="77"/>
+            </a:endParaRPr>
+          </a:p>
+          <a:p>
+            <a:r>
+              <a:rPr lang="en-AU" dirty="0" err="1">
+                <a:latin typeface="Lato Black" panose="020F0A02020204030203" pitchFamily="34" charset="77"/>
+              </a:rPr>
+              <a:t>Edamam</a:t>
+            </a:r>
+            <a:r>
+              <a:rPr lang="en-AU" dirty="0">
+                <a:latin typeface="Lato Black" panose="020F0A02020204030203" pitchFamily="34" charset="77"/>
+              </a:rPr>
+              <a:t> API or </a:t>
+            </a:r>
+            <a:r>
+              <a:rPr lang="en-AU" dirty="0" err="1">
+                <a:latin typeface="Lato Black" panose="020F0A02020204030203" pitchFamily="34" charset="77"/>
+              </a:rPr>
+              <a:t>Spoonacular</a:t>
+            </a:r>
+            <a:endParaRPr lang="en-AU" dirty="0">
+              <a:latin typeface="Lato Black" panose="020F0A02020204030203" pitchFamily="34" charset="77"/>
+            </a:endParaRPr>
+          </a:p>
+          <a:p>
+            <a:r>
+              <a:rPr lang="en-AU" dirty="0">
+                <a:latin typeface="Lato Black" panose="020F0A02020204030203" pitchFamily="34" charset="77"/>
+              </a:rPr>
+              <a:t>Heroku</a:t>
+            </a:r>
+          </a:p>
+          <a:p>
+            <a:r>
+              <a:rPr lang="en-AU" dirty="0" err="1">
+                <a:latin typeface="Lato Black" panose="020F0A02020204030203" pitchFamily="34" charset="77"/>
+              </a:rPr>
+              <a:t>Netlify</a:t>
+            </a:r>
+            <a:endParaRPr lang="en-AU" dirty="0">
+              <a:latin typeface="Lato Black" panose="020F0A02020204030203" pitchFamily="34" charset="77"/>
+            </a:endParaRPr>
+          </a:p>
+        </p:txBody>
+      </p:sp>
+    </p:spTree>
+    <p:extLst>
+      <p:ext uri="{BB962C8B-B14F-4D97-AF65-F5344CB8AC3E}">
+        <p14:creationId xmlns:p14="http://schemas.microsoft.com/office/powerpoint/2010/main" val="882512977"/>
+      </p:ext>
+    </p:extLst>
+  </p:cSld>
+  <p:clrMapOvr>
+    <a:masterClrMapping/>
+  </p:clrMapOvr>
+</p:sld>
+</file>
+
+<file path=ppt/slides/slide15.xml><?xml version="1.0" encoding="utf-8"?>
+<p:sld xmlns:a="http://schemas.openxmlformats.org/drawingml/2006/main" xmlns:r="http://schemas.openxmlformats.org/officeDocument/2006/relationships" xmlns:p="http://schemas.openxmlformats.org/presentationml/2006/main">
+  <p:cSld>
+    <p:bg>
+      <p:bgPr>
+        <a:blipFill dpi="0" rotWithShape="1">
+          <a:blip r:embed="rId3">
+            <a:alphaModFix amt="59000"/>
+            <a:lum/>
+          </a:blip>
+          <a:srcRect/>
+          <a:stretch>
+            <a:fillRect t="-21000" b="-21000"/>
+          </a:stretch>
+        </a:blipFill>
+        <a:effectLst/>
+      </p:bgPr>
+    </p:bg>
+    <p:spTree>
+      <p:nvGrpSpPr>
+        <p:cNvPr id="1" name=""/>
+        <p:cNvGrpSpPr/>
+        <p:nvPr/>
+      </p:nvGrpSpPr>
+      <p:grpSpPr>
+        <a:xfrm>
+          <a:off x="0" y="0"/>
+          <a:ext cx="0" cy="0"/>
+          <a:chOff x="0" y="0"/>
+          <a:chExt cx="0" cy="0"/>
+        </a:xfrm>
+      </p:grpSpPr>
+      <p:sp>
+        <p:nvSpPr>
+          <p:cNvPr id="2" name="Title 1">
+            <a:extLst>
+              <a:ext uri="{FF2B5EF4-FFF2-40B4-BE49-F238E27FC236}">
+                <a16:creationId xmlns:a16="http://schemas.microsoft.com/office/drawing/2014/main" id="{56744057-E546-C742-9EA3-BBE713E20695}"/>
+              </a:ext>
+            </a:extLst>
+          </p:cNvPr>
+          <p:cNvSpPr>
+            <a:spLocks noGrp="1"/>
+          </p:cNvSpPr>
+          <p:nvPr>
+            <p:ph type="ctrTitle"/>
+          </p:nvPr>
+        </p:nvSpPr>
+        <p:spPr>
+          <a:xfrm>
+            <a:off x="2736125" y="361949"/>
+            <a:ext cx="3207476" cy="1128169"/>
+          </a:xfrm>
+        </p:spPr>
+        <p:txBody>
+          <a:bodyPr>
+            <a:normAutofit/>
+          </a:bodyPr>
+          <a:lstStyle/>
+          <a:p>
+            <a:r>
+              <a:rPr lang="en-US" b="1" dirty="0">
+                <a:solidFill>
+                  <a:srgbClr val="3D7300"/>
+                </a:solidFill>
+                <a:latin typeface="Paytone One" pitchFamily="2" charset="77"/>
+                <a:cs typeface="Damascus" pitchFamily="2" charset="-78"/>
+              </a:rPr>
+              <a:t>How:</a:t>
+            </a:r>
+          </a:p>
+        </p:txBody>
+      </p:sp>
       <p:pic>
         <p:nvPicPr>
-          <p:cNvPr id="5122" name="Picture 2" descr="DFD.jpeg">
-            <a:extLst>
-              <a:ext uri="{FF2B5EF4-FFF2-40B4-BE49-F238E27FC236}">
-                <a16:creationId xmlns:a16="http://schemas.microsoft.com/office/drawing/2014/main" id="{A50CF588-7E74-C046-8F1B-DADC8606C073}"/>
+          <p:cNvPr id="1026" name="Picture 2" descr="DFD.jpeg">
+            <a:extLst>
+              <a:ext uri="{FF2B5EF4-FFF2-40B4-BE49-F238E27FC236}">
+                <a16:creationId xmlns:a16="http://schemas.microsoft.com/office/drawing/2014/main" id="{9F895EA3-02ED-BE4B-9826-D41AAD20A057}"/>
               </a:ext>
             </a:extLst>
           </p:cNvPr>
@@ -4163,20 +6007,20 @@
           <p:nvPr/>
         </p:nvPicPr>
         <p:blipFill rotWithShape="1">
-          <a:blip r:embed="rId3">
+          <a:blip r:embed="rId4">
             <a:extLst>
               <a:ext uri="{28A0092B-C50C-407E-A947-70E740481C1C}">
                 <a14:useLocalDpi xmlns:a14="http://schemas.microsoft.com/office/drawing/2010/main" val="0"/>
               </a:ext>
             </a:extLst>
           </a:blip>
-          <a:srcRect t="66481"/>
+          <a:srcRect l="1310" r="6102" b="73100"/>
           <a:stretch/>
         </p:blipFill>
         <p:spPr bwMode="auto">
           <a:xfrm>
-            <a:off x="2890837" y="1675344"/>
-            <a:ext cx="9301162" cy="4496855"/>
+            <a:off x="2736125" y="1769517"/>
+            <a:ext cx="9443175" cy="3957393"/>
           </a:xfrm>
           <a:prstGeom prst="rect">
             <a:avLst/>
@@ -4195,10 +6039,10 @@
       </p:pic>
       <p:sp>
         <p:nvSpPr>
-          <p:cNvPr id="4" name="Rectangle 3">
-            <a:extLst>
-              <a:ext uri="{FF2B5EF4-FFF2-40B4-BE49-F238E27FC236}">
-                <a16:creationId xmlns:a16="http://schemas.microsoft.com/office/drawing/2014/main" id="{7B93461A-1E9D-C247-BECF-F59BA4D298C1}"/>
+          <p:cNvPr id="3" name="Rectangle 2">
+            <a:extLst>
+              <a:ext uri="{FF2B5EF4-FFF2-40B4-BE49-F238E27FC236}">
+                <a16:creationId xmlns:a16="http://schemas.microsoft.com/office/drawing/2014/main" id="{ADCC40D3-9E68-464C-8085-9FEE4242073B}"/>
               </a:ext>
             </a:extLst>
           </p:cNvPr>
@@ -4207,8 +6051,8 @@
         </p:nvSpPr>
         <p:spPr>
           <a:xfrm>
-            <a:off x="2890837" y="1675344"/>
-            <a:ext cx="2245895" cy="369332"/>
+            <a:off x="2736125" y="6006309"/>
+            <a:ext cx="8750300" cy="369332"/>
           </a:xfrm>
           <a:prstGeom prst="rect">
             <a:avLst/>
@@ -4221,18 +6065,30 @@
           <a:lstStyle/>
           <a:p>
             <a:r>
-              <a:rPr lang="en-AU" b="1" dirty="0" err="1">
+              <a:rPr lang="en-US" dirty="0">
                 <a:latin typeface="Lato Black" panose="020F0A02020204030203" pitchFamily="34" charset="77"/>
               </a:rPr>
-              <a:t>Cont</a:t>
-            </a:r>
-            <a:r>
-              <a:rPr lang="en-AU" b="1" dirty="0">
+              <a:t>https://</a:t>
+            </a:r>
+            <a:r>
+              <a:rPr lang="en-US" dirty="0" err="1">
                 <a:latin typeface="Lato Black" panose="020F0A02020204030203" pitchFamily="34" charset="77"/>
               </a:rPr>
-              <a:t>…</a:t>
-            </a:r>
-            <a:endParaRPr lang="en-AU" dirty="0">
+              <a:t>github.com</a:t>
+            </a:r>
+            <a:r>
+              <a:rPr lang="en-US" dirty="0">
+                <a:latin typeface="Lato Black" panose="020F0A02020204030203" pitchFamily="34" charset="77"/>
+              </a:rPr>
+              <a:t>/CA-MERN/MERN-Part-A-Docs/blob/main/diagrams/</a:t>
+            </a:r>
+            <a:r>
+              <a:rPr lang="en-US" dirty="0" err="1">
+                <a:latin typeface="Lato Black" panose="020F0A02020204030203" pitchFamily="34" charset="77"/>
+              </a:rPr>
+              <a:t>DFD.jpeg</a:t>
+            </a:r>
+            <a:endParaRPr lang="en-US" dirty="0">
               <a:latin typeface="Lato Black" panose="020F0A02020204030203" pitchFamily="34" charset="77"/>
             </a:endParaRPr>
           </a:p>
@@ -4241,7 +6097,7 @@
     </p:spTree>
     <p:extLst>
       <p:ext uri="{BB962C8B-B14F-4D97-AF65-F5344CB8AC3E}">
-        <p14:creationId xmlns:p14="http://schemas.microsoft.com/office/powerpoint/2010/main" val="3331964448"/>
+        <p14:creationId xmlns:p14="http://schemas.microsoft.com/office/powerpoint/2010/main" val="3432511959"/>
       </p:ext>
     </p:extLst>
   </p:cSld>
@@ -4251,7 +6107,7 @@
 </p:sld>
 </file>
 
-<file path=ppt/slides/slide15.xml><?xml version="1.0" encoding="utf-8"?>
+<file path=ppt/slides/slide16.xml><?xml version="1.0" encoding="utf-8"?>
 <p:sld xmlns:a="http://schemas.openxmlformats.org/drawingml/2006/main" xmlns:r="http://schemas.openxmlformats.org/officeDocument/2006/relationships" xmlns:p="http://schemas.openxmlformats.org/presentationml/2006/main">
   <p:cSld>
     <p:bg>
@@ -4319,53 +6175,578 @@
                 <a:latin typeface="Paytone One" pitchFamily="2" charset="77"/>
                 <a:cs typeface="Damascus" pitchFamily="2" charset="-78"/>
               </a:rPr>
-              <a:t>What:</a:t>
-            </a:r>
-          </a:p>
-        </p:txBody>
-      </p:sp>
-      <p:sp>
-        <p:nvSpPr>
-          <p:cNvPr id="5" name="TextBox 4">
-            <a:extLst>
-              <a:ext uri="{FF2B5EF4-FFF2-40B4-BE49-F238E27FC236}">
-                <a16:creationId xmlns:a16="http://schemas.microsoft.com/office/drawing/2014/main" id="{D0B0D982-FAAC-E14C-A473-619D32B4B171}"/>
-              </a:ext>
-            </a:extLst>
-          </p:cNvPr>
-          <p:cNvSpPr txBox="1"/>
+              <a:t>How:</a:t>
+            </a:r>
+          </a:p>
+        </p:txBody>
+      </p:sp>
+      <p:pic>
+        <p:nvPicPr>
+          <p:cNvPr id="1026" name="Picture 2" descr="DFD.jpeg">
+            <a:extLst>
+              <a:ext uri="{FF2B5EF4-FFF2-40B4-BE49-F238E27FC236}">
+                <a16:creationId xmlns:a16="http://schemas.microsoft.com/office/drawing/2014/main" id="{9F895EA3-02ED-BE4B-9826-D41AAD20A057}"/>
+              </a:ext>
+            </a:extLst>
+          </p:cNvPr>
+          <p:cNvPicPr>
+            <a:picLocks noChangeAspect="1" noChangeArrowheads="1"/>
+          </p:cNvPicPr>
           <p:nvPr/>
-        </p:nvSpPr>
-        <p:spPr>
+        </p:nvPicPr>
+        <p:blipFill rotWithShape="1">
+          <a:blip r:embed="rId3">
+            <a:extLst>
+              <a:ext uri="{28A0092B-C50C-407E-A947-70E740481C1C}">
+                <a14:useLocalDpi xmlns:a14="http://schemas.microsoft.com/office/drawing/2010/main" val="0"/>
+              </a:ext>
+            </a:extLst>
+          </a:blip>
+          <a:srcRect t="26296" b="33704"/>
+          <a:stretch/>
+        </p:blipFill>
+        <p:spPr bwMode="auto">
           <a:xfrm>
-            <a:off x="4552950" y="1905000"/>
-            <a:ext cx="7164141" cy="1323439"/>
+            <a:off x="2890837" y="1491587"/>
+            <a:ext cx="9301163" cy="5366413"/>
           </a:xfrm>
           <a:prstGeom prst="rect">
             <a:avLst/>
           </a:prstGeom>
           <a:noFill/>
+          <a:extLst>
+            <a:ext uri="{909E8E84-426E-40DD-AFC4-6F175D3DCCD1}">
+              <a14:hiddenFill xmlns:a14="http://schemas.microsoft.com/office/drawing/2010/main">
+                <a:solidFill>
+                  <a:srgbClr val="FFFFFF"/>
+                </a:solidFill>
+              </a14:hiddenFill>
+            </a:ext>
+          </a:extLst>
         </p:spPr>
-        <p:txBody>
-          <a:bodyPr wrap="none" rtlCol="0">
+      </p:pic>
+      <p:sp>
+        <p:nvSpPr>
+          <p:cNvPr id="4" name="Rectangle 3">
+            <a:extLst>
+              <a:ext uri="{FF2B5EF4-FFF2-40B4-BE49-F238E27FC236}">
+                <a16:creationId xmlns:a16="http://schemas.microsoft.com/office/drawing/2014/main" id="{7B93461A-1E9D-C247-BECF-F59BA4D298C1}"/>
+              </a:ext>
+            </a:extLst>
+          </p:cNvPr>
+          <p:cNvSpPr/>
+          <p:nvPr/>
+        </p:nvSpPr>
+        <p:spPr>
+          <a:xfrm>
+            <a:off x="2890837" y="6488668"/>
+            <a:ext cx="2245895" cy="369332"/>
+          </a:xfrm>
+          <a:prstGeom prst="rect">
+            <a:avLst/>
+          </a:prstGeom>
+        </p:spPr>
+        <p:txBody>
+          <a:bodyPr wrap="square">
             <a:spAutoFit/>
           </a:bodyPr>
           <a:lstStyle/>
           <a:p>
             <a:r>
-              <a:rPr lang="en-US" sz="4000" dirty="0">
+              <a:rPr lang="en-AU" b="1" dirty="0" err="1">
                 <a:latin typeface="Lato Black" panose="020F0A02020204030203" pitchFamily="34" charset="77"/>
               </a:rPr>
-              <a:t>An app to match your kitchen </a:t>
-            </a:r>
-          </a:p>
-          <a:p>
-            <a:r>
-              <a:rPr lang="en-US" sz="4000" dirty="0">
+              <a:t>Cont</a:t>
+            </a:r>
+            <a:r>
+              <a:rPr lang="en-AU" b="1" dirty="0">
                 <a:latin typeface="Lato Black" panose="020F0A02020204030203" pitchFamily="34" charset="77"/>
               </a:rPr>
-              <a:t>ingredients to recipes!</a:t>
-            </a:r>
+              <a:t>…</a:t>
+            </a:r>
+            <a:endParaRPr lang="en-AU" dirty="0">
+              <a:latin typeface="Lato Black" panose="020F0A02020204030203" pitchFamily="34" charset="77"/>
+            </a:endParaRPr>
+          </a:p>
+        </p:txBody>
+      </p:sp>
+      <p:sp>
+        <p:nvSpPr>
+          <p:cNvPr id="5" name="Rectangle 4">
+            <a:extLst>
+              <a:ext uri="{FF2B5EF4-FFF2-40B4-BE49-F238E27FC236}">
+                <a16:creationId xmlns:a16="http://schemas.microsoft.com/office/drawing/2014/main" id="{F06119F3-AC82-1444-A237-F607D09FBCEC}"/>
+              </a:ext>
+            </a:extLst>
+          </p:cNvPr>
+          <p:cNvSpPr/>
+          <p:nvPr/>
+        </p:nvSpPr>
+        <p:spPr>
+          <a:xfrm>
+            <a:off x="2736125" y="-8852"/>
+            <a:ext cx="8750300" cy="369332"/>
+          </a:xfrm>
+          <a:prstGeom prst="rect">
+            <a:avLst/>
+          </a:prstGeom>
+        </p:spPr>
+        <p:txBody>
+          <a:bodyPr wrap="square">
+            <a:spAutoFit/>
+          </a:bodyPr>
+          <a:lstStyle/>
+          <a:p>
+            <a:r>
+              <a:rPr lang="en-US" dirty="0">
+                <a:latin typeface="Lato Black" panose="020F0A02020204030203" pitchFamily="34" charset="77"/>
+              </a:rPr>
+              <a:t>https://</a:t>
+            </a:r>
+            <a:r>
+              <a:rPr lang="en-US" dirty="0" err="1">
+                <a:latin typeface="Lato Black" panose="020F0A02020204030203" pitchFamily="34" charset="77"/>
+              </a:rPr>
+              <a:t>github.com</a:t>
+            </a:r>
+            <a:r>
+              <a:rPr lang="en-US" dirty="0">
+                <a:latin typeface="Lato Black" panose="020F0A02020204030203" pitchFamily="34" charset="77"/>
+              </a:rPr>
+              <a:t>/CA-MERN/MERN-Part-A-Docs/blob/main/diagrams/</a:t>
+            </a:r>
+            <a:r>
+              <a:rPr lang="en-US" dirty="0" err="1">
+                <a:latin typeface="Lato Black" panose="020F0A02020204030203" pitchFamily="34" charset="77"/>
+              </a:rPr>
+              <a:t>DFD.jpeg</a:t>
+            </a:r>
+            <a:endParaRPr lang="en-US" dirty="0">
+              <a:latin typeface="Lato Black" panose="020F0A02020204030203" pitchFamily="34" charset="77"/>
+            </a:endParaRPr>
+          </a:p>
+        </p:txBody>
+      </p:sp>
+    </p:spTree>
+    <p:extLst>
+      <p:ext uri="{BB962C8B-B14F-4D97-AF65-F5344CB8AC3E}">
+        <p14:creationId xmlns:p14="http://schemas.microsoft.com/office/powerpoint/2010/main" val="1704480090"/>
+      </p:ext>
+    </p:extLst>
+  </p:cSld>
+  <p:clrMapOvr>
+    <a:masterClrMapping/>
+  </p:clrMapOvr>
+</p:sld>
+</file>
+
+<file path=ppt/slides/slide17.xml><?xml version="1.0" encoding="utf-8"?>
+<p:sld xmlns:a="http://schemas.openxmlformats.org/drawingml/2006/main" xmlns:r="http://schemas.openxmlformats.org/officeDocument/2006/relationships" xmlns:p="http://schemas.openxmlformats.org/presentationml/2006/main">
+  <p:cSld>
+    <p:bg>
+      <p:bgPr>
+        <a:blipFill dpi="0" rotWithShape="1">
+          <a:blip r:embed="rId3">
+            <a:alphaModFix amt="59000"/>
+            <a:lum/>
+          </a:blip>
+          <a:srcRect/>
+          <a:stretch>
+            <a:fillRect t="-21000" b="-21000"/>
+          </a:stretch>
+        </a:blipFill>
+        <a:effectLst/>
+      </p:bgPr>
+    </p:bg>
+    <p:spTree>
+      <p:nvGrpSpPr>
+        <p:cNvPr id="1" name=""/>
+        <p:cNvGrpSpPr/>
+        <p:nvPr/>
+      </p:nvGrpSpPr>
+      <p:grpSpPr>
+        <a:xfrm>
+          <a:off x="0" y="0"/>
+          <a:ext cx="0" cy="0"/>
+          <a:chOff x="0" y="0"/>
+          <a:chExt cx="0" cy="0"/>
+        </a:xfrm>
+      </p:grpSpPr>
+      <p:sp>
+        <p:nvSpPr>
+          <p:cNvPr id="2" name="Title 1">
+            <a:extLst>
+              <a:ext uri="{FF2B5EF4-FFF2-40B4-BE49-F238E27FC236}">
+                <a16:creationId xmlns:a16="http://schemas.microsoft.com/office/drawing/2014/main" id="{56744057-E546-C742-9EA3-BBE713E20695}"/>
+              </a:ext>
+            </a:extLst>
+          </p:cNvPr>
+          <p:cNvSpPr>
+            <a:spLocks noGrp="1"/>
+          </p:cNvSpPr>
+          <p:nvPr>
+            <p:ph type="ctrTitle"/>
+          </p:nvPr>
+        </p:nvSpPr>
+        <p:spPr>
+          <a:xfrm>
+            <a:off x="2736125" y="361949"/>
+            <a:ext cx="3207476" cy="1128169"/>
+          </a:xfrm>
+        </p:spPr>
+        <p:txBody>
+          <a:bodyPr>
+            <a:normAutofit/>
+          </a:bodyPr>
+          <a:lstStyle/>
+          <a:p>
+            <a:r>
+              <a:rPr lang="en-US" b="1" dirty="0">
+                <a:solidFill>
+                  <a:srgbClr val="3D7300"/>
+                </a:solidFill>
+                <a:latin typeface="Paytone One" pitchFamily="2" charset="77"/>
+                <a:cs typeface="Damascus" pitchFamily="2" charset="-78"/>
+              </a:rPr>
+              <a:t>How:</a:t>
+            </a:r>
+          </a:p>
+        </p:txBody>
+      </p:sp>
+      <p:pic>
+        <p:nvPicPr>
+          <p:cNvPr id="5122" name="Picture 2" descr="DFD.jpeg">
+            <a:extLst>
+              <a:ext uri="{FF2B5EF4-FFF2-40B4-BE49-F238E27FC236}">
+                <a16:creationId xmlns:a16="http://schemas.microsoft.com/office/drawing/2014/main" id="{A50CF588-7E74-C046-8F1B-DADC8606C073}"/>
+              </a:ext>
+            </a:extLst>
+          </p:cNvPr>
+          <p:cNvPicPr>
+            <a:picLocks noChangeAspect="1" noChangeArrowheads="1"/>
+          </p:cNvPicPr>
+          <p:nvPr/>
+        </p:nvPicPr>
+        <p:blipFill rotWithShape="1">
+          <a:blip r:embed="rId4">
+            <a:extLst>
+              <a:ext uri="{28A0092B-C50C-407E-A947-70E740481C1C}">
+                <a14:useLocalDpi xmlns:a14="http://schemas.microsoft.com/office/drawing/2010/main" val="0"/>
+              </a:ext>
+            </a:extLst>
+          </a:blip>
+          <a:srcRect t="66481"/>
+          <a:stretch/>
+        </p:blipFill>
+        <p:spPr bwMode="auto">
+          <a:xfrm>
+            <a:off x="2890837" y="1675344"/>
+            <a:ext cx="9301162" cy="4496855"/>
+          </a:xfrm>
+          <a:prstGeom prst="rect">
+            <a:avLst/>
+          </a:prstGeom>
+          <a:noFill/>
+          <a:extLst>
+            <a:ext uri="{909E8E84-426E-40DD-AFC4-6F175D3DCCD1}">
+              <a14:hiddenFill xmlns:a14="http://schemas.microsoft.com/office/drawing/2010/main">
+                <a:solidFill>
+                  <a:srgbClr val="FFFFFF"/>
+                </a:solidFill>
+              </a14:hiddenFill>
+            </a:ext>
+          </a:extLst>
+        </p:spPr>
+      </p:pic>
+      <p:sp>
+        <p:nvSpPr>
+          <p:cNvPr id="4" name="Rectangle 3">
+            <a:extLst>
+              <a:ext uri="{FF2B5EF4-FFF2-40B4-BE49-F238E27FC236}">
+                <a16:creationId xmlns:a16="http://schemas.microsoft.com/office/drawing/2014/main" id="{7B93461A-1E9D-C247-BECF-F59BA4D298C1}"/>
+              </a:ext>
+            </a:extLst>
+          </p:cNvPr>
+          <p:cNvSpPr/>
+          <p:nvPr/>
+        </p:nvSpPr>
+        <p:spPr>
+          <a:xfrm>
+            <a:off x="2890837" y="1675344"/>
+            <a:ext cx="2245895" cy="369332"/>
+          </a:xfrm>
+          <a:prstGeom prst="rect">
+            <a:avLst/>
+          </a:prstGeom>
+        </p:spPr>
+        <p:txBody>
+          <a:bodyPr wrap="square">
+            <a:spAutoFit/>
+          </a:bodyPr>
+          <a:lstStyle/>
+          <a:p>
+            <a:r>
+              <a:rPr lang="en-AU" b="1" dirty="0" err="1">
+                <a:latin typeface="Lato Black" panose="020F0A02020204030203" pitchFamily="34" charset="77"/>
+              </a:rPr>
+              <a:t>Cont</a:t>
+            </a:r>
+            <a:r>
+              <a:rPr lang="en-AU" b="1" dirty="0">
+                <a:latin typeface="Lato Black" panose="020F0A02020204030203" pitchFamily="34" charset="77"/>
+              </a:rPr>
+              <a:t>…</a:t>
+            </a:r>
+            <a:endParaRPr lang="en-AU" dirty="0">
+              <a:latin typeface="Lato Black" panose="020F0A02020204030203" pitchFamily="34" charset="77"/>
+            </a:endParaRPr>
+          </a:p>
+        </p:txBody>
+      </p:sp>
+      <p:sp>
+        <p:nvSpPr>
+          <p:cNvPr id="8" name="Rectangle 7">
+            <a:extLst>
+              <a:ext uri="{FF2B5EF4-FFF2-40B4-BE49-F238E27FC236}">
+                <a16:creationId xmlns:a16="http://schemas.microsoft.com/office/drawing/2014/main" id="{3C72247B-95ED-B042-A156-2E1BD85244D9}"/>
+              </a:ext>
+            </a:extLst>
+          </p:cNvPr>
+          <p:cNvSpPr/>
+          <p:nvPr/>
+        </p:nvSpPr>
+        <p:spPr>
+          <a:xfrm>
+            <a:off x="2890837" y="6357425"/>
+            <a:ext cx="8750300" cy="369332"/>
+          </a:xfrm>
+          <a:prstGeom prst="rect">
+            <a:avLst/>
+          </a:prstGeom>
+        </p:spPr>
+        <p:txBody>
+          <a:bodyPr wrap="square">
+            <a:spAutoFit/>
+          </a:bodyPr>
+          <a:lstStyle/>
+          <a:p>
+            <a:r>
+              <a:rPr lang="en-US" dirty="0">
+                <a:latin typeface="Lato Black" panose="020F0A02020204030203" pitchFamily="34" charset="77"/>
+              </a:rPr>
+              <a:t>https://</a:t>
+            </a:r>
+            <a:r>
+              <a:rPr lang="en-US" dirty="0" err="1">
+                <a:latin typeface="Lato Black" panose="020F0A02020204030203" pitchFamily="34" charset="77"/>
+              </a:rPr>
+              <a:t>github.com</a:t>
+            </a:r>
+            <a:r>
+              <a:rPr lang="en-US" dirty="0">
+                <a:latin typeface="Lato Black" panose="020F0A02020204030203" pitchFamily="34" charset="77"/>
+              </a:rPr>
+              <a:t>/CA-MERN/MERN-Part-A-Docs/blob/main/diagrams/</a:t>
+            </a:r>
+            <a:r>
+              <a:rPr lang="en-US" dirty="0" err="1">
+                <a:latin typeface="Lato Black" panose="020F0A02020204030203" pitchFamily="34" charset="77"/>
+              </a:rPr>
+              <a:t>DFD.jpeg</a:t>
+            </a:r>
+            <a:endParaRPr lang="en-US" dirty="0">
+              <a:latin typeface="Lato Black" panose="020F0A02020204030203" pitchFamily="34" charset="77"/>
+            </a:endParaRPr>
+          </a:p>
+        </p:txBody>
+      </p:sp>
+    </p:spTree>
+    <p:extLst>
+      <p:ext uri="{BB962C8B-B14F-4D97-AF65-F5344CB8AC3E}">
+        <p14:creationId xmlns:p14="http://schemas.microsoft.com/office/powerpoint/2010/main" val="1088287668"/>
+      </p:ext>
+    </p:extLst>
+  </p:cSld>
+  <p:clrMapOvr>
+    <a:masterClrMapping/>
+  </p:clrMapOvr>
+</p:sld>
+</file>
+
+<file path=ppt/slides/slide18.xml><?xml version="1.0" encoding="utf-8"?>
+<p:sld xmlns:a="http://schemas.openxmlformats.org/drawingml/2006/main" xmlns:r="http://schemas.openxmlformats.org/officeDocument/2006/relationships" xmlns:p="http://schemas.openxmlformats.org/presentationml/2006/main">
+  <p:cSld>
+    <p:bg>
+      <p:bgPr>
+        <a:blipFill dpi="0" rotWithShape="1">
+          <a:blip r:embed="rId2">
+            <a:alphaModFix amt="59000"/>
+            <a:lum/>
+          </a:blip>
+          <a:srcRect/>
+          <a:stretch>
+            <a:fillRect t="-21000" b="-21000"/>
+          </a:stretch>
+        </a:blipFill>
+        <a:effectLst/>
+      </p:bgPr>
+    </p:bg>
+    <p:spTree>
+      <p:nvGrpSpPr>
+        <p:cNvPr id="1" name=""/>
+        <p:cNvGrpSpPr/>
+        <p:nvPr/>
+      </p:nvGrpSpPr>
+      <p:grpSpPr>
+        <a:xfrm>
+          <a:off x="0" y="0"/>
+          <a:ext cx="0" cy="0"/>
+          <a:chOff x="0" y="0"/>
+          <a:chExt cx="0" cy="0"/>
+        </a:xfrm>
+      </p:grpSpPr>
+      <p:sp>
+        <p:nvSpPr>
+          <p:cNvPr id="2" name="Title 1">
+            <a:extLst>
+              <a:ext uri="{FF2B5EF4-FFF2-40B4-BE49-F238E27FC236}">
+                <a16:creationId xmlns:a16="http://schemas.microsoft.com/office/drawing/2014/main" id="{56744057-E546-C742-9EA3-BBE713E20695}"/>
+              </a:ext>
+            </a:extLst>
+          </p:cNvPr>
+          <p:cNvSpPr>
+            <a:spLocks noGrp="1"/>
+          </p:cNvSpPr>
+          <p:nvPr>
+            <p:ph type="ctrTitle"/>
+          </p:nvPr>
+        </p:nvSpPr>
+        <p:spPr>
+          <a:xfrm>
+            <a:off x="0" y="5729831"/>
+            <a:ext cx="3207476" cy="1128169"/>
+          </a:xfrm>
+        </p:spPr>
+        <p:txBody>
+          <a:bodyPr>
+            <a:normAutofit/>
+          </a:bodyPr>
+          <a:lstStyle/>
+          <a:p>
+            <a:r>
+              <a:rPr lang="en-US" b="1" dirty="0">
+                <a:solidFill>
+                  <a:srgbClr val="3D7300"/>
+                </a:solidFill>
+                <a:latin typeface="Paytone One" pitchFamily="2" charset="77"/>
+                <a:cs typeface="Damascus" pitchFamily="2" charset="-78"/>
+              </a:rPr>
+              <a:t>How:</a:t>
+            </a:r>
+          </a:p>
+        </p:txBody>
+      </p:sp>
+      <p:pic>
+        <p:nvPicPr>
+          <p:cNvPr id="7170" name="Picture 2" descr="Application-Architecture-Diagram">
+            <a:extLst>
+              <a:ext uri="{FF2B5EF4-FFF2-40B4-BE49-F238E27FC236}">
+                <a16:creationId xmlns:a16="http://schemas.microsoft.com/office/drawing/2014/main" id="{DBD82BC3-2C01-2145-9A46-EA2DEF50DA0E}"/>
+              </a:ext>
+            </a:extLst>
+          </p:cNvPr>
+          <p:cNvPicPr>
+            <a:picLocks noChangeAspect="1" noChangeArrowheads="1"/>
+          </p:cNvPicPr>
+          <p:nvPr/>
+        </p:nvPicPr>
+        <p:blipFill>
+          <a:blip r:embed="rId3">
+            <a:extLst>
+              <a:ext uri="{28A0092B-C50C-407E-A947-70E740481C1C}">
+                <a14:useLocalDpi xmlns:a14="http://schemas.microsoft.com/office/drawing/2010/main" val="0"/>
+              </a:ext>
+            </a:extLst>
+          </a:blip>
+          <a:srcRect/>
+          <a:stretch>
+            <a:fillRect/>
+          </a:stretch>
+        </p:blipFill>
+        <p:spPr bwMode="auto">
+          <a:xfrm>
+            <a:off x="3992563" y="0"/>
+            <a:ext cx="8199437" cy="6858000"/>
+          </a:xfrm>
+          <a:prstGeom prst="rect">
+            <a:avLst/>
+          </a:prstGeom>
+          <a:noFill/>
+          <a:extLst>
+            <a:ext uri="{909E8E84-426E-40DD-AFC4-6F175D3DCCD1}">
+              <a14:hiddenFill xmlns:a14="http://schemas.microsoft.com/office/drawing/2010/main">
+                <a:solidFill>
+                  <a:srgbClr val="FFFFFF"/>
+                </a:solidFill>
+              </a14:hiddenFill>
+            </a:ext>
+          </a:extLst>
+        </p:spPr>
+      </p:pic>
+      <p:sp>
+        <p:nvSpPr>
+          <p:cNvPr id="3" name="Rectangle 2">
+            <a:extLst>
+              <a:ext uri="{FF2B5EF4-FFF2-40B4-BE49-F238E27FC236}">
+                <a16:creationId xmlns:a16="http://schemas.microsoft.com/office/drawing/2014/main" id="{7C1753AA-B843-8042-AF1F-31CCC30F8ADA}"/>
+              </a:ext>
+            </a:extLst>
+          </p:cNvPr>
+          <p:cNvSpPr/>
+          <p:nvPr/>
+        </p:nvSpPr>
+        <p:spPr>
+          <a:xfrm>
+            <a:off x="0" y="0"/>
+            <a:ext cx="9416716" cy="369332"/>
+          </a:xfrm>
+          <a:prstGeom prst="rect">
+            <a:avLst/>
+          </a:prstGeom>
+        </p:spPr>
+        <p:txBody>
+          <a:bodyPr wrap="square">
+            <a:spAutoFit/>
+          </a:bodyPr>
+          <a:lstStyle/>
+          <a:p>
+            <a:r>
+              <a:rPr lang="en-US" dirty="0">
+                <a:latin typeface="Lato Black" panose="020F0A02020204030203" pitchFamily="34" charset="77"/>
+              </a:rPr>
+              <a:t>https://</a:t>
+            </a:r>
+            <a:r>
+              <a:rPr lang="en-US" dirty="0" err="1">
+                <a:latin typeface="Lato Black" panose="020F0A02020204030203" pitchFamily="34" charset="77"/>
+              </a:rPr>
+              <a:t>github.com</a:t>
+            </a:r>
+            <a:r>
+              <a:rPr lang="en-US" dirty="0">
+                <a:latin typeface="Lato Black" panose="020F0A02020204030203" pitchFamily="34" charset="77"/>
+              </a:rPr>
+              <a:t>/CA-MERN/MERN-Part-A-Docs/blob/main/diagrams/</a:t>
+            </a:r>
+            <a:r>
+              <a:rPr lang="en-US" dirty="0" err="1">
+                <a:latin typeface="Lato Black" panose="020F0A02020204030203" pitchFamily="34" charset="77"/>
+              </a:rPr>
+              <a:t>aad.png</a:t>
+            </a:r>
+            <a:endParaRPr lang="en-US" dirty="0">
+              <a:latin typeface="Lato Black" panose="020F0A02020204030203" pitchFamily="34" charset="77"/>
+            </a:endParaRPr>
           </a:p>
         </p:txBody>
       </p:sp>
@@ -4373,6 +6754,139 @@
     <p:extLst>
       <p:ext uri="{BB962C8B-B14F-4D97-AF65-F5344CB8AC3E}">
         <p14:creationId xmlns:p14="http://schemas.microsoft.com/office/powerpoint/2010/main" val="1559976275"/>
+      </p:ext>
+    </p:extLst>
+  </p:cSld>
+  <p:clrMapOvr>
+    <a:masterClrMapping/>
+  </p:clrMapOvr>
+</p:sld>
+</file>
+
+<file path=ppt/slides/slide19.xml><?xml version="1.0" encoding="utf-8"?>
+<p:sld xmlns:a="http://schemas.openxmlformats.org/drawingml/2006/main" xmlns:r="http://schemas.openxmlformats.org/officeDocument/2006/relationships" xmlns:p="http://schemas.openxmlformats.org/presentationml/2006/main">
+  <p:cSld>
+    <p:bg>
+      <p:bgPr>
+        <a:blipFill dpi="0" rotWithShape="1">
+          <a:blip r:embed="rId3">
+            <a:alphaModFix amt="59000"/>
+            <a:lum/>
+          </a:blip>
+          <a:srcRect/>
+          <a:stretch>
+            <a:fillRect t="-21000" b="-21000"/>
+          </a:stretch>
+        </a:blipFill>
+        <a:effectLst/>
+      </p:bgPr>
+    </p:bg>
+    <p:spTree>
+      <p:nvGrpSpPr>
+        <p:cNvPr id="1" name=""/>
+        <p:cNvGrpSpPr/>
+        <p:nvPr/>
+      </p:nvGrpSpPr>
+      <p:grpSpPr>
+        <a:xfrm>
+          <a:off x="0" y="0"/>
+          <a:ext cx="0" cy="0"/>
+          <a:chOff x="0" y="0"/>
+          <a:chExt cx="0" cy="0"/>
+        </a:xfrm>
+      </p:grpSpPr>
+      <p:sp>
+        <p:nvSpPr>
+          <p:cNvPr id="2" name="Title 1">
+            <a:extLst>
+              <a:ext uri="{FF2B5EF4-FFF2-40B4-BE49-F238E27FC236}">
+                <a16:creationId xmlns:a16="http://schemas.microsoft.com/office/drawing/2014/main" id="{56744057-E546-C742-9EA3-BBE713E20695}"/>
+              </a:ext>
+            </a:extLst>
+          </p:cNvPr>
+          <p:cNvSpPr>
+            <a:spLocks noGrp="1"/>
+          </p:cNvSpPr>
+          <p:nvPr>
+            <p:ph type="ctrTitle"/>
+          </p:nvPr>
+        </p:nvSpPr>
+        <p:spPr>
+          <a:xfrm>
+            <a:off x="2736125" y="361949"/>
+            <a:ext cx="3207476" cy="1128169"/>
+          </a:xfrm>
+        </p:spPr>
+        <p:txBody>
+          <a:bodyPr>
+            <a:normAutofit/>
+          </a:bodyPr>
+          <a:lstStyle/>
+          <a:p>
+            <a:r>
+              <a:rPr lang="en-US" b="1" dirty="0">
+                <a:solidFill>
+                  <a:srgbClr val="3D7300"/>
+                </a:solidFill>
+                <a:latin typeface="Paytone One" pitchFamily="2" charset="77"/>
+                <a:cs typeface="Damascus" pitchFamily="2" charset="-78"/>
+              </a:rPr>
+              <a:t>When:</a:t>
+            </a:r>
+          </a:p>
+        </p:txBody>
+      </p:sp>
+      <p:pic>
+        <p:nvPicPr>
+          <p:cNvPr id="15362" name="Picture 2" descr="Trello Screen Shot 2">
+            <a:extLst>
+              <a:ext uri="{FF2B5EF4-FFF2-40B4-BE49-F238E27FC236}">
+                <a16:creationId xmlns:a16="http://schemas.microsoft.com/office/drawing/2014/main" id="{FD0F7A52-FD7D-644C-B85F-9E26DADA1A20}"/>
+              </a:ext>
+            </a:extLst>
+          </p:cNvPr>
+          <p:cNvPicPr>
+            <a:picLocks noChangeAspect="1" noChangeArrowheads="1"/>
+          </p:cNvPicPr>
+          <p:nvPr/>
+        </p:nvPicPr>
+        <p:blipFill>
+          <a:blip r:embed="rId4">
+            <a:extLst>
+              <a:ext uri="{28A0092B-C50C-407E-A947-70E740481C1C}">
+                <a14:useLocalDpi xmlns:a14="http://schemas.microsoft.com/office/drawing/2010/main" val="0"/>
+              </a:ext>
+            </a:extLst>
+          </a:blip>
+          <a:srcRect/>
+          <a:stretch>
+            <a:fillRect/>
+          </a:stretch>
+        </p:blipFill>
+        <p:spPr bwMode="auto">
+          <a:xfrm>
+            <a:off x="561474" y="1490118"/>
+            <a:ext cx="11261558" cy="5359505"/>
+          </a:xfrm>
+          <a:prstGeom prst="rect">
+            <a:avLst/>
+          </a:prstGeom>
+          <a:noFill/>
+          <a:extLst>
+            <a:ext uri="{909E8E84-426E-40DD-AFC4-6F175D3DCCD1}">
+              <a14:hiddenFill xmlns:a14="http://schemas.microsoft.com/office/drawing/2010/main">
+                <a:solidFill>
+                  <a:srgbClr val="FFFFFF"/>
+                </a:solidFill>
+              </a14:hiddenFill>
+            </a:ext>
+          </a:extLst>
+        </p:spPr>
+      </p:pic>
+    </p:spTree>
+    <p:extLst>
+      <p:ext uri="{BB962C8B-B14F-4D97-AF65-F5344CB8AC3E}">
+        <p14:creationId xmlns:p14="http://schemas.microsoft.com/office/powerpoint/2010/main" val="3440844709"/>
       </p:ext>
     </p:extLst>
   </p:cSld>
@@ -4519,7 +7033,7 @@
     <p:bg>
       <p:bgPr>
         <a:blipFill dpi="0" rotWithShape="1">
-          <a:blip r:embed="rId2">
+          <a:blip r:embed="rId3">
             <a:alphaModFix amt="59000"/>
             <a:lum/>
           </a:blip>
@@ -4563,8 +7077,8 @@
         </p:nvSpPr>
         <p:spPr>
           <a:xfrm>
-            <a:off x="2736124" y="361949"/>
-            <a:ext cx="5749508" cy="1128169"/>
+            <a:off x="2736125" y="361949"/>
+            <a:ext cx="3207476" cy="1128169"/>
           </a:xfrm>
         </p:spPr>
         <p:txBody>
@@ -4581,125 +7095,62 @@
                 <a:latin typeface="Paytone One" pitchFamily="2" charset="77"/>
                 <a:cs typeface="Damascus" pitchFamily="2" charset="-78"/>
               </a:rPr>
-              <a:t>MVP Features:</a:t>
-            </a:r>
-          </a:p>
-        </p:txBody>
-      </p:sp>
-      <p:sp>
-        <p:nvSpPr>
-          <p:cNvPr id="5" name="TextBox 4">
-            <a:extLst>
-              <a:ext uri="{FF2B5EF4-FFF2-40B4-BE49-F238E27FC236}">
-                <a16:creationId xmlns:a16="http://schemas.microsoft.com/office/drawing/2014/main" id="{D0B0D982-FAAC-E14C-A473-619D32B4B171}"/>
-              </a:ext>
-            </a:extLst>
-          </p:cNvPr>
-          <p:cNvSpPr txBox="1"/>
+              <a:t>What:</a:t>
+            </a:r>
+          </a:p>
+        </p:txBody>
+      </p:sp>
+      <p:pic>
+        <p:nvPicPr>
+          <p:cNvPr id="10242" name="Picture 2" descr="Mobile Wireframe 1">
+            <a:extLst>
+              <a:ext uri="{FF2B5EF4-FFF2-40B4-BE49-F238E27FC236}">
+                <a16:creationId xmlns:a16="http://schemas.microsoft.com/office/drawing/2014/main" id="{8EB36C35-6304-8541-A4B5-61A31AB141BB}"/>
+              </a:ext>
+            </a:extLst>
+          </p:cNvPr>
+          <p:cNvPicPr>
+            <a:picLocks noChangeAspect="1" noChangeArrowheads="1"/>
+          </p:cNvPicPr>
           <p:nvPr/>
-        </p:nvSpPr>
-        <p:spPr>
+        </p:nvPicPr>
+        <p:blipFill>
+          <a:blip r:embed="rId4">
+            <a:extLst>
+              <a:ext uri="{28A0092B-C50C-407E-A947-70E740481C1C}">
+                <a14:useLocalDpi xmlns:a14="http://schemas.microsoft.com/office/drawing/2010/main" val="0"/>
+              </a:ext>
+            </a:extLst>
+          </a:blip>
+          <a:srcRect/>
+          <a:stretch>
+            <a:fillRect/>
+          </a:stretch>
+        </p:blipFill>
+        <p:spPr bwMode="auto">
           <a:xfrm>
-            <a:off x="4552950" y="1905000"/>
-            <a:ext cx="7187946" cy="4401205"/>
+            <a:off x="4519455" y="1363579"/>
+            <a:ext cx="7136388" cy="5494421"/>
           </a:xfrm>
           <a:prstGeom prst="rect">
             <a:avLst/>
           </a:prstGeom>
           <a:noFill/>
+          <a:extLst>
+            <a:ext uri="{909E8E84-426E-40DD-AFC4-6F175D3DCCD1}">
+              <a14:hiddenFill xmlns:a14="http://schemas.microsoft.com/office/drawing/2010/main">
+                <a:solidFill>
+                  <a:srgbClr val="FFFFFF"/>
+                </a:solidFill>
+              </a14:hiddenFill>
+            </a:ext>
+          </a:extLst>
         </p:spPr>
-        <p:txBody>
-          <a:bodyPr wrap="square" rtlCol="0">
-            <a:spAutoFit/>
-          </a:bodyPr>
-          <a:lstStyle/>
-          <a:p>
-            <a:pPr marL="571500" indent="-571500">
-              <a:buFontTx/>
-              <a:buChar char="-"/>
-            </a:pPr>
-            <a:r>
-              <a:rPr lang="en-US" sz="4000" dirty="0">
-                <a:latin typeface="Lato Black" panose="020F0A02020204030203" pitchFamily="34" charset="77"/>
-              </a:rPr>
-              <a:t>Authentication.</a:t>
-            </a:r>
-          </a:p>
-          <a:p>
-            <a:pPr marL="571500" indent="-571500">
-              <a:buFontTx/>
-              <a:buChar char="-"/>
-            </a:pPr>
-            <a:r>
-              <a:rPr lang="en-US" sz="4000" dirty="0">
-                <a:latin typeface="Lato Black" panose="020F0A02020204030203" pitchFamily="34" charset="77"/>
-              </a:rPr>
-              <a:t>User accounts.</a:t>
-            </a:r>
-          </a:p>
-          <a:p>
-            <a:pPr marL="571500" indent="-571500">
-              <a:buFontTx/>
-              <a:buChar char="-"/>
-            </a:pPr>
-            <a:r>
-              <a:rPr lang="en-US" sz="4000" dirty="0">
-                <a:latin typeface="Lato Black" panose="020F0A02020204030203" pitchFamily="34" charset="77"/>
-              </a:rPr>
-              <a:t>User preferences.</a:t>
-            </a:r>
-          </a:p>
-          <a:p>
-            <a:pPr marL="571500" indent="-571500">
-              <a:buFontTx/>
-              <a:buChar char="-"/>
-            </a:pPr>
-            <a:r>
-              <a:rPr lang="en-US" sz="4000" dirty="0">
-                <a:latin typeface="Lato Black" panose="020F0A02020204030203" pitchFamily="34" charset="77"/>
-              </a:rPr>
-              <a:t>Fridge/pantry ingredients.</a:t>
-            </a:r>
-          </a:p>
-          <a:p>
-            <a:pPr marL="571500" indent="-571500">
-              <a:buFontTx/>
-              <a:buChar char="-"/>
-            </a:pPr>
-            <a:r>
-              <a:rPr lang="en-US" sz="4000" dirty="0">
-                <a:latin typeface="Lato Black" panose="020F0A02020204030203" pitchFamily="34" charset="77"/>
-              </a:rPr>
-              <a:t>Recipe search.</a:t>
-            </a:r>
-          </a:p>
-          <a:p>
-            <a:pPr marL="571500" indent="-571500">
-              <a:buFontTx/>
-              <a:buChar char="-"/>
-            </a:pPr>
-            <a:r>
-              <a:rPr lang="en-US" sz="4000" dirty="0">
-                <a:latin typeface="Lato Black" panose="020F0A02020204030203" pitchFamily="34" charset="77"/>
-              </a:rPr>
-              <a:t>Save recipes.</a:t>
-            </a:r>
-          </a:p>
-          <a:p>
-            <a:pPr marL="571500" indent="-571500">
-              <a:buFontTx/>
-              <a:buChar char="-"/>
-            </a:pPr>
-            <a:endParaRPr lang="en-US" sz="4000" dirty="0">
-              <a:latin typeface="Lato Black" panose="020F0A02020204030203" pitchFamily="34" charset="77"/>
-            </a:endParaRPr>
-          </a:p>
-        </p:txBody>
-      </p:sp>
+      </p:pic>
     </p:spTree>
     <p:extLst>
       <p:ext uri="{BB962C8B-B14F-4D97-AF65-F5344CB8AC3E}">
-        <p14:creationId xmlns:p14="http://schemas.microsoft.com/office/powerpoint/2010/main" val="1660904669"/>
+        <p14:creationId xmlns:p14="http://schemas.microsoft.com/office/powerpoint/2010/main" val="1886920383"/>
       </p:ext>
     </p:extLst>
   </p:cSld>
@@ -4715,7 +7166,7 @@
     <p:bg>
       <p:bgPr>
         <a:blipFill dpi="0" rotWithShape="1">
-          <a:blip r:embed="rId2">
+          <a:blip r:embed="rId3">
             <a:alphaModFix amt="59000"/>
             <a:lum/>
           </a:blip>
@@ -4759,13 +7210,13 @@
         </p:nvSpPr>
         <p:spPr>
           <a:xfrm>
-            <a:off x="2736124" y="361949"/>
-            <a:ext cx="5749508" cy="1128169"/>
+            <a:off x="2736125" y="361949"/>
+            <a:ext cx="3207476" cy="1128169"/>
           </a:xfrm>
         </p:spPr>
         <p:txBody>
           <a:bodyPr>
-            <a:normAutofit fontScale="90000"/>
+            <a:normAutofit/>
           </a:bodyPr>
           <a:lstStyle/>
           <a:p>
@@ -4777,134 +7228,62 @@
                 <a:latin typeface="Paytone One" pitchFamily="2" charset="77"/>
                 <a:cs typeface="Damascus" pitchFamily="2" charset="-78"/>
               </a:rPr>
-              <a:t>Extra Features:</a:t>
-            </a:r>
-          </a:p>
-        </p:txBody>
-      </p:sp>
-      <p:sp>
-        <p:nvSpPr>
-          <p:cNvPr id="5" name="TextBox 4">
-            <a:extLst>
-              <a:ext uri="{FF2B5EF4-FFF2-40B4-BE49-F238E27FC236}">
-                <a16:creationId xmlns:a16="http://schemas.microsoft.com/office/drawing/2014/main" id="{D0B0D982-FAAC-E14C-A473-619D32B4B171}"/>
-              </a:ext>
-            </a:extLst>
-          </p:cNvPr>
-          <p:cNvSpPr txBox="1"/>
+              <a:t>What:</a:t>
+            </a:r>
+          </a:p>
+        </p:txBody>
+      </p:sp>
+      <p:pic>
+        <p:nvPicPr>
+          <p:cNvPr id="11272" name="Picture 8" descr="tablet.jpg">
+            <a:extLst>
+              <a:ext uri="{FF2B5EF4-FFF2-40B4-BE49-F238E27FC236}">
+                <a16:creationId xmlns:a16="http://schemas.microsoft.com/office/drawing/2014/main" id="{7000577D-1327-C84E-AD2B-82B7F251C05C}"/>
+              </a:ext>
+            </a:extLst>
+          </p:cNvPr>
+          <p:cNvPicPr>
+            <a:picLocks noChangeAspect="1" noChangeArrowheads="1"/>
+          </p:cNvPicPr>
           <p:nvPr/>
-        </p:nvSpPr>
-        <p:spPr>
+        </p:nvPicPr>
+        <p:blipFill>
+          <a:blip r:embed="rId4">
+            <a:extLst>
+              <a:ext uri="{28A0092B-C50C-407E-A947-70E740481C1C}">
+                <a14:useLocalDpi xmlns:a14="http://schemas.microsoft.com/office/drawing/2010/main" val="0"/>
+              </a:ext>
+            </a:extLst>
+          </a:blip>
+          <a:srcRect/>
+          <a:stretch>
+            <a:fillRect/>
+          </a:stretch>
+        </p:blipFill>
+        <p:spPr bwMode="auto">
           <a:xfrm>
-            <a:off x="4552950" y="1905000"/>
-            <a:ext cx="7187946" cy="4401205"/>
+            <a:off x="4339863" y="1490118"/>
+            <a:ext cx="6680031" cy="5367882"/>
           </a:xfrm>
           <a:prstGeom prst="rect">
             <a:avLst/>
           </a:prstGeom>
           <a:noFill/>
+          <a:extLst>
+            <a:ext uri="{909E8E84-426E-40DD-AFC4-6F175D3DCCD1}">
+              <a14:hiddenFill xmlns:a14="http://schemas.microsoft.com/office/drawing/2010/main">
+                <a:solidFill>
+                  <a:srgbClr val="FFFFFF"/>
+                </a:solidFill>
+              </a14:hiddenFill>
+            </a:ext>
+          </a:extLst>
         </p:spPr>
-        <p:txBody>
-          <a:bodyPr wrap="square" rtlCol="0">
-            <a:spAutoFit/>
-          </a:bodyPr>
-          <a:lstStyle/>
-          <a:p>
-            <a:pPr marL="571500" indent="-571500">
-              <a:buFontTx/>
-              <a:buChar char="-"/>
-            </a:pPr>
-            <a:r>
-              <a:rPr lang="en-US" sz="4000" dirty="0">
-                <a:latin typeface="Lato Black" panose="020F0A02020204030203" pitchFamily="34" charset="77"/>
-              </a:rPr>
-              <a:t>Search history.</a:t>
-            </a:r>
-          </a:p>
-          <a:p>
-            <a:pPr marL="571500" indent="-571500">
-              <a:buFontTx/>
-              <a:buChar char="-"/>
-            </a:pPr>
-            <a:r>
-              <a:rPr lang="en-US" sz="4000" dirty="0" err="1">
-                <a:latin typeface="Lato Black" panose="020F0A02020204030203" pitchFamily="34" charset="77"/>
-              </a:rPr>
-              <a:t>Oauth</a:t>
-            </a:r>
-            <a:r>
-              <a:rPr lang="en-US" sz="4000" dirty="0">
-                <a:latin typeface="Lato Black" panose="020F0A02020204030203" pitchFamily="34" charset="77"/>
-              </a:rPr>
-              <a:t>.</a:t>
-            </a:r>
-          </a:p>
-          <a:p>
-            <a:pPr marL="571500" indent="-571500">
-              <a:buFontTx/>
-              <a:buChar char="-"/>
-            </a:pPr>
-            <a:r>
-              <a:rPr lang="en-US" sz="4000" dirty="0">
-                <a:latin typeface="Lato Black" panose="020F0A02020204030203" pitchFamily="34" charset="77"/>
-              </a:rPr>
-              <a:t>Recipe of the week.</a:t>
-            </a:r>
-          </a:p>
-          <a:p>
-            <a:pPr marL="571500" indent="-571500">
-              <a:buFontTx/>
-              <a:buChar char="-"/>
-            </a:pPr>
-            <a:r>
-              <a:rPr lang="en-US" sz="4000" dirty="0">
-                <a:latin typeface="Lato Black" panose="020F0A02020204030203" pitchFamily="34" charset="77"/>
-              </a:rPr>
-              <a:t>Collections.</a:t>
-            </a:r>
-          </a:p>
-          <a:p>
-            <a:pPr marL="571500" indent="-571500">
-              <a:buFontTx/>
-              <a:buChar char="-"/>
-            </a:pPr>
-            <a:r>
-              <a:rPr lang="en-US" sz="4000" dirty="0">
-                <a:latin typeface="Lato Black" panose="020F0A02020204030203" pitchFamily="34" charset="77"/>
-              </a:rPr>
-              <a:t>Meal time filter.</a:t>
-            </a:r>
-          </a:p>
-          <a:p>
-            <a:pPr marL="571500" indent="-571500">
-              <a:buFontTx/>
-              <a:buChar char="-"/>
-            </a:pPr>
-            <a:r>
-              <a:rPr lang="en-US" sz="4000" dirty="0">
-                <a:latin typeface="Lato Black" panose="020F0A02020204030203" pitchFamily="34" charset="77"/>
-              </a:rPr>
-              <a:t>Rate and review.</a:t>
-            </a:r>
-          </a:p>
-          <a:p>
-            <a:pPr marL="571500" indent="-571500">
-              <a:buFontTx/>
-              <a:buChar char="-"/>
-            </a:pPr>
-            <a:r>
-              <a:rPr lang="en-US" sz="4000" dirty="0">
-                <a:latin typeface="Lato Black" panose="020F0A02020204030203" pitchFamily="34" charset="77"/>
-              </a:rPr>
-              <a:t>Profiles.</a:t>
-            </a:r>
-          </a:p>
-        </p:txBody>
-      </p:sp>
+      </p:pic>
     </p:spTree>
     <p:extLst>
       <p:ext uri="{BB962C8B-B14F-4D97-AF65-F5344CB8AC3E}">
-        <p14:creationId xmlns:p14="http://schemas.microsoft.com/office/powerpoint/2010/main" val="2246323282"/>
+        <p14:creationId xmlns:p14="http://schemas.microsoft.com/office/powerpoint/2010/main" val="2508945010"/>
       </p:ext>
     </p:extLst>
   </p:cSld>
@@ -4920,7 +7299,7 @@
     <p:bg>
       <p:bgPr>
         <a:blipFill dpi="0" rotWithShape="1">
-          <a:blip r:embed="rId2">
+          <a:blip r:embed="rId3">
             <a:alphaModFix amt="59000"/>
             <a:lum/>
           </a:blip>
@@ -4982,127 +7361,156 @@
                 <a:latin typeface="Paytone One" pitchFamily="2" charset="77"/>
                 <a:cs typeface="Damascus" pitchFamily="2" charset="-78"/>
               </a:rPr>
-              <a:t>Who:</a:t>
-            </a:r>
-          </a:p>
-        </p:txBody>
-      </p:sp>
-      <p:sp>
-        <p:nvSpPr>
-          <p:cNvPr id="5" name="TextBox 4">
-            <a:extLst>
-              <a:ext uri="{FF2B5EF4-FFF2-40B4-BE49-F238E27FC236}">
-                <a16:creationId xmlns:a16="http://schemas.microsoft.com/office/drawing/2014/main" id="{D0B0D982-FAAC-E14C-A473-619D32B4B171}"/>
-              </a:ext>
-            </a:extLst>
-          </p:cNvPr>
-          <p:cNvSpPr txBox="1"/>
+              <a:t>What:</a:t>
+            </a:r>
+          </a:p>
+        </p:txBody>
+      </p:sp>
+      <p:pic>
+        <p:nvPicPr>
+          <p:cNvPr id="13314" name="Picture 2" descr="Desktop Wireframe 1">
+            <a:extLst>
+              <a:ext uri="{FF2B5EF4-FFF2-40B4-BE49-F238E27FC236}">
+                <a16:creationId xmlns:a16="http://schemas.microsoft.com/office/drawing/2014/main" id="{6A4837A1-EC0E-434D-8C23-5EC90C7B6AF5}"/>
+              </a:ext>
+            </a:extLst>
+          </p:cNvPr>
+          <p:cNvPicPr>
+            <a:picLocks noChangeAspect="1" noChangeArrowheads="1"/>
+          </p:cNvPicPr>
           <p:nvPr/>
-        </p:nvSpPr>
-        <p:spPr>
+        </p:nvPicPr>
+        <p:blipFill>
+          <a:blip r:embed="rId4">
+            <a:extLst>
+              <a:ext uri="{28A0092B-C50C-407E-A947-70E740481C1C}">
+                <a14:useLocalDpi xmlns:a14="http://schemas.microsoft.com/office/drawing/2010/main" val="0"/>
+              </a:ext>
+            </a:extLst>
+          </a:blip>
+          <a:srcRect/>
+          <a:stretch>
+            <a:fillRect/>
+          </a:stretch>
+        </p:blipFill>
+        <p:spPr bwMode="auto">
           <a:xfrm>
-            <a:off x="4580659" y="1490118"/>
-            <a:ext cx="8536311" cy="4708981"/>
+            <a:off x="4339863" y="1355149"/>
+            <a:ext cx="7267074" cy="5502851"/>
           </a:xfrm>
           <a:prstGeom prst="rect">
             <a:avLst/>
           </a:prstGeom>
           <a:noFill/>
+          <a:extLst>
+            <a:ext uri="{909E8E84-426E-40DD-AFC4-6F175D3DCCD1}">
+              <a14:hiddenFill xmlns:a14="http://schemas.microsoft.com/office/drawing/2010/main">
+                <a:solidFill>
+                  <a:srgbClr val="FFFFFF"/>
+                </a:solidFill>
+              </a14:hiddenFill>
+            </a:ext>
+          </a:extLst>
         </p:spPr>
-        <p:txBody>
-          <a:bodyPr wrap="none" rtlCol="0">
-            <a:spAutoFit/>
-          </a:bodyPr>
-          <a:lstStyle/>
-          <a:p>
-            <a:r>
-              <a:rPr lang="en-AU" sz="3000" b="1" dirty="0">
-                <a:latin typeface="Lato Black" panose="020F0A02020204030203" pitchFamily="34" charset="77"/>
-              </a:rPr>
-              <a:t>Key Demographics</a:t>
-            </a:r>
-            <a:endParaRPr lang="en-AU" sz="3000" dirty="0">
-              <a:latin typeface="Lato Black" panose="020F0A02020204030203" pitchFamily="34" charset="77"/>
-            </a:endParaRPr>
-          </a:p>
-          <a:p>
-            <a:r>
-              <a:rPr lang="en-AU" sz="3000" dirty="0">
-                <a:latin typeface="Lato Black" panose="020F0A02020204030203" pitchFamily="34" charset="77"/>
-              </a:rPr>
-              <a:t>Gender: Anyone, predominantly women.</a:t>
-            </a:r>
-          </a:p>
-          <a:p>
-            <a:r>
-              <a:rPr lang="en-AU" sz="3000" dirty="0">
-                <a:latin typeface="Lato Black" panose="020F0A02020204030203" pitchFamily="34" charset="77"/>
-              </a:rPr>
-              <a:t>Age: 20-55.</a:t>
-            </a:r>
-          </a:p>
-          <a:p>
-            <a:r>
-              <a:rPr lang="en-AU" sz="3000" dirty="0">
-                <a:latin typeface="Lato Black" panose="020F0A02020204030203" pitchFamily="34" charset="77"/>
-              </a:rPr>
-              <a:t>Family status: Cooking for self, partner or </a:t>
-            </a:r>
-          </a:p>
-          <a:p>
-            <a:r>
-              <a:rPr lang="en-AU" sz="3000" dirty="0">
-                <a:latin typeface="Lato Black" panose="020F0A02020204030203" pitchFamily="34" charset="77"/>
-              </a:rPr>
-              <a:t>dependents.</a:t>
-            </a:r>
-          </a:p>
-          <a:p>
-            <a:r>
-              <a:rPr lang="en-AU" sz="3000" dirty="0">
-                <a:latin typeface="Lato Black" panose="020F0A02020204030203" pitchFamily="34" charset="77"/>
-              </a:rPr>
-              <a:t>Profession: Students, professionals and </a:t>
-            </a:r>
-          </a:p>
-          <a:p>
-            <a:r>
-              <a:rPr lang="en-AU" sz="3000" dirty="0">
-                <a:latin typeface="Lato Black" panose="020F0A02020204030203" pitchFamily="34" charset="77"/>
-              </a:rPr>
-              <a:t>homemakers.</a:t>
-            </a:r>
-          </a:p>
-          <a:p>
-            <a:r>
-              <a:rPr lang="en-AU" sz="3000" dirty="0">
-                <a:latin typeface="Lato Black" panose="020F0A02020204030203" pitchFamily="34" charset="77"/>
-              </a:rPr>
-              <a:t>Language: English.</a:t>
-            </a:r>
-          </a:p>
-          <a:p>
-            <a:r>
-              <a:rPr lang="en-AU" sz="3000" dirty="0">
-                <a:latin typeface="Lato Black" panose="020F0A02020204030203" pitchFamily="34" charset="77"/>
-              </a:rPr>
-              <a:t>Main interests: cooking, health, diet, low waste, </a:t>
-            </a:r>
-          </a:p>
-          <a:p>
-            <a:r>
-              <a:rPr lang="en-AU" sz="3000" dirty="0">
-                <a:latin typeface="Lato Black" panose="020F0A02020204030203" pitchFamily="34" charset="77"/>
-              </a:rPr>
-              <a:t>saving money, trying new things.</a:t>
-            </a:r>
-          </a:p>
-        </p:txBody>
-      </p:sp>
+      </p:pic>
+      <p:pic>
+        <p:nvPicPr>
+          <p:cNvPr id="13316" name="Picture 4" descr="Nav and Footer">
+            <a:extLst>
+              <a:ext uri="{FF2B5EF4-FFF2-40B4-BE49-F238E27FC236}">
+                <a16:creationId xmlns:a16="http://schemas.microsoft.com/office/drawing/2014/main" id="{6676D954-23FE-C647-AD75-025BF8F72624}"/>
+              </a:ext>
+            </a:extLst>
+          </p:cNvPr>
+          <p:cNvPicPr>
+            <a:picLocks noChangeAspect="1" noChangeArrowheads="1"/>
+          </p:cNvPicPr>
+          <p:nvPr/>
+        </p:nvPicPr>
+        <p:blipFill>
+          <a:blip r:embed="rId5">
+            <a:extLst>
+              <a:ext uri="{28A0092B-C50C-407E-A947-70E740481C1C}">
+                <a14:useLocalDpi xmlns:a14="http://schemas.microsoft.com/office/drawing/2010/main" val="0"/>
+              </a:ext>
+            </a:extLst>
+          </a:blip>
+          <a:srcRect/>
+          <a:stretch>
+            <a:fillRect/>
+          </a:stretch>
+        </p:blipFill>
+        <p:spPr bwMode="auto">
+          <a:xfrm>
+            <a:off x="202480" y="1727637"/>
+            <a:ext cx="3335514" cy="2446421"/>
+          </a:xfrm>
+          <a:prstGeom prst="rect">
+            <a:avLst/>
+          </a:prstGeom>
+          <a:noFill/>
+          <a:extLst>
+            <a:ext uri="{909E8E84-426E-40DD-AFC4-6F175D3DCCD1}">
+              <a14:hiddenFill xmlns:a14="http://schemas.microsoft.com/office/drawing/2010/main">
+                <a:solidFill>
+                  <a:srgbClr val="FFFFFF"/>
+                </a:solidFill>
+              </a14:hiddenFill>
+            </a:ext>
+          </a:extLst>
+        </p:spPr>
+      </p:pic>
+      <p:pic>
+        <p:nvPicPr>
+          <p:cNvPr id="13318" name="Picture 6" descr="Pop Out Windows">
+            <a:extLst>
+              <a:ext uri="{FF2B5EF4-FFF2-40B4-BE49-F238E27FC236}">
+                <a16:creationId xmlns:a16="http://schemas.microsoft.com/office/drawing/2014/main" id="{C6C58821-C74F-8642-B8E1-FF0BEAB913C9}"/>
+              </a:ext>
+            </a:extLst>
+          </p:cNvPr>
+          <p:cNvPicPr>
+            <a:picLocks noChangeAspect="1" noChangeArrowheads="1"/>
+          </p:cNvPicPr>
+          <p:nvPr/>
+        </p:nvPicPr>
+        <p:blipFill>
+          <a:blip r:embed="rId6">
+            <a:extLst>
+              <a:ext uri="{28A0092B-C50C-407E-A947-70E740481C1C}">
+                <a14:useLocalDpi xmlns:a14="http://schemas.microsoft.com/office/drawing/2010/main" val="0"/>
+              </a:ext>
+            </a:extLst>
+          </a:blip>
+          <a:srcRect/>
+          <a:stretch>
+            <a:fillRect/>
+          </a:stretch>
+        </p:blipFill>
+        <p:spPr bwMode="auto">
+          <a:xfrm>
+            <a:off x="228037" y="4411577"/>
+            <a:ext cx="3309957" cy="2366211"/>
+          </a:xfrm>
+          <a:prstGeom prst="rect">
+            <a:avLst/>
+          </a:prstGeom>
+          <a:noFill/>
+          <a:extLst>
+            <a:ext uri="{909E8E84-426E-40DD-AFC4-6F175D3DCCD1}">
+              <a14:hiddenFill xmlns:a14="http://schemas.microsoft.com/office/drawing/2010/main">
+                <a:solidFill>
+                  <a:srgbClr val="FFFFFF"/>
+                </a:solidFill>
+              </a14:hiddenFill>
+            </a:ext>
+          </a:extLst>
+        </p:spPr>
+      </p:pic>
     </p:spTree>
     <p:extLst>
       <p:ext uri="{BB962C8B-B14F-4D97-AF65-F5344CB8AC3E}">
-        <p14:creationId xmlns:p14="http://schemas.microsoft.com/office/powerpoint/2010/main" val="485955279"/>
+        <p14:creationId xmlns:p14="http://schemas.microsoft.com/office/powerpoint/2010/main" val="2792595928"/>
       </p:ext>
     </p:extLst>
   </p:cSld>
@@ -5118,7 +7526,7 @@
     <p:bg>
       <p:bgPr>
         <a:blipFill dpi="0" rotWithShape="1">
-          <a:blip r:embed="rId2">
+          <a:blip r:embed="rId3">
             <a:alphaModFix amt="59000"/>
             <a:lum/>
           </a:blip>
@@ -5180,95 +7588,156 @@
                 <a:latin typeface="Paytone One" pitchFamily="2" charset="77"/>
                 <a:cs typeface="Damascus" pitchFamily="2" charset="-78"/>
               </a:rPr>
-              <a:t>Who:</a:t>
-            </a:r>
-          </a:p>
-        </p:txBody>
-      </p:sp>
-      <p:sp>
-        <p:nvSpPr>
-          <p:cNvPr id="5" name="TextBox 4">
-            <a:extLst>
-              <a:ext uri="{FF2B5EF4-FFF2-40B4-BE49-F238E27FC236}">
-                <a16:creationId xmlns:a16="http://schemas.microsoft.com/office/drawing/2014/main" id="{D0B0D982-FAAC-E14C-A473-619D32B4B171}"/>
-              </a:ext>
-            </a:extLst>
-          </p:cNvPr>
-          <p:cNvSpPr txBox="1"/>
+              <a:t>What:</a:t>
+            </a:r>
+          </a:p>
+        </p:txBody>
+      </p:sp>
+      <p:pic>
+        <p:nvPicPr>
+          <p:cNvPr id="13314" name="Picture 2" descr="Desktop Wireframe 1">
+            <a:extLst>
+              <a:ext uri="{FF2B5EF4-FFF2-40B4-BE49-F238E27FC236}">
+                <a16:creationId xmlns:a16="http://schemas.microsoft.com/office/drawing/2014/main" id="{6A4837A1-EC0E-434D-8C23-5EC90C7B6AF5}"/>
+              </a:ext>
+            </a:extLst>
+          </p:cNvPr>
+          <p:cNvPicPr>
+            <a:picLocks noChangeAspect="1" noChangeArrowheads="1"/>
+          </p:cNvPicPr>
           <p:nvPr/>
-        </p:nvSpPr>
-        <p:spPr>
+        </p:nvPicPr>
+        <p:blipFill>
+          <a:blip r:embed="rId4">
+            <a:extLst>
+              <a:ext uri="{28A0092B-C50C-407E-A947-70E740481C1C}">
+                <a14:useLocalDpi xmlns:a14="http://schemas.microsoft.com/office/drawing/2010/main" val="0"/>
+              </a:ext>
+            </a:extLst>
+          </a:blip>
+          <a:srcRect/>
+          <a:stretch>
+            <a:fillRect/>
+          </a:stretch>
+        </p:blipFill>
+        <p:spPr bwMode="auto">
           <a:xfrm>
-            <a:off x="4580659" y="1490118"/>
-            <a:ext cx="6986208" cy="2862322"/>
+            <a:off x="4339863" y="1355149"/>
+            <a:ext cx="7267074" cy="5502851"/>
           </a:xfrm>
           <a:prstGeom prst="rect">
             <a:avLst/>
           </a:prstGeom>
           <a:noFill/>
+          <a:extLst>
+            <a:ext uri="{909E8E84-426E-40DD-AFC4-6F175D3DCCD1}">
+              <a14:hiddenFill xmlns:a14="http://schemas.microsoft.com/office/drawing/2010/main">
+                <a:solidFill>
+                  <a:srgbClr val="FFFFFF"/>
+                </a:solidFill>
+              </a14:hiddenFill>
+            </a:ext>
+          </a:extLst>
         </p:spPr>
-        <p:txBody>
-          <a:bodyPr wrap="none" rtlCol="0">
-            <a:spAutoFit/>
-          </a:bodyPr>
-          <a:lstStyle/>
-          <a:p>
-            <a:r>
-              <a:rPr lang="en-AU" sz="3000" b="1" dirty="0">
-                <a:latin typeface="Lato Black" panose="020F0A02020204030203" pitchFamily="34" charset="77"/>
-              </a:rPr>
-              <a:t>Key Psychographics</a:t>
-            </a:r>
-            <a:endParaRPr lang="en-AU" sz="3000" dirty="0">
-              <a:latin typeface="Lato Black" panose="020F0A02020204030203" pitchFamily="34" charset="77"/>
-            </a:endParaRPr>
-          </a:p>
-          <a:p>
-            <a:r>
-              <a:rPr lang="en-AU" sz="3000" dirty="0">
-                <a:latin typeface="Lato Black" panose="020F0A02020204030203" pitchFamily="34" charset="77"/>
-              </a:rPr>
-              <a:t>Dislikes repetitive meals, like variety </a:t>
-            </a:r>
-          </a:p>
-          <a:p>
-            <a:r>
-              <a:rPr lang="en-AU" sz="3000" dirty="0">
-                <a:latin typeface="Lato Black" panose="020F0A02020204030203" pitchFamily="34" charset="77"/>
-              </a:rPr>
-              <a:t>and new options.</a:t>
-            </a:r>
-          </a:p>
-          <a:p>
-            <a:r>
-              <a:rPr lang="en-AU" sz="3000" dirty="0">
-                <a:latin typeface="Lato Black" panose="020F0A02020204030203" pitchFamily="34" charset="77"/>
-              </a:rPr>
-              <a:t>Dislikes spending lots of money on lots </a:t>
-            </a:r>
-          </a:p>
-          <a:p>
-            <a:r>
-              <a:rPr lang="en-AU" sz="3000" dirty="0">
-                <a:latin typeface="Lato Black" panose="020F0A02020204030203" pitchFamily="34" charset="77"/>
-              </a:rPr>
-              <a:t>of ingredients and food waste.</a:t>
-            </a:r>
-          </a:p>
-          <a:p>
-            <a:r>
-              <a:rPr lang="en-AU" sz="3000" dirty="0">
-                <a:latin typeface="Lato Black" panose="020F0A02020204030203" pitchFamily="34" charset="77"/>
-              </a:rPr>
-              <a:t>Enjoys sharing and preparing meals.</a:t>
-            </a:r>
-          </a:p>
-        </p:txBody>
-      </p:sp>
+      </p:pic>
+      <p:pic>
+        <p:nvPicPr>
+          <p:cNvPr id="13316" name="Picture 4" descr="Nav and Footer">
+            <a:extLst>
+              <a:ext uri="{FF2B5EF4-FFF2-40B4-BE49-F238E27FC236}">
+                <a16:creationId xmlns:a16="http://schemas.microsoft.com/office/drawing/2014/main" id="{6676D954-23FE-C647-AD75-025BF8F72624}"/>
+              </a:ext>
+            </a:extLst>
+          </p:cNvPr>
+          <p:cNvPicPr>
+            <a:picLocks noChangeAspect="1" noChangeArrowheads="1"/>
+          </p:cNvPicPr>
+          <p:nvPr/>
+        </p:nvPicPr>
+        <p:blipFill>
+          <a:blip r:embed="rId5">
+            <a:extLst>
+              <a:ext uri="{28A0092B-C50C-407E-A947-70E740481C1C}">
+                <a14:useLocalDpi xmlns:a14="http://schemas.microsoft.com/office/drawing/2010/main" val="0"/>
+              </a:ext>
+            </a:extLst>
+          </a:blip>
+          <a:srcRect/>
+          <a:stretch>
+            <a:fillRect/>
+          </a:stretch>
+        </p:blipFill>
+        <p:spPr bwMode="auto">
+          <a:xfrm>
+            <a:off x="202480" y="1727637"/>
+            <a:ext cx="3335514" cy="2446421"/>
+          </a:xfrm>
+          <a:prstGeom prst="rect">
+            <a:avLst/>
+          </a:prstGeom>
+          <a:noFill/>
+          <a:extLst>
+            <a:ext uri="{909E8E84-426E-40DD-AFC4-6F175D3DCCD1}">
+              <a14:hiddenFill xmlns:a14="http://schemas.microsoft.com/office/drawing/2010/main">
+                <a:solidFill>
+                  <a:srgbClr val="FFFFFF"/>
+                </a:solidFill>
+              </a14:hiddenFill>
+            </a:ext>
+          </a:extLst>
+        </p:spPr>
+      </p:pic>
+      <p:pic>
+        <p:nvPicPr>
+          <p:cNvPr id="13318" name="Picture 6" descr="Pop Out Windows">
+            <a:extLst>
+              <a:ext uri="{FF2B5EF4-FFF2-40B4-BE49-F238E27FC236}">
+                <a16:creationId xmlns:a16="http://schemas.microsoft.com/office/drawing/2014/main" id="{C6C58821-C74F-8642-B8E1-FF0BEAB913C9}"/>
+              </a:ext>
+            </a:extLst>
+          </p:cNvPr>
+          <p:cNvPicPr>
+            <a:picLocks noChangeAspect="1" noChangeArrowheads="1"/>
+          </p:cNvPicPr>
+          <p:nvPr/>
+        </p:nvPicPr>
+        <p:blipFill>
+          <a:blip r:embed="rId6">
+            <a:extLst>
+              <a:ext uri="{28A0092B-C50C-407E-A947-70E740481C1C}">
+                <a14:useLocalDpi xmlns:a14="http://schemas.microsoft.com/office/drawing/2010/main" val="0"/>
+              </a:ext>
+            </a:extLst>
+          </a:blip>
+          <a:srcRect/>
+          <a:stretch>
+            <a:fillRect/>
+          </a:stretch>
+        </p:blipFill>
+        <p:spPr bwMode="auto">
+          <a:xfrm>
+            <a:off x="228037" y="4411577"/>
+            <a:ext cx="3309957" cy="2366211"/>
+          </a:xfrm>
+          <a:prstGeom prst="rect">
+            <a:avLst/>
+          </a:prstGeom>
+          <a:noFill/>
+          <a:extLst>
+            <a:ext uri="{909E8E84-426E-40DD-AFC4-6F175D3DCCD1}">
+              <a14:hiddenFill xmlns:a14="http://schemas.microsoft.com/office/drawing/2010/main">
+                <a:solidFill>
+                  <a:srgbClr val="FFFFFF"/>
+                </a:solidFill>
+              </a14:hiddenFill>
+            </a:ext>
+          </a:extLst>
+        </p:spPr>
+      </p:pic>
     </p:spTree>
     <p:extLst>
       <p:ext uri="{BB962C8B-B14F-4D97-AF65-F5344CB8AC3E}">
-        <p14:creationId xmlns:p14="http://schemas.microsoft.com/office/powerpoint/2010/main" val="1750250365"/>
+        <p14:creationId xmlns:p14="http://schemas.microsoft.com/office/powerpoint/2010/main" val="2663590013"/>
       </p:ext>
     </p:extLst>
   </p:cSld>
@@ -5284,7 +7753,7 @@
     <p:bg>
       <p:bgPr>
         <a:blipFill dpi="0" rotWithShape="1">
-          <a:blip r:embed="rId2">
+          <a:blip r:embed="rId3">
             <a:alphaModFix amt="59000"/>
             <a:lum/>
           </a:blip>
@@ -5310,143 +7779,158 @@
           <a:chExt cx="0" cy="0"/>
         </a:xfrm>
       </p:grpSpPr>
-      <p:sp>
-        <p:nvSpPr>
-          <p:cNvPr id="2" name="Title 1">
-            <a:extLst>
-              <a:ext uri="{FF2B5EF4-FFF2-40B4-BE49-F238E27FC236}">
-                <a16:creationId xmlns:a16="http://schemas.microsoft.com/office/drawing/2014/main" id="{56744057-E546-C742-9EA3-BBE713E20695}"/>
-              </a:ext>
-            </a:extLst>
-          </p:cNvPr>
-          <p:cNvSpPr>
-            <a:spLocks noGrp="1"/>
-          </p:cNvSpPr>
-          <p:nvPr>
-            <p:ph type="ctrTitle"/>
-          </p:nvPr>
-        </p:nvSpPr>
-        <p:spPr>
+      <p:pic>
+        <p:nvPicPr>
+          <p:cNvPr id="10242" name="Picture 2" descr="Mobile Wireframe 1">
+            <a:extLst>
+              <a:ext uri="{FF2B5EF4-FFF2-40B4-BE49-F238E27FC236}">
+                <a16:creationId xmlns:a16="http://schemas.microsoft.com/office/drawing/2014/main" id="{8EB36C35-6304-8541-A4B5-61A31AB141BB}"/>
+              </a:ext>
+            </a:extLst>
+          </p:cNvPr>
+          <p:cNvPicPr>
+            <a:picLocks noChangeAspect="1" noChangeArrowheads="1"/>
+          </p:cNvPicPr>
+          <p:nvPr/>
+        </p:nvPicPr>
+        <p:blipFill rotWithShape="1">
+          <a:blip r:embed="rId4">
+            <a:extLst>
+              <a:ext uri="{28A0092B-C50C-407E-A947-70E740481C1C}">
+                <a14:useLocalDpi xmlns:a14="http://schemas.microsoft.com/office/drawing/2010/main" val="0"/>
+              </a:ext>
+            </a:extLst>
+          </a:blip>
+          <a:srcRect l="38707" t="69746" r="50917" b="6181"/>
+          <a:stretch/>
+        </p:blipFill>
+        <p:spPr bwMode="auto">
           <a:xfrm>
-            <a:off x="2736125" y="361949"/>
-            <a:ext cx="3207476" cy="1128169"/>
-          </a:xfrm>
-        </p:spPr>
-        <p:txBody>
-          <a:bodyPr>
-            <a:normAutofit/>
-          </a:bodyPr>
-          <a:lstStyle/>
-          <a:p>
-            <a:r>
-              <a:rPr lang="en-US" b="1" dirty="0">
-                <a:solidFill>
-                  <a:srgbClr val="3D7300"/>
-                </a:solidFill>
-                <a:latin typeface="Paytone One" pitchFamily="2" charset="77"/>
-                <a:cs typeface="Damascus" pitchFamily="2" charset="-78"/>
-              </a:rPr>
-              <a:t>Who:</a:t>
-            </a:r>
-          </a:p>
-        </p:txBody>
-      </p:sp>
-      <p:sp>
-        <p:nvSpPr>
-          <p:cNvPr id="5" name="TextBox 4">
-            <a:extLst>
-              <a:ext uri="{FF2B5EF4-FFF2-40B4-BE49-F238E27FC236}">
-                <a16:creationId xmlns:a16="http://schemas.microsoft.com/office/drawing/2014/main" id="{D0B0D982-FAAC-E14C-A473-619D32B4B171}"/>
-              </a:ext>
-            </a:extLst>
-          </p:cNvPr>
-          <p:cNvSpPr txBox="1"/>
-          <p:nvPr/>
-        </p:nvSpPr>
-        <p:spPr>
-          <a:xfrm>
-            <a:off x="4580659" y="1490118"/>
-            <a:ext cx="7694735" cy="2862322"/>
+            <a:off x="1716505" y="165234"/>
+            <a:ext cx="1877051" cy="3352800"/>
           </a:xfrm>
           <a:prstGeom prst="rect">
             <a:avLst/>
           </a:prstGeom>
           <a:noFill/>
+          <a:extLst>
+            <a:ext uri="{909E8E84-426E-40DD-AFC4-6F175D3DCCD1}">
+              <a14:hiddenFill xmlns:a14="http://schemas.microsoft.com/office/drawing/2010/main">
+                <a:solidFill>
+                  <a:srgbClr val="FFFFFF"/>
+                </a:solidFill>
+              </a14:hiddenFill>
+            </a:ext>
+          </a:extLst>
         </p:spPr>
-        <p:txBody>
-          <a:bodyPr wrap="none" rtlCol="0">
-            <a:spAutoFit/>
-          </a:bodyPr>
-          <a:lstStyle/>
-          <a:p>
-            <a:r>
-              <a:rPr lang="en-AU" sz="3000" b="1" dirty="0">
-                <a:latin typeface="Lato Black" panose="020F0A02020204030203" pitchFamily="34" charset="77"/>
-              </a:rPr>
-              <a:t>Challenges</a:t>
-            </a:r>
-            <a:endParaRPr lang="en-AU" sz="3000" dirty="0">
-              <a:latin typeface="Lato Black" panose="020F0A02020204030203" pitchFamily="34" charset="77"/>
-            </a:endParaRPr>
-          </a:p>
-          <a:p>
-            <a:r>
-              <a:rPr lang="en-AU" sz="3000" dirty="0">
-                <a:latin typeface="Lato Black" panose="020F0A02020204030203" pitchFamily="34" charset="77"/>
-              </a:rPr>
-              <a:t>Finds it difficult to create recipes</a:t>
-            </a:r>
-          </a:p>
-          <a:p>
-            <a:r>
-              <a:rPr lang="en-AU" sz="3000" dirty="0">
-                <a:latin typeface="Lato Black" panose="020F0A02020204030203" pitchFamily="34" charset="77"/>
-              </a:rPr>
-              <a:t>Has a limited food budget or limited access </a:t>
-            </a:r>
-          </a:p>
-          <a:p>
-            <a:r>
-              <a:rPr lang="en-AU" sz="3000" dirty="0">
-                <a:latin typeface="Lato Black" panose="020F0A02020204030203" pitchFamily="34" charset="77"/>
-              </a:rPr>
-              <a:t>to ingredients</a:t>
-            </a:r>
-          </a:p>
-          <a:p>
-            <a:r>
-              <a:rPr lang="en-AU" sz="3000" dirty="0">
-                <a:latin typeface="Lato Black" panose="020F0A02020204030203" pitchFamily="34" charset="77"/>
-              </a:rPr>
-              <a:t>Has an interest in cooking but limitations </a:t>
-            </a:r>
-          </a:p>
-          <a:p>
-            <a:r>
-              <a:rPr lang="en-AU" sz="3000" dirty="0">
-                <a:latin typeface="Lato Black" panose="020F0A02020204030203" pitchFamily="34" charset="77"/>
-              </a:rPr>
-              <a:t>(</a:t>
-            </a:r>
-            <a:r>
-              <a:rPr lang="en-AU" sz="3000" dirty="0" err="1">
-                <a:latin typeface="Lato Black" panose="020F0A02020204030203" pitchFamily="34" charset="77"/>
-              </a:rPr>
-              <a:t>eg</a:t>
-            </a:r>
-            <a:r>
-              <a:rPr lang="en-AU" sz="3000" dirty="0">
-                <a:latin typeface="Lato Black" panose="020F0A02020204030203" pitchFamily="34" charset="77"/>
-              </a:rPr>
-              <a:t> budget, dietary restrictions, skill).</a:t>
-            </a:r>
-          </a:p>
-        </p:txBody>
-      </p:sp>
+      </p:pic>
+      <p:pic>
+        <p:nvPicPr>
+          <p:cNvPr id="3" name="Picture 2">
+            <a:extLst>
+              <a:ext uri="{FF2B5EF4-FFF2-40B4-BE49-F238E27FC236}">
+                <a16:creationId xmlns:a16="http://schemas.microsoft.com/office/drawing/2014/main" id="{72B14481-0909-344B-81BD-329B28F9AEB9}"/>
+              </a:ext>
+            </a:extLst>
+          </p:cNvPr>
+          <p:cNvPicPr>
+            <a:picLocks noChangeAspect="1"/>
+          </p:cNvPicPr>
+          <p:nvPr/>
+        </p:nvPicPr>
+        <p:blipFill rotWithShape="1">
+          <a:blip r:embed="rId5"/>
+          <a:srcRect l="4613" t="2028" r="6813" b="2351"/>
+          <a:stretch/>
+        </p:blipFill>
+        <p:spPr>
+          <a:xfrm>
+            <a:off x="2887704" y="1841634"/>
+            <a:ext cx="2085474" cy="4748463"/>
+          </a:xfrm>
+          <a:prstGeom prst="rect">
+            <a:avLst/>
+          </a:prstGeom>
+        </p:spPr>
+      </p:pic>
+      <p:pic>
+        <p:nvPicPr>
+          <p:cNvPr id="5" name="Picture 8" descr="tablet.jpg">
+            <a:extLst>
+              <a:ext uri="{FF2B5EF4-FFF2-40B4-BE49-F238E27FC236}">
+                <a16:creationId xmlns:a16="http://schemas.microsoft.com/office/drawing/2014/main" id="{B5E8E207-2580-DA42-8200-F06A6C8383B6}"/>
+              </a:ext>
+            </a:extLst>
+          </p:cNvPr>
+          <p:cNvPicPr>
+            <a:picLocks noChangeAspect="1" noChangeArrowheads="1"/>
+          </p:cNvPicPr>
+          <p:nvPr/>
+        </p:nvPicPr>
+        <p:blipFill rotWithShape="1">
+          <a:blip r:embed="rId6">
+            <a:extLst>
+              <a:ext uri="{28A0092B-C50C-407E-A947-70E740481C1C}">
+                <a14:useLocalDpi xmlns:a14="http://schemas.microsoft.com/office/drawing/2010/main" val="0"/>
+              </a:ext>
+            </a:extLst>
+          </a:blip>
+          <a:srcRect l="5876" t="54425" r="72990" b="6758"/>
+          <a:stretch/>
+        </p:blipFill>
+        <p:spPr bwMode="auto">
+          <a:xfrm>
+            <a:off x="6240378" y="70392"/>
+            <a:ext cx="2791326" cy="4119998"/>
+          </a:xfrm>
+          <a:prstGeom prst="rect">
+            <a:avLst/>
+          </a:prstGeom>
+          <a:noFill/>
+          <a:extLst>
+            <a:ext uri="{909E8E84-426E-40DD-AFC4-6F175D3DCCD1}">
+              <a14:hiddenFill xmlns:a14="http://schemas.microsoft.com/office/drawing/2010/main">
+                <a:solidFill>
+                  <a:srgbClr val="FFFFFF"/>
+                </a:solidFill>
+              </a14:hiddenFill>
+            </a:ext>
+          </a:extLst>
+        </p:spPr>
+      </p:pic>
+      <p:pic>
+        <p:nvPicPr>
+          <p:cNvPr id="11" name="Picture 10">
+            <a:extLst>
+              <a:ext uri="{FF2B5EF4-FFF2-40B4-BE49-F238E27FC236}">
+                <a16:creationId xmlns:a16="http://schemas.microsoft.com/office/drawing/2014/main" id="{E47C909D-2232-D947-B80D-378C689EEBA7}"/>
+              </a:ext>
+            </a:extLst>
+          </p:cNvPr>
+          <p:cNvPicPr>
+            <a:picLocks noChangeAspect="1"/>
+          </p:cNvPicPr>
+          <p:nvPr/>
+        </p:nvPicPr>
+        <p:blipFill rotWithShape="1">
+          <a:blip r:embed="rId7"/>
+          <a:srcRect l="1028" t="982" r="3716" b="3760"/>
+          <a:stretch/>
+        </p:blipFill>
+        <p:spPr>
+          <a:xfrm>
+            <a:off x="7620000" y="1699052"/>
+            <a:ext cx="3400926" cy="4891045"/>
+          </a:xfrm>
+          <a:prstGeom prst="rect">
+            <a:avLst/>
+          </a:prstGeom>
+        </p:spPr>
+      </p:pic>
     </p:spTree>
     <p:extLst>
       <p:ext uri="{BB962C8B-B14F-4D97-AF65-F5344CB8AC3E}">
-        <p14:creationId xmlns:p14="http://schemas.microsoft.com/office/powerpoint/2010/main" val="2180011779"/>
+        <p14:creationId xmlns:p14="http://schemas.microsoft.com/office/powerpoint/2010/main" val="1739334514"/>
       </p:ext>
     </p:extLst>
   </p:cSld>
@@ -5462,7 +7946,7 @@
     <p:bg>
       <p:bgPr>
         <a:blipFill dpi="0" rotWithShape="1">
-          <a:blip r:embed="rId2">
+          <a:blip r:embed="rId3">
             <a:alphaModFix amt="59000"/>
             <a:lum/>
           </a:blip>
@@ -5488,150 +7972,85 @@
           <a:chExt cx="0" cy="0"/>
         </a:xfrm>
       </p:grpSpPr>
-      <p:sp>
-        <p:nvSpPr>
-          <p:cNvPr id="2" name="Title 1">
-            <a:extLst>
-              <a:ext uri="{FF2B5EF4-FFF2-40B4-BE49-F238E27FC236}">
-                <a16:creationId xmlns:a16="http://schemas.microsoft.com/office/drawing/2014/main" id="{56744057-E546-C742-9EA3-BBE713E20695}"/>
-              </a:ext>
-            </a:extLst>
-          </p:cNvPr>
-          <p:cNvSpPr>
-            <a:spLocks noGrp="1"/>
-          </p:cNvSpPr>
-          <p:nvPr>
-            <p:ph type="ctrTitle"/>
-          </p:nvPr>
-        </p:nvSpPr>
-        <p:spPr>
+      <p:pic>
+        <p:nvPicPr>
+          <p:cNvPr id="8" name="Picture 2" descr="Desktop Wireframe 1">
+            <a:extLst>
+              <a:ext uri="{FF2B5EF4-FFF2-40B4-BE49-F238E27FC236}">
+                <a16:creationId xmlns:a16="http://schemas.microsoft.com/office/drawing/2014/main" id="{A5A841FC-7A6F-F74F-9B50-AF7F28FF74B1}"/>
+              </a:ext>
+            </a:extLst>
+          </p:cNvPr>
+          <p:cNvPicPr>
+            <a:picLocks noChangeAspect="1" noChangeArrowheads="1"/>
+          </p:cNvPicPr>
+          <p:nvPr/>
+        </p:nvPicPr>
+        <p:blipFill rotWithShape="1">
+          <a:blip r:embed="rId4">
+            <a:extLst>
+              <a:ext uri="{28A0092B-C50C-407E-A947-70E740481C1C}">
+                <a14:useLocalDpi xmlns:a14="http://schemas.microsoft.com/office/drawing/2010/main" val="0"/>
+              </a:ext>
+            </a:extLst>
+          </a:blip>
+          <a:srcRect l="34100" t="35718" r="36540" b="36295"/>
+          <a:stretch/>
+        </p:blipFill>
+        <p:spPr bwMode="auto">
           <a:xfrm>
-            <a:off x="2736125" y="361949"/>
-            <a:ext cx="3207476" cy="1128169"/>
-          </a:xfrm>
-        </p:spPr>
-        <p:txBody>
-          <a:bodyPr>
-            <a:normAutofit/>
-          </a:bodyPr>
-          <a:lstStyle/>
-          <a:p>
-            <a:r>
-              <a:rPr lang="en-US" b="1" dirty="0">
-                <a:solidFill>
-                  <a:srgbClr val="3D7300"/>
-                </a:solidFill>
-                <a:latin typeface="Paytone One" pitchFamily="2" charset="77"/>
-                <a:cs typeface="Damascus" pitchFamily="2" charset="-78"/>
-              </a:rPr>
-              <a:t>Who:</a:t>
-            </a:r>
-          </a:p>
-        </p:txBody>
-      </p:sp>
-      <p:sp>
-        <p:nvSpPr>
-          <p:cNvPr id="5" name="TextBox 4">
-            <a:extLst>
-              <a:ext uri="{FF2B5EF4-FFF2-40B4-BE49-F238E27FC236}">
-                <a16:creationId xmlns:a16="http://schemas.microsoft.com/office/drawing/2014/main" id="{D0B0D982-FAAC-E14C-A473-619D32B4B171}"/>
-              </a:ext>
-            </a:extLst>
-          </p:cNvPr>
-          <p:cNvSpPr txBox="1"/>
-          <p:nvPr/>
-        </p:nvSpPr>
-        <p:spPr>
-          <a:xfrm>
-            <a:off x="4580659" y="1490118"/>
-            <a:ext cx="7766870" cy="4031873"/>
+            <a:off x="994610" y="283744"/>
+            <a:ext cx="5855369" cy="4226431"/>
           </a:xfrm>
           <a:prstGeom prst="rect">
             <a:avLst/>
           </a:prstGeom>
           <a:noFill/>
+          <a:extLst>
+            <a:ext uri="{909E8E84-426E-40DD-AFC4-6F175D3DCCD1}">
+              <a14:hiddenFill xmlns:a14="http://schemas.microsoft.com/office/drawing/2010/main">
+                <a:solidFill>
+                  <a:srgbClr val="FFFFFF"/>
+                </a:solidFill>
+              </a14:hiddenFill>
+            </a:ext>
+          </a:extLst>
         </p:spPr>
-        <p:txBody>
-          <a:bodyPr wrap="none" rtlCol="0">
-            <a:spAutoFit/>
-          </a:bodyPr>
-          <a:lstStyle/>
-          <a:p>
-            <a:r>
-              <a:rPr lang="en-AU" sz="3200" b="1" dirty="0">
-                <a:latin typeface="Lato Black" panose="020F0A02020204030203" pitchFamily="34" charset="77"/>
-              </a:rPr>
-              <a:t>Preferred Channels</a:t>
-            </a:r>
-            <a:endParaRPr lang="en-AU" sz="3200" dirty="0">
-              <a:latin typeface="Lato Black" panose="020F0A02020204030203" pitchFamily="34" charset="77"/>
-            </a:endParaRPr>
-          </a:p>
-          <a:p>
-            <a:r>
-              <a:rPr lang="en-AU" sz="3200" dirty="0">
-                <a:latin typeface="Lato Black" panose="020F0A02020204030203" pitchFamily="34" charset="77"/>
-              </a:rPr>
-              <a:t>Follows celebrity chefs and food themed </a:t>
-            </a:r>
-          </a:p>
-          <a:p>
-            <a:r>
-              <a:rPr lang="en-AU" sz="3200" dirty="0">
-                <a:latin typeface="Lato Black" panose="020F0A02020204030203" pitchFamily="34" charset="77"/>
-              </a:rPr>
-              <a:t>accounts on social media.</a:t>
-            </a:r>
-          </a:p>
-          <a:p>
-            <a:r>
-              <a:rPr lang="en-AU" sz="3200" dirty="0">
-                <a:latin typeface="Lato Black" panose="020F0A02020204030203" pitchFamily="34" charset="77"/>
-              </a:rPr>
-              <a:t>Searches for recipes/blogs on Google.</a:t>
-            </a:r>
-          </a:p>
-          <a:p>
-            <a:r>
-              <a:rPr lang="en-AU" sz="3200" b="1" dirty="0">
-                <a:latin typeface="Lato Black" panose="020F0A02020204030203" pitchFamily="34" charset="77"/>
-              </a:rPr>
-              <a:t>Preferred Content Types</a:t>
-            </a:r>
-            <a:endParaRPr lang="en-AU" sz="3200" dirty="0">
-              <a:latin typeface="Lato Black" panose="020F0A02020204030203" pitchFamily="34" charset="77"/>
-            </a:endParaRPr>
-          </a:p>
-          <a:p>
-            <a:r>
-              <a:rPr lang="en-AU" sz="3200" dirty="0">
-                <a:latin typeface="Lato Black" panose="020F0A02020204030203" pitchFamily="34" charset="77"/>
-              </a:rPr>
-              <a:t>Articles.</a:t>
-            </a:r>
-          </a:p>
-          <a:p>
-            <a:r>
-              <a:rPr lang="en-AU" sz="3200" dirty="0">
-                <a:latin typeface="Lato Black" panose="020F0A02020204030203" pitchFamily="34" charset="77"/>
-              </a:rPr>
-              <a:t>Blog posts.</a:t>
-            </a:r>
-          </a:p>
-          <a:p>
-            <a:r>
-              <a:rPr lang="en-AU" sz="3200" dirty="0">
-                <a:latin typeface="Lato Black" panose="020F0A02020204030203" pitchFamily="34" charset="77"/>
-              </a:rPr>
-              <a:t>Social media posts.</a:t>
-            </a:r>
-          </a:p>
-        </p:txBody>
-      </p:sp>
+      </p:pic>
+      <p:pic>
+        <p:nvPicPr>
+          <p:cNvPr id="12" name="Picture 11">
+            <a:extLst>
+              <a:ext uri="{FF2B5EF4-FFF2-40B4-BE49-F238E27FC236}">
+                <a16:creationId xmlns:a16="http://schemas.microsoft.com/office/drawing/2014/main" id="{31DF07A2-4498-E14E-BA58-B2CBF6092BF7}"/>
+              </a:ext>
+            </a:extLst>
+          </p:cNvPr>
+          <p:cNvPicPr>
+            <a:picLocks noChangeAspect="1"/>
+          </p:cNvPicPr>
+          <p:nvPr/>
+        </p:nvPicPr>
+        <p:blipFill>
+          <a:blip r:embed="rId5"/>
+          <a:stretch>
+            <a:fillRect/>
+          </a:stretch>
+        </p:blipFill>
+        <p:spPr>
+          <a:xfrm>
+            <a:off x="4856413" y="2621935"/>
+            <a:ext cx="6806198" cy="3776480"/>
+          </a:xfrm>
+          <a:prstGeom prst="rect">
+            <a:avLst/>
+          </a:prstGeom>
+        </p:spPr>
+      </p:pic>
     </p:spTree>
     <p:extLst>
       <p:ext uri="{BB962C8B-B14F-4D97-AF65-F5344CB8AC3E}">
-        <p14:creationId xmlns:p14="http://schemas.microsoft.com/office/powerpoint/2010/main" val="3223283621"/>
+        <p14:creationId xmlns:p14="http://schemas.microsoft.com/office/powerpoint/2010/main" val="4093524901"/>
       </p:ext>
     </p:extLst>
   </p:cSld>
@@ -5647,7 +8066,7 @@
     <p:bg>
       <p:bgPr>
         <a:blipFill dpi="0" rotWithShape="1">
-          <a:blip r:embed="rId2">
+          <a:blip r:embed="rId3">
             <a:alphaModFix amt="59000"/>
             <a:lum/>
           </a:blip>
@@ -5709,7 +8128,7 @@
                 <a:latin typeface="Paytone One" pitchFamily="2" charset="77"/>
                 <a:cs typeface="Damascus" pitchFamily="2" charset="-78"/>
               </a:rPr>
-              <a:t>How:</a:t>
+              <a:t>Who:</a:t>
             </a:r>
           </a:p>
         </p:txBody>
@@ -5728,8 +8147,8 @@
         </p:nvSpPr>
         <p:spPr>
           <a:xfrm>
-            <a:off x="4632986" y="1490118"/>
-            <a:ext cx="2621230" cy="5324535"/>
+            <a:off x="5302553" y="1490118"/>
+            <a:ext cx="5237331" cy="5324535"/>
           </a:xfrm>
           <a:prstGeom prst="rect">
             <a:avLst/>
@@ -5746,7 +8165,7 @@
               <a:rPr lang="en-AU" sz="2000" b="1" dirty="0">
                 <a:latin typeface="Lato Black" panose="020F0A02020204030203" pitchFamily="34" charset="77"/>
               </a:rPr>
-              <a:t>Design and Planning:</a:t>
+              <a:t>Key Demographics</a:t>
             </a:r>
             <a:endParaRPr lang="en-AU" sz="2000" dirty="0">
               <a:latin typeface="Lato Black" panose="020F0A02020204030203" pitchFamily="34" charset="77"/>
@@ -5757,7 +8176,7 @@
               <a:rPr lang="en-AU" sz="2000" dirty="0">
                 <a:latin typeface="Lato Black" panose="020F0A02020204030203" pitchFamily="34" charset="77"/>
               </a:rPr>
-              <a:t>Trello</a:t>
+              <a:t>Gender, family status, profession, language,</a:t>
             </a:r>
           </a:p>
           <a:p>
@@ -5765,364 +8184,106 @@
               <a:rPr lang="en-AU" sz="2000" dirty="0">
                 <a:latin typeface="Lato Black" panose="020F0A02020204030203" pitchFamily="34" charset="77"/>
               </a:rPr>
-              <a:t>Miro</a:t>
-            </a:r>
-          </a:p>
-          <a:p>
-            <a:r>
-              <a:rPr lang="en-AU" sz="2000" dirty="0" err="1">
-                <a:latin typeface="Lato Black" panose="020F0A02020204030203" pitchFamily="34" charset="77"/>
-              </a:rPr>
-              <a:t>xtensio</a:t>
-            </a:r>
+              <a:t>main interests.</a:t>
+            </a:r>
+          </a:p>
+          <a:p>
             <a:endParaRPr lang="en-AU" sz="2000" dirty="0">
               <a:latin typeface="Lato Black" panose="020F0A02020204030203" pitchFamily="34" charset="77"/>
             </a:endParaRPr>
           </a:p>
           <a:p>
             <a:r>
-              <a:rPr lang="en-AU" sz="2000" dirty="0">
+              <a:rPr lang="en-AU" sz="2000" b="1" dirty="0">
                 <a:latin typeface="Lato Black" panose="020F0A02020204030203" pitchFamily="34" charset="77"/>
               </a:rPr>
-              <a:t>Lucid Chart</a:t>
-            </a:r>
-          </a:p>
-          <a:p>
-            <a:r>
-              <a:rPr lang="en-AU" sz="2000" dirty="0">
-                <a:latin typeface="Lato Black" panose="020F0A02020204030203" pitchFamily="34" charset="77"/>
-              </a:rPr>
-              <a:t>Slack</a:t>
-            </a:r>
-          </a:p>
-          <a:p>
+              <a:t>Key Psychographics</a:t>
+            </a:r>
             <a:endParaRPr lang="en-AU" sz="2000" dirty="0">
               <a:latin typeface="Lato Black" panose="020F0A02020204030203" pitchFamily="34" charset="77"/>
             </a:endParaRPr>
           </a:p>
           <a:p>
             <a:r>
-              <a:rPr lang="en-AU" sz="2000" b="1" dirty="0">
+              <a:rPr lang="en-AU" sz="2000" dirty="0">
                 <a:latin typeface="Lato Black" panose="020F0A02020204030203" pitchFamily="34" charset="77"/>
               </a:rPr>
-              <a:t>Frontend:</a:t>
-            </a:r>
+              <a:t>Likes and dislikes.</a:t>
+            </a:r>
+          </a:p>
+          <a:p>
             <a:endParaRPr lang="en-AU" sz="2000" dirty="0">
               <a:latin typeface="Lato Black" panose="020F0A02020204030203" pitchFamily="34" charset="77"/>
             </a:endParaRPr>
           </a:p>
           <a:p>
             <a:r>
-              <a:rPr lang="en-AU" sz="2000" dirty="0">
+              <a:rPr lang="en-AU" sz="2000" b="1" dirty="0">
                 <a:latin typeface="Lato Black" panose="020F0A02020204030203" pitchFamily="34" charset="77"/>
               </a:rPr>
-              <a:t>HTML5</a:t>
-            </a:r>
-          </a:p>
-          <a:p>
-            <a:r>
-              <a:rPr lang="en-AU" sz="2000" dirty="0">
-                <a:latin typeface="Lato Black" panose="020F0A02020204030203" pitchFamily="34" charset="77"/>
-              </a:rPr>
-              <a:t>CSS3</a:t>
-            </a:r>
-          </a:p>
-          <a:p>
-            <a:r>
-              <a:rPr lang="en-AU" sz="2000" dirty="0">
-                <a:latin typeface="Lato Black" panose="020F0A02020204030203" pitchFamily="34" charset="77"/>
-              </a:rPr>
-              <a:t>React JS</a:t>
-            </a:r>
-          </a:p>
-          <a:p>
-            <a:r>
-              <a:rPr lang="en-AU" sz="2000" dirty="0">
-                <a:latin typeface="Lato Black" panose="020F0A02020204030203" pitchFamily="34" charset="77"/>
-              </a:rPr>
-              <a:t>JavaScript</a:t>
-            </a:r>
-          </a:p>
-          <a:p>
-            <a:r>
-              <a:rPr lang="en-AU" sz="2000" dirty="0">
-                <a:latin typeface="Lato Black" panose="020F0A02020204030203" pitchFamily="34" charset="77"/>
-              </a:rPr>
-              <a:t>JSX</a:t>
-            </a:r>
-          </a:p>
-          <a:p>
-            <a:r>
-              <a:rPr lang="en-AU" sz="2000" dirty="0">
-                <a:latin typeface="Lato Black" panose="020F0A02020204030203" pitchFamily="34" charset="77"/>
-              </a:rPr>
-              <a:t>Material-UI</a:t>
-            </a:r>
-          </a:p>
-          <a:p>
-            <a:r>
-              <a:rPr lang="en-AU" sz="2000" dirty="0">
-                <a:latin typeface="Lato Black" panose="020F0A02020204030203" pitchFamily="34" charset="77"/>
-              </a:rPr>
-              <a:t>Bootstrap</a:t>
-            </a:r>
-          </a:p>
-          <a:p>
-            <a:r>
-              <a:rPr lang="en-AU" sz="2000" dirty="0" err="1">
-                <a:latin typeface="Lato Black" panose="020F0A02020204030203" pitchFamily="34" charset="77"/>
-              </a:rPr>
-              <a:t>Axios</a:t>
+              <a:t>Challenges</a:t>
             </a:r>
             <a:endParaRPr lang="en-AU" sz="2000" dirty="0">
               <a:latin typeface="Lato Black" panose="020F0A02020204030203" pitchFamily="34" charset="77"/>
             </a:endParaRPr>
           </a:p>
           <a:p>
+            <a:r>
+              <a:rPr lang="en-AU" sz="2000" dirty="0">
+                <a:latin typeface="Lato Black" panose="020F0A02020204030203" pitchFamily="34" charset="77"/>
+              </a:rPr>
+              <a:t>What app will help them with.</a:t>
+            </a:r>
+          </a:p>
+          <a:p>
             <a:endParaRPr lang="en-AU" sz="2000" dirty="0">
               <a:latin typeface="Lato Black" panose="020F0A02020204030203" pitchFamily="34" charset="77"/>
             </a:endParaRPr>
           </a:p>
-        </p:txBody>
-      </p:sp>
-      <p:sp>
-        <p:nvSpPr>
-          <p:cNvPr id="3" name="Rectangle 2">
-            <a:extLst>
-              <a:ext uri="{FF2B5EF4-FFF2-40B4-BE49-F238E27FC236}">
-                <a16:creationId xmlns:a16="http://schemas.microsoft.com/office/drawing/2014/main" id="{41785F14-6E4A-BF42-B2A8-A513522F6F05}"/>
-              </a:ext>
-            </a:extLst>
-          </p:cNvPr>
-          <p:cNvSpPr/>
-          <p:nvPr/>
-        </p:nvSpPr>
-        <p:spPr>
-          <a:xfrm>
-            <a:off x="7503332" y="1490118"/>
-            <a:ext cx="2881746" cy="4524315"/>
-          </a:xfrm>
-          <a:prstGeom prst="rect">
-            <a:avLst/>
-          </a:prstGeom>
-        </p:spPr>
-        <p:txBody>
-          <a:bodyPr wrap="square">
-            <a:spAutoFit/>
-          </a:bodyPr>
-          <a:lstStyle/>
-          <a:p>
-            <a:r>
-              <a:rPr lang="en-AU" b="1" dirty="0">
+          <a:p>
+            <a:r>
+              <a:rPr lang="en-AU" sz="2000" dirty="0">
                 <a:latin typeface="Lato Black" panose="020F0A02020204030203" pitchFamily="34" charset="77"/>
               </a:rPr>
-              <a:t>Backend:</a:t>
-            </a:r>
-            <a:endParaRPr lang="en-AU" dirty="0">
+              <a:t>Preferred channels</a:t>
+            </a:r>
+          </a:p>
+          <a:p>
+            <a:r>
+              <a:rPr lang="en-AU" sz="2000" dirty="0">
+                <a:latin typeface="Lato Black" panose="020F0A02020204030203" pitchFamily="34" charset="77"/>
+              </a:rPr>
+              <a:t>Celeb chefs, social media, etc.</a:t>
+            </a:r>
+          </a:p>
+          <a:p>
+            <a:endParaRPr lang="en-AU" sz="2000" dirty="0">
               <a:latin typeface="Lato Black" panose="020F0A02020204030203" pitchFamily="34" charset="77"/>
             </a:endParaRPr>
           </a:p>
           <a:p>
             <a:r>
-              <a:rPr lang="en-AU" dirty="0" err="1">
+              <a:rPr lang="en-AU" sz="2000" dirty="0">
                 <a:latin typeface="Lato Black" panose="020F0A02020204030203" pitchFamily="34" charset="77"/>
               </a:rPr>
-              <a:t>ExpressJS</a:t>
-            </a:r>
-            <a:endParaRPr lang="en-AU" dirty="0">
+              <a:t>Preferred content types</a:t>
+            </a:r>
+          </a:p>
+          <a:p>
+            <a:r>
+              <a:rPr lang="en-AU" sz="2000" dirty="0">
+                <a:latin typeface="Lato Black" panose="020F0A02020204030203" pitchFamily="34" charset="77"/>
+              </a:rPr>
+              <a:t>Blogs, social media posts, etc.</a:t>
+            </a:r>
+          </a:p>
+          <a:p>
+            <a:endParaRPr lang="en-AU" sz="2000" dirty="0">
               <a:latin typeface="Lato Black" panose="020F0A02020204030203" pitchFamily="34" charset="77"/>
             </a:endParaRPr>
           </a:p>
           <a:p>
-            <a:r>
-              <a:rPr lang="en-AU" dirty="0">
-                <a:latin typeface="Lato Black" panose="020F0A02020204030203" pitchFamily="34" charset="77"/>
-              </a:rPr>
-              <a:t>Node JS</a:t>
-            </a:r>
-          </a:p>
-          <a:p>
-            <a:r>
-              <a:rPr lang="en-AU" dirty="0">
-                <a:latin typeface="Lato Black" panose="020F0A02020204030203" pitchFamily="34" charset="77"/>
-              </a:rPr>
-              <a:t>Passport</a:t>
-            </a:r>
-          </a:p>
-          <a:p>
-            <a:r>
-              <a:rPr lang="en-AU" dirty="0">
-                <a:latin typeface="Lato Black" panose="020F0A02020204030203" pitchFamily="34" charset="77"/>
-              </a:rPr>
-              <a:t>Passport-JWT</a:t>
-            </a:r>
-          </a:p>
-          <a:p>
-            <a:r>
-              <a:rPr lang="en-AU" dirty="0">
-                <a:latin typeface="Lato Black" panose="020F0A02020204030203" pitchFamily="34" charset="77"/>
-              </a:rPr>
-              <a:t>Express Session</a:t>
-            </a:r>
-          </a:p>
-          <a:p>
-            <a:endParaRPr lang="en-AU" dirty="0">
-              <a:latin typeface="Lato Black" panose="020F0A02020204030203" pitchFamily="34" charset="77"/>
-            </a:endParaRPr>
-          </a:p>
-          <a:p>
-            <a:r>
-              <a:rPr lang="en-AU" b="1" dirty="0">
-                <a:latin typeface="Lato Black" panose="020F0A02020204030203" pitchFamily="34" charset="77"/>
-              </a:rPr>
-              <a:t>Database:</a:t>
-            </a:r>
-            <a:endParaRPr lang="en-AU" dirty="0">
-              <a:latin typeface="Lato Black" panose="020F0A02020204030203" pitchFamily="34" charset="77"/>
-            </a:endParaRPr>
-          </a:p>
-          <a:p>
-            <a:r>
-              <a:rPr lang="en-AU" dirty="0">
-                <a:latin typeface="Lato Black" panose="020F0A02020204030203" pitchFamily="34" charset="77"/>
-              </a:rPr>
-              <a:t>MongoDB</a:t>
-            </a:r>
-          </a:p>
-          <a:p>
-            <a:r>
-              <a:rPr lang="en-AU" dirty="0">
-                <a:latin typeface="Lato Black" panose="020F0A02020204030203" pitchFamily="34" charset="77"/>
-              </a:rPr>
-              <a:t>Mongoose</a:t>
-            </a:r>
-          </a:p>
-          <a:p>
-            <a:endParaRPr lang="en-AU" dirty="0">
-              <a:latin typeface="Lato Black" panose="020F0A02020204030203" pitchFamily="34" charset="77"/>
-            </a:endParaRPr>
-          </a:p>
-          <a:p>
-            <a:r>
-              <a:rPr lang="en-AU" b="1" dirty="0">
-                <a:latin typeface="Lato Black" panose="020F0A02020204030203" pitchFamily="34" charset="77"/>
-              </a:rPr>
-              <a:t>Testing:</a:t>
-            </a:r>
-            <a:endParaRPr lang="en-AU" dirty="0">
-              <a:latin typeface="Lato Black" panose="020F0A02020204030203" pitchFamily="34" charset="77"/>
-            </a:endParaRPr>
-          </a:p>
-          <a:p>
-            <a:r>
-              <a:rPr lang="en-AU" dirty="0">
-                <a:latin typeface="Lato Black" panose="020F0A02020204030203" pitchFamily="34" charset="77"/>
-              </a:rPr>
-              <a:t>Cypress</a:t>
-            </a:r>
-          </a:p>
-          <a:p>
-            <a:r>
-              <a:rPr lang="en-AU" dirty="0" err="1">
-                <a:latin typeface="Lato Black" panose="020F0A02020204030203" pitchFamily="34" charset="77"/>
-              </a:rPr>
-              <a:t>Supertest</a:t>
-            </a:r>
-            <a:endParaRPr lang="en-AU" dirty="0">
-              <a:latin typeface="Lato Black" panose="020F0A02020204030203" pitchFamily="34" charset="77"/>
-            </a:endParaRPr>
-          </a:p>
-          <a:p>
-            <a:r>
-              <a:rPr lang="en-AU" dirty="0">
-                <a:latin typeface="Lato Black" panose="020F0A02020204030203" pitchFamily="34" charset="77"/>
-              </a:rPr>
-              <a:t>Mocha</a:t>
-            </a:r>
-          </a:p>
-          <a:p>
-            <a:endParaRPr lang="en-AU" dirty="0">
-              <a:latin typeface="Lato Black" panose="020F0A02020204030203" pitchFamily="34" charset="77"/>
-            </a:endParaRPr>
-          </a:p>
-        </p:txBody>
-      </p:sp>
-      <p:sp>
-        <p:nvSpPr>
-          <p:cNvPr id="4" name="Rectangle 3">
-            <a:extLst>
-              <a:ext uri="{FF2B5EF4-FFF2-40B4-BE49-F238E27FC236}">
-                <a16:creationId xmlns:a16="http://schemas.microsoft.com/office/drawing/2014/main" id="{5CB3E68D-D601-C34D-B26B-495AE0F3E178}"/>
-              </a:ext>
-            </a:extLst>
-          </p:cNvPr>
-          <p:cNvSpPr/>
-          <p:nvPr/>
-        </p:nvSpPr>
-        <p:spPr>
-          <a:xfrm>
-            <a:off x="9607498" y="1490118"/>
-            <a:ext cx="2245895" cy="1477328"/>
-          </a:xfrm>
-          <a:prstGeom prst="rect">
-            <a:avLst/>
-          </a:prstGeom>
-        </p:spPr>
-        <p:txBody>
-          <a:bodyPr wrap="square">
-            <a:spAutoFit/>
-          </a:bodyPr>
-          <a:lstStyle/>
-          <a:p>
-            <a:r>
-              <a:rPr lang="en-AU" b="1" dirty="0">
-                <a:latin typeface="Lato Black" panose="020F0A02020204030203" pitchFamily="34" charset="77"/>
-              </a:rPr>
-              <a:t>Other:</a:t>
-            </a:r>
-            <a:endParaRPr lang="en-AU" dirty="0">
-              <a:latin typeface="Lato Black" panose="020F0A02020204030203" pitchFamily="34" charset="77"/>
-            </a:endParaRPr>
-          </a:p>
-          <a:p>
-            <a:r>
-              <a:rPr lang="en-AU" dirty="0" err="1">
-                <a:latin typeface="Lato Black" panose="020F0A02020204030203" pitchFamily="34" charset="77"/>
-              </a:rPr>
-              <a:t>Edamam</a:t>
-            </a:r>
-            <a:r>
-              <a:rPr lang="en-AU" dirty="0">
-                <a:latin typeface="Lato Black" panose="020F0A02020204030203" pitchFamily="34" charset="77"/>
-              </a:rPr>
-              <a:t> API or </a:t>
-            </a:r>
-            <a:r>
-              <a:rPr lang="en-AU" dirty="0" err="1">
-                <a:latin typeface="Lato Black" panose="020F0A02020204030203" pitchFamily="34" charset="77"/>
-              </a:rPr>
-              <a:t>Spoonacular</a:t>
-            </a:r>
-            <a:endParaRPr lang="en-AU" dirty="0">
-              <a:latin typeface="Lato Black" panose="020F0A02020204030203" pitchFamily="34" charset="77"/>
-            </a:endParaRPr>
-          </a:p>
-          <a:p>
-            <a:r>
-              <a:rPr lang="en-AU" dirty="0">
-                <a:latin typeface="Lato Black" panose="020F0A02020204030203" pitchFamily="34" charset="77"/>
-              </a:rPr>
-              <a:t>Heroku</a:t>
-            </a:r>
-          </a:p>
-          <a:p>
-            <a:r>
-              <a:rPr lang="en-AU" dirty="0" err="1">
-                <a:latin typeface="Lato Black" panose="020F0A02020204030203" pitchFamily="34" charset="77"/>
-              </a:rPr>
-              <a:t>Netlify</a:t>
-            </a:r>
-            <a:endParaRPr lang="en-AU" dirty="0">
+            <a:endParaRPr lang="en-AU" sz="2000" dirty="0">
               <a:latin typeface="Lato Black" panose="020F0A02020204030203" pitchFamily="34" charset="77"/>
             </a:endParaRPr>
           </a:p>
@@ -6131,7 +8292,7 @@
     </p:spTree>
     <p:extLst>
       <p:ext uri="{BB962C8B-B14F-4D97-AF65-F5344CB8AC3E}">
-        <p14:creationId xmlns:p14="http://schemas.microsoft.com/office/powerpoint/2010/main" val="882512977"/>
+        <p14:creationId xmlns:p14="http://schemas.microsoft.com/office/powerpoint/2010/main" val="485955279"/>
       </p:ext>
     </p:extLst>
   </p:cSld>
@@ -6434,4 +8595,299 @@
     </a:ext>
   </a:extLst>
 </a:theme>
+</file>
+
+<file path=ppt/theme/theme2.xml><?xml version="1.0" encoding="utf-8"?>
+<a:theme xmlns:a="http://schemas.openxmlformats.org/drawingml/2006/main" name="Office Theme">
+  <a:themeElements>
+    <a:clrScheme name="Office">
+      <a:dk1>
+        <a:sysClr val="windowText" lastClr="000000"/>
+      </a:dk1>
+      <a:lt1>
+        <a:sysClr val="window" lastClr="FFFFFF"/>
+      </a:lt1>
+      <a:dk2>
+        <a:srgbClr val="44546A"/>
+      </a:dk2>
+      <a:lt2>
+        <a:srgbClr val="E7E6E6"/>
+      </a:lt2>
+      <a:accent1>
+        <a:srgbClr val="4472C4"/>
+      </a:accent1>
+      <a:accent2>
+        <a:srgbClr val="ED7D31"/>
+      </a:accent2>
+      <a:accent3>
+        <a:srgbClr val="A5A5A5"/>
+      </a:accent3>
+      <a:accent4>
+        <a:srgbClr val="FFC000"/>
+      </a:accent4>
+      <a:accent5>
+        <a:srgbClr val="5B9BD5"/>
+      </a:accent5>
+      <a:accent6>
+        <a:srgbClr val="70AD47"/>
+      </a:accent6>
+      <a:hlink>
+        <a:srgbClr val="0563C1"/>
+      </a:hlink>
+      <a:folHlink>
+        <a:srgbClr val="954F72"/>
+      </a:folHlink>
+    </a:clrScheme>
+    <a:fontScheme name="Office">
+      <a:majorFont>
+        <a:latin typeface="Calibri Light" panose="020F0302020204030204"/>
+        <a:ea typeface=""/>
+        <a:cs typeface=""/>
+        <a:font script="Jpan" typeface="游ゴシック Light"/>
+        <a:font script="Hang" typeface="맑은 고딕"/>
+        <a:font script="Hans" typeface="等线 Light"/>
+        <a:font script="Hant" typeface="新細明體"/>
+        <a:font script="Arab" typeface="Times New Roman"/>
+        <a:font script="Hebr" typeface="Times New Roman"/>
+        <a:font script="Thai" typeface="Angsana New"/>
+        <a:font script="Ethi" typeface="Nyala"/>
+        <a:font script="Beng" typeface="Vrinda"/>
+        <a:font script="Gujr" typeface="Shruti"/>
+        <a:font script="Khmr" typeface="MoolBoran"/>
+        <a:font script="Knda" typeface="Tunga"/>
+        <a:font script="Guru" typeface="Raavi"/>
+        <a:font script="Cans" typeface="Euphemia"/>
+        <a:font script="Cher" typeface="Plantagenet Cherokee"/>
+        <a:font script="Yiii" typeface="Microsoft Yi Baiti"/>
+        <a:font script="Tibt" typeface="Microsoft Himalaya"/>
+        <a:font script="Thaa" typeface="MV Boli"/>
+        <a:font script="Deva" typeface="Mangal"/>
+        <a:font script="Telu" typeface="Gautami"/>
+        <a:font script="Taml" typeface="Latha"/>
+        <a:font script="Syrc" typeface="Estrangelo Edessa"/>
+        <a:font script="Orya" typeface="Kalinga"/>
+        <a:font script="Mlym" typeface="Kartika"/>
+        <a:font script="Laoo" typeface="DokChampa"/>
+        <a:font script="Sinh" typeface="Iskoola Pota"/>
+        <a:font script="Mong" typeface="Mongolian Baiti"/>
+        <a:font script="Viet" typeface="Times New Roman"/>
+        <a:font script="Uigh" typeface="Microsoft Uighur"/>
+        <a:font script="Geor" typeface="Sylfaen"/>
+        <a:font script="Armn" typeface="Arial"/>
+        <a:font script="Bugi" typeface="Leelawadee UI"/>
+        <a:font script="Bopo" typeface="Microsoft JhengHei"/>
+        <a:font script="Java" typeface="Javanese Text"/>
+        <a:font script="Lisu" typeface="Segoe UI"/>
+        <a:font script="Mymr" typeface="Myanmar Text"/>
+        <a:font script="Nkoo" typeface="Ebrima"/>
+        <a:font script="Olck" typeface="Nirmala UI"/>
+        <a:font script="Osma" typeface="Ebrima"/>
+        <a:font script="Phag" typeface="Phagspa"/>
+        <a:font script="Syrn" typeface="Estrangelo Edessa"/>
+        <a:font script="Syrj" typeface="Estrangelo Edessa"/>
+        <a:font script="Syre" typeface="Estrangelo Edessa"/>
+        <a:font script="Sora" typeface="Nirmala UI"/>
+        <a:font script="Tale" typeface="Microsoft Tai Le"/>
+        <a:font script="Talu" typeface="Microsoft New Tai Lue"/>
+        <a:font script="Tfng" typeface="Ebrima"/>
+      </a:majorFont>
+      <a:minorFont>
+        <a:latin typeface="Calibri" panose="020F0502020204030204"/>
+        <a:ea typeface=""/>
+        <a:cs typeface=""/>
+        <a:font script="Jpan" typeface="游ゴシック"/>
+        <a:font script="Hang" typeface="맑은 고딕"/>
+        <a:font script="Hans" typeface="等线"/>
+        <a:font script="Hant" typeface="新細明體"/>
+        <a:font script="Arab" typeface="Arial"/>
+        <a:font script="Hebr" typeface="Arial"/>
+        <a:font script="Thai" typeface="Cordia New"/>
+        <a:font script="Ethi" typeface="Nyala"/>
+        <a:font script="Beng" typeface="Vrinda"/>
+        <a:font script="Gujr" typeface="Shruti"/>
+        <a:font script="Khmr" typeface="DaunPenh"/>
+        <a:font script="Knda" typeface="Tunga"/>
+        <a:font script="Guru" typeface="Raavi"/>
+        <a:font script="Cans" typeface="Euphemia"/>
+        <a:font script="Cher" typeface="Plantagenet Cherokee"/>
+        <a:font script="Yiii" typeface="Microsoft Yi Baiti"/>
+        <a:font script="Tibt" typeface="Microsoft Himalaya"/>
+        <a:font script="Thaa" typeface="MV Boli"/>
+        <a:font script="Deva" typeface="Mangal"/>
+        <a:font script="Telu" typeface="Gautami"/>
+        <a:font script="Taml" typeface="Latha"/>
+        <a:font script="Syrc" typeface="Estrangelo Edessa"/>
+        <a:font script="Orya" typeface="Kalinga"/>
+        <a:font script="Mlym" typeface="Kartika"/>
+        <a:font script="Laoo" typeface="DokChampa"/>
+        <a:font script="Sinh" typeface="Iskoola Pota"/>
+        <a:font script="Mong" typeface="Mongolian Baiti"/>
+        <a:font script="Viet" typeface="Arial"/>
+        <a:font script="Uigh" typeface="Microsoft Uighur"/>
+        <a:font script="Geor" typeface="Sylfaen"/>
+        <a:font script="Armn" typeface="Arial"/>
+        <a:font script="Bugi" typeface="Leelawadee UI"/>
+        <a:font script="Bopo" typeface="Microsoft JhengHei"/>
+        <a:font script="Java" typeface="Javanese Text"/>
+        <a:font script="Lisu" typeface="Segoe UI"/>
+        <a:font script="Mymr" typeface="Myanmar Text"/>
+        <a:font script="Nkoo" typeface="Ebrima"/>
+        <a:font script="Olck" typeface="Nirmala UI"/>
+        <a:font script="Osma" typeface="Ebrima"/>
+        <a:font script="Phag" typeface="Phagspa"/>
+        <a:font script="Syrn" typeface="Estrangelo Edessa"/>
+        <a:font script="Syrj" typeface="Estrangelo Edessa"/>
+        <a:font script="Syre" typeface="Estrangelo Edessa"/>
+        <a:font script="Sora" typeface="Nirmala UI"/>
+        <a:font script="Tale" typeface="Microsoft Tai Le"/>
+        <a:font script="Talu" typeface="Microsoft New Tai Lue"/>
+        <a:font script="Tfng" typeface="Ebrima"/>
+      </a:minorFont>
+    </a:fontScheme>
+    <a:fmtScheme name="Office">
+      <a:fillStyleLst>
+        <a:solidFill>
+          <a:schemeClr val="phClr"/>
+        </a:solidFill>
+        <a:gradFill rotWithShape="1">
+          <a:gsLst>
+            <a:gs pos="0">
+              <a:schemeClr val="phClr">
+                <a:lumMod val="110000"/>
+                <a:satMod val="105000"/>
+                <a:tint val="67000"/>
+              </a:schemeClr>
+            </a:gs>
+            <a:gs pos="50000">
+              <a:schemeClr val="phClr">
+                <a:lumMod val="105000"/>
+                <a:satMod val="103000"/>
+                <a:tint val="73000"/>
+              </a:schemeClr>
+            </a:gs>
+            <a:gs pos="100000">
+              <a:schemeClr val="phClr">
+                <a:lumMod val="105000"/>
+                <a:satMod val="109000"/>
+                <a:tint val="81000"/>
+              </a:schemeClr>
+            </a:gs>
+          </a:gsLst>
+          <a:lin ang="5400000" scaled="0"/>
+        </a:gradFill>
+        <a:gradFill rotWithShape="1">
+          <a:gsLst>
+            <a:gs pos="0">
+              <a:schemeClr val="phClr">
+                <a:satMod val="103000"/>
+                <a:lumMod val="102000"/>
+                <a:tint val="94000"/>
+              </a:schemeClr>
+            </a:gs>
+            <a:gs pos="50000">
+              <a:schemeClr val="phClr">
+                <a:satMod val="110000"/>
+                <a:lumMod val="100000"/>
+                <a:shade val="100000"/>
+              </a:schemeClr>
+            </a:gs>
+            <a:gs pos="100000">
+              <a:schemeClr val="phClr">
+                <a:lumMod val="99000"/>
+                <a:satMod val="120000"/>
+                <a:shade val="78000"/>
+              </a:schemeClr>
+            </a:gs>
+          </a:gsLst>
+          <a:lin ang="5400000" scaled="0"/>
+        </a:gradFill>
+      </a:fillStyleLst>
+      <a:lnStyleLst>
+        <a:ln w="6350" cap="flat" cmpd="sng" algn="ctr">
+          <a:solidFill>
+            <a:schemeClr val="phClr"/>
+          </a:solidFill>
+          <a:prstDash val="solid"/>
+          <a:miter lim="800000"/>
+        </a:ln>
+        <a:ln w="12700" cap="flat" cmpd="sng" algn="ctr">
+          <a:solidFill>
+            <a:schemeClr val="phClr"/>
+          </a:solidFill>
+          <a:prstDash val="solid"/>
+          <a:miter lim="800000"/>
+        </a:ln>
+        <a:ln w="19050" cap="flat" cmpd="sng" algn="ctr">
+          <a:solidFill>
+            <a:schemeClr val="phClr"/>
+          </a:solidFill>
+          <a:prstDash val="solid"/>
+          <a:miter lim="800000"/>
+        </a:ln>
+      </a:lnStyleLst>
+      <a:effectStyleLst>
+        <a:effectStyle>
+          <a:effectLst/>
+        </a:effectStyle>
+        <a:effectStyle>
+          <a:effectLst/>
+        </a:effectStyle>
+        <a:effectStyle>
+          <a:effectLst>
+            <a:outerShdw blurRad="57150" dist="19050" dir="5400000" algn="ctr" rotWithShape="0">
+              <a:srgbClr val="000000">
+                <a:alpha val="63000"/>
+              </a:srgbClr>
+            </a:outerShdw>
+          </a:effectLst>
+        </a:effectStyle>
+      </a:effectStyleLst>
+      <a:bgFillStyleLst>
+        <a:solidFill>
+          <a:schemeClr val="phClr"/>
+        </a:solidFill>
+        <a:solidFill>
+          <a:schemeClr val="phClr">
+            <a:tint val="95000"/>
+            <a:satMod val="170000"/>
+          </a:schemeClr>
+        </a:solidFill>
+        <a:gradFill rotWithShape="1">
+          <a:gsLst>
+            <a:gs pos="0">
+              <a:schemeClr val="phClr">
+                <a:tint val="93000"/>
+                <a:satMod val="150000"/>
+                <a:shade val="98000"/>
+                <a:lumMod val="102000"/>
+              </a:schemeClr>
+            </a:gs>
+            <a:gs pos="50000">
+              <a:schemeClr val="phClr">
+                <a:tint val="98000"/>
+                <a:satMod val="130000"/>
+                <a:shade val="90000"/>
+                <a:lumMod val="103000"/>
+              </a:schemeClr>
+            </a:gs>
+            <a:gs pos="100000">
+              <a:schemeClr val="phClr">
+                <a:shade val="63000"/>
+                <a:satMod val="120000"/>
+              </a:schemeClr>
+            </a:gs>
+          </a:gsLst>
+          <a:lin ang="5400000" scaled="0"/>
+        </a:gradFill>
+      </a:bgFillStyleLst>
+    </a:fmtScheme>
+  </a:themeElements>
+  <a:objectDefaults/>
+  <a:extraClrSchemeLst/>
+  <a:extLst>
+    <a:ext uri="{05A4C25C-085E-4340-85A3-A5531E510DB2}">
+      <thm15:themeFamily xmlns:thm15="http://schemas.microsoft.com/office/thememl/2012/main" name="Office Theme" id="{62F939B6-93AF-4DB8-9C6B-D6C7DFDC589F}" vid="{4A3C46E8-61CC-4603-A589-7422A47A8E4A}"/>
+    </a:ext>
+  </a:extLst>
+</a:theme>
 </file>
--- a/Presentation1.pptx
+++ b/Presentation1.pptx
@@ -1591,7 +1591,7 @@
           <a:p>
             <a:fld id="{CC6746AB-E9F6-BA4D-B6FB-BA057EA91336}" type="datetimeFigureOut">
               <a:rPr lang="en-US" smtClean="0"/>
-              <a:t>12/1/20</a:t>
+              <a:t>12/2/20</a:t>
             </a:fld>
             <a:endParaRPr lang="en-US"/>
           </a:p>
@@ -1789,7 +1789,7 @@
           <a:p>
             <a:fld id="{CC6746AB-E9F6-BA4D-B6FB-BA057EA91336}" type="datetimeFigureOut">
               <a:rPr lang="en-US" smtClean="0"/>
-              <a:t>12/1/20</a:t>
+              <a:t>12/2/20</a:t>
             </a:fld>
             <a:endParaRPr lang="en-US"/>
           </a:p>
@@ -1997,7 +1997,7 @@
           <a:p>
             <a:fld id="{CC6746AB-E9F6-BA4D-B6FB-BA057EA91336}" type="datetimeFigureOut">
               <a:rPr lang="en-US" smtClean="0"/>
-              <a:t>12/1/20</a:t>
+              <a:t>12/2/20</a:t>
             </a:fld>
             <a:endParaRPr lang="en-US"/>
           </a:p>
@@ -2195,7 +2195,7 @@
           <a:p>
             <a:fld id="{CC6746AB-E9F6-BA4D-B6FB-BA057EA91336}" type="datetimeFigureOut">
               <a:rPr lang="en-US" smtClean="0"/>
-              <a:t>12/1/20</a:t>
+              <a:t>12/2/20</a:t>
             </a:fld>
             <a:endParaRPr lang="en-US"/>
           </a:p>
@@ -2470,7 +2470,7 @@
           <a:p>
             <a:fld id="{CC6746AB-E9F6-BA4D-B6FB-BA057EA91336}" type="datetimeFigureOut">
               <a:rPr lang="en-US" smtClean="0"/>
-              <a:t>12/1/20</a:t>
+              <a:t>12/2/20</a:t>
             </a:fld>
             <a:endParaRPr lang="en-US"/>
           </a:p>
@@ -2735,7 +2735,7 @@
           <a:p>
             <a:fld id="{CC6746AB-E9F6-BA4D-B6FB-BA057EA91336}" type="datetimeFigureOut">
               <a:rPr lang="en-US" smtClean="0"/>
-              <a:t>12/1/20</a:t>
+              <a:t>12/2/20</a:t>
             </a:fld>
             <a:endParaRPr lang="en-US"/>
           </a:p>
@@ -3147,7 +3147,7 @@
           <a:p>
             <a:fld id="{CC6746AB-E9F6-BA4D-B6FB-BA057EA91336}" type="datetimeFigureOut">
               <a:rPr lang="en-US" smtClean="0"/>
-              <a:t>12/1/20</a:t>
+              <a:t>12/2/20</a:t>
             </a:fld>
             <a:endParaRPr lang="en-US"/>
           </a:p>
@@ -3288,7 +3288,7 @@
           <a:p>
             <a:fld id="{CC6746AB-E9F6-BA4D-B6FB-BA057EA91336}" type="datetimeFigureOut">
               <a:rPr lang="en-US" smtClean="0"/>
-              <a:t>12/1/20</a:t>
+              <a:t>12/2/20</a:t>
             </a:fld>
             <a:endParaRPr lang="en-US"/>
           </a:p>
@@ -3401,7 +3401,7 @@
           <a:p>
             <a:fld id="{CC6746AB-E9F6-BA4D-B6FB-BA057EA91336}" type="datetimeFigureOut">
               <a:rPr lang="en-US" smtClean="0"/>
-              <a:t>12/1/20</a:t>
+              <a:t>12/2/20</a:t>
             </a:fld>
             <a:endParaRPr lang="en-US"/>
           </a:p>
@@ -3712,7 +3712,7 @@
           <a:p>
             <a:fld id="{CC6746AB-E9F6-BA4D-B6FB-BA057EA91336}" type="datetimeFigureOut">
               <a:rPr lang="en-US" smtClean="0"/>
-              <a:t>12/1/20</a:t>
+              <a:t>12/2/20</a:t>
             </a:fld>
             <a:endParaRPr lang="en-US"/>
           </a:p>
@@ -4000,7 +4000,7 @@
           <a:p>
             <a:fld id="{CC6746AB-E9F6-BA4D-B6FB-BA057EA91336}" type="datetimeFigureOut">
               <a:rPr lang="en-US" smtClean="0"/>
-              <a:t>12/1/20</a:t>
+              <a:t>12/2/20</a:t>
             </a:fld>
             <a:endParaRPr lang="en-US"/>
           </a:p>
@@ -4241,7 +4241,7 @@
           <a:p>
             <a:fld id="{CC6746AB-E9F6-BA4D-B6FB-BA057EA91336}" type="datetimeFigureOut">
               <a:rPr lang="en-US" smtClean="0"/>
-              <a:t>12/1/20</a:t>
+              <a:t>12/2/20</a:t>
             </a:fld>
             <a:endParaRPr lang="en-US"/>
           </a:p>
@@ -5507,7 +5507,7 @@
         <p:spPr>
           <a:xfrm>
             <a:off x="4632986" y="1490118"/>
-            <a:ext cx="2379177" cy="4801314"/>
+            <a:ext cx="2379177" cy="5078313"/>
           </a:xfrm>
           <a:prstGeom prst="rect">
             <a:avLst/>
@@ -5551,11 +5551,19 @@
               <a:rPr lang="en-AU" dirty="0" err="1">
                 <a:latin typeface="Lato Black" panose="020F0A02020204030203" pitchFamily="34" charset="77"/>
               </a:rPr>
-              <a:t>xtensio</a:t>
+              <a:t>Xtensio</a:t>
             </a:r>
             <a:endParaRPr lang="en-AU" dirty="0">
               <a:latin typeface="Lato Black" panose="020F0A02020204030203" pitchFamily="34" charset="77"/>
             </a:endParaRPr>
+          </a:p>
+          <a:p>
+            <a:r>
+              <a:rPr lang="en-AU" dirty="0">
+                <a:latin typeface="Lato Black" panose="020F0A02020204030203" pitchFamily="34" charset="77"/>
+              </a:rPr>
+              <a:t>Framer</a:t>
+            </a:r>
           </a:p>
           <a:p>
             <a:r>
